--- a/MyThinkTank.pptx
+++ b/MyThinkTank.pptx
@@ -6,10 +6,12 @@
   </p:sldMasterIdLst>
   <p:sldIdLst>
     <p:sldId id="256" r:id="rId2"/>
-    <p:sldId id="257" r:id="rId3"/>
-    <p:sldId id="258" r:id="rId4"/>
+    <p:sldId id="262" r:id="rId3"/>
+    <p:sldId id="257" r:id="rId4"/>
     <p:sldId id="259" r:id="rId5"/>
-    <p:sldId id="260" r:id="rId6"/>
+    <p:sldId id="258" r:id="rId6"/>
+    <p:sldId id="260" r:id="rId7"/>
+    <p:sldId id="261" r:id="rId8"/>
   </p:sldIdLst>
   <p:sldSz cx="12192000" cy="6858000"/>
   <p:notesSz cx="6858000" cy="9144000"/>
@@ -858,6 +860,753 @@
 </dgm:colorsDef>
 </file>
 
+<file path=ppt/diagrams/colors2.xml><?xml version="1.0" encoding="utf-8"?>
+<dgm:colorsDef xmlns:dgm="http://schemas.openxmlformats.org/drawingml/2006/diagram" xmlns:a="http://schemas.openxmlformats.org/drawingml/2006/main" uniqueId="urn:microsoft.com/office/officeart/2005/8/colors/accent1_2">
+  <dgm:title val=""/>
+  <dgm:desc val=""/>
+  <dgm:catLst>
+    <dgm:cat type="accent1" pri="11200"/>
+  </dgm:catLst>
+  <dgm:styleLbl name="node0">
+    <dgm:fillClrLst meth="repeat">
+      <a:schemeClr val="accent1"/>
+    </dgm:fillClrLst>
+    <dgm:linClrLst meth="repeat">
+      <a:schemeClr val="lt1"/>
+    </dgm:linClrLst>
+    <dgm:effectClrLst/>
+    <dgm:txLinClrLst/>
+    <dgm:txFillClrLst/>
+    <dgm:txEffectClrLst/>
+  </dgm:styleLbl>
+  <dgm:styleLbl name="alignNode1">
+    <dgm:fillClrLst meth="repeat">
+      <a:schemeClr val="accent1"/>
+    </dgm:fillClrLst>
+    <dgm:linClrLst meth="repeat">
+      <a:schemeClr val="accent1"/>
+    </dgm:linClrLst>
+    <dgm:effectClrLst/>
+    <dgm:txLinClrLst/>
+    <dgm:txFillClrLst/>
+    <dgm:txEffectClrLst/>
+  </dgm:styleLbl>
+  <dgm:styleLbl name="node1">
+    <dgm:fillClrLst meth="repeat">
+      <a:schemeClr val="accent1"/>
+    </dgm:fillClrLst>
+    <dgm:linClrLst meth="repeat">
+      <a:schemeClr val="lt1"/>
+    </dgm:linClrLst>
+    <dgm:effectClrLst/>
+    <dgm:txLinClrLst/>
+    <dgm:txFillClrLst/>
+    <dgm:txEffectClrLst/>
+  </dgm:styleLbl>
+  <dgm:styleLbl name="lnNode1">
+    <dgm:fillClrLst meth="repeat">
+      <a:schemeClr val="accent1"/>
+    </dgm:fillClrLst>
+    <dgm:linClrLst meth="repeat">
+      <a:schemeClr val="lt1"/>
+    </dgm:linClrLst>
+    <dgm:effectClrLst/>
+    <dgm:txLinClrLst/>
+    <dgm:txFillClrLst/>
+    <dgm:txEffectClrLst/>
+  </dgm:styleLbl>
+  <dgm:styleLbl name="vennNode1">
+    <dgm:fillClrLst meth="repeat">
+      <a:schemeClr val="accent1">
+        <a:alpha val="50000"/>
+      </a:schemeClr>
+    </dgm:fillClrLst>
+    <dgm:linClrLst meth="repeat">
+      <a:schemeClr val="lt1"/>
+    </dgm:linClrLst>
+    <dgm:effectClrLst/>
+    <dgm:txLinClrLst/>
+    <dgm:txFillClrLst/>
+    <dgm:txEffectClrLst/>
+  </dgm:styleLbl>
+  <dgm:styleLbl name="node2">
+    <dgm:fillClrLst meth="repeat">
+      <a:schemeClr val="accent1"/>
+    </dgm:fillClrLst>
+    <dgm:linClrLst meth="repeat">
+      <a:schemeClr val="lt1"/>
+    </dgm:linClrLst>
+    <dgm:effectClrLst/>
+    <dgm:txLinClrLst/>
+    <dgm:txFillClrLst/>
+    <dgm:txEffectClrLst/>
+  </dgm:styleLbl>
+  <dgm:styleLbl name="node3">
+    <dgm:fillClrLst meth="repeat">
+      <a:schemeClr val="accent1"/>
+    </dgm:fillClrLst>
+    <dgm:linClrLst meth="repeat">
+      <a:schemeClr val="lt1"/>
+    </dgm:linClrLst>
+    <dgm:effectClrLst/>
+    <dgm:txLinClrLst/>
+    <dgm:txFillClrLst/>
+    <dgm:txEffectClrLst/>
+  </dgm:styleLbl>
+  <dgm:styleLbl name="node4">
+    <dgm:fillClrLst meth="repeat">
+      <a:schemeClr val="accent1"/>
+    </dgm:fillClrLst>
+    <dgm:linClrLst meth="repeat">
+      <a:schemeClr val="lt1"/>
+    </dgm:linClrLst>
+    <dgm:effectClrLst/>
+    <dgm:txLinClrLst/>
+    <dgm:txFillClrLst/>
+    <dgm:txEffectClrLst/>
+  </dgm:styleLbl>
+  <dgm:styleLbl name="fgImgPlace1">
+    <dgm:fillClrLst meth="repeat">
+      <a:schemeClr val="accent1">
+        <a:tint val="50000"/>
+      </a:schemeClr>
+    </dgm:fillClrLst>
+    <dgm:linClrLst meth="repeat">
+      <a:schemeClr val="lt1"/>
+    </dgm:linClrLst>
+    <dgm:effectClrLst/>
+    <dgm:txLinClrLst/>
+    <dgm:txFillClrLst meth="repeat">
+      <a:schemeClr val="lt1"/>
+    </dgm:txFillClrLst>
+    <dgm:txEffectClrLst/>
+  </dgm:styleLbl>
+  <dgm:styleLbl name="alignImgPlace1">
+    <dgm:fillClrLst meth="repeat">
+      <a:schemeClr val="accent1">
+        <a:tint val="50000"/>
+      </a:schemeClr>
+    </dgm:fillClrLst>
+    <dgm:linClrLst meth="repeat">
+      <a:schemeClr val="lt1"/>
+    </dgm:linClrLst>
+    <dgm:effectClrLst/>
+    <dgm:txLinClrLst/>
+    <dgm:txFillClrLst meth="repeat">
+      <a:schemeClr val="lt1"/>
+    </dgm:txFillClrLst>
+    <dgm:txEffectClrLst/>
+  </dgm:styleLbl>
+  <dgm:styleLbl name="bgImgPlace1">
+    <dgm:fillClrLst meth="repeat">
+      <a:schemeClr val="accent1">
+        <a:tint val="50000"/>
+      </a:schemeClr>
+    </dgm:fillClrLst>
+    <dgm:linClrLst meth="repeat">
+      <a:schemeClr val="lt1"/>
+    </dgm:linClrLst>
+    <dgm:effectClrLst/>
+    <dgm:txLinClrLst/>
+    <dgm:txFillClrLst meth="repeat">
+      <a:schemeClr val="lt1"/>
+    </dgm:txFillClrLst>
+    <dgm:txEffectClrLst/>
+  </dgm:styleLbl>
+  <dgm:styleLbl name="sibTrans2D1">
+    <dgm:fillClrLst meth="repeat">
+      <a:schemeClr val="accent1">
+        <a:tint val="60000"/>
+      </a:schemeClr>
+    </dgm:fillClrLst>
+    <dgm:linClrLst meth="repeat">
+      <a:schemeClr val="accent1">
+        <a:tint val="60000"/>
+      </a:schemeClr>
+    </dgm:linClrLst>
+    <dgm:effectClrLst/>
+    <dgm:txLinClrLst/>
+    <dgm:txFillClrLst/>
+    <dgm:txEffectClrLst/>
+  </dgm:styleLbl>
+  <dgm:styleLbl name="fgSibTrans2D1">
+    <dgm:fillClrLst meth="repeat">
+      <a:schemeClr val="accent1">
+        <a:tint val="60000"/>
+      </a:schemeClr>
+    </dgm:fillClrLst>
+    <dgm:linClrLst meth="repeat">
+      <a:schemeClr val="accent1">
+        <a:tint val="60000"/>
+      </a:schemeClr>
+    </dgm:linClrLst>
+    <dgm:effectClrLst/>
+    <dgm:txLinClrLst/>
+    <dgm:txFillClrLst/>
+    <dgm:txEffectClrLst/>
+  </dgm:styleLbl>
+  <dgm:styleLbl name="bgSibTrans2D1">
+    <dgm:fillClrLst meth="repeat">
+      <a:schemeClr val="accent1">
+        <a:tint val="60000"/>
+      </a:schemeClr>
+    </dgm:fillClrLst>
+    <dgm:linClrLst meth="repeat">
+      <a:schemeClr val="accent1">
+        <a:tint val="60000"/>
+      </a:schemeClr>
+    </dgm:linClrLst>
+    <dgm:effectClrLst/>
+    <dgm:txLinClrLst/>
+    <dgm:txFillClrLst/>
+    <dgm:txEffectClrLst/>
+  </dgm:styleLbl>
+  <dgm:styleLbl name="sibTrans1D1">
+    <dgm:fillClrLst meth="repeat">
+      <a:schemeClr val="accent1"/>
+    </dgm:fillClrLst>
+    <dgm:linClrLst meth="repeat">
+      <a:schemeClr val="accent1"/>
+    </dgm:linClrLst>
+    <dgm:effectClrLst/>
+    <dgm:txLinClrLst/>
+    <dgm:txFillClrLst meth="repeat">
+      <a:schemeClr val="tx1"/>
+    </dgm:txFillClrLst>
+    <dgm:txEffectClrLst/>
+  </dgm:styleLbl>
+  <dgm:styleLbl name="callout">
+    <dgm:fillClrLst meth="repeat">
+      <a:schemeClr val="accent1"/>
+    </dgm:fillClrLst>
+    <dgm:linClrLst meth="repeat">
+      <a:schemeClr val="accent1">
+        <a:tint val="50000"/>
+      </a:schemeClr>
+    </dgm:linClrLst>
+    <dgm:effectClrLst/>
+    <dgm:txLinClrLst/>
+    <dgm:txFillClrLst meth="repeat">
+      <a:schemeClr val="tx1"/>
+    </dgm:txFillClrLst>
+    <dgm:txEffectClrLst/>
+  </dgm:styleLbl>
+  <dgm:styleLbl name="asst0">
+    <dgm:fillClrLst meth="repeat">
+      <a:schemeClr val="accent1"/>
+    </dgm:fillClrLst>
+    <dgm:linClrLst meth="repeat">
+      <a:schemeClr val="lt1"/>
+    </dgm:linClrLst>
+    <dgm:effectClrLst/>
+    <dgm:txLinClrLst/>
+    <dgm:txFillClrLst/>
+    <dgm:txEffectClrLst/>
+  </dgm:styleLbl>
+  <dgm:styleLbl name="asst1">
+    <dgm:fillClrLst meth="repeat">
+      <a:schemeClr val="accent1"/>
+    </dgm:fillClrLst>
+    <dgm:linClrLst meth="repeat">
+      <a:schemeClr val="lt1"/>
+    </dgm:linClrLst>
+    <dgm:effectClrLst/>
+    <dgm:txLinClrLst/>
+    <dgm:txFillClrLst/>
+    <dgm:txEffectClrLst/>
+  </dgm:styleLbl>
+  <dgm:styleLbl name="asst2">
+    <dgm:fillClrLst meth="repeat">
+      <a:schemeClr val="accent1"/>
+    </dgm:fillClrLst>
+    <dgm:linClrLst meth="repeat">
+      <a:schemeClr val="lt1"/>
+    </dgm:linClrLst>
+    <dgm:effectClrLst/>
+    <dgm:txLinClrLst/>
+    <dgm:txFillClrLst/>
+    <dgm:txEffectClrLst/>
+  </dgm:styleLbl>
+  <dgm:styleLbl name="asst3">
+    <dgm:fillClrLst meth="repeat">
+      <a:schemeClr val="accent1"/>
+    </dgm:fillClrLst>
+    <dgm:linClrLst meth="repeat">
+      <a:schemeClr val="lt1"/>
+    </dgm:linClrLst>
+    <dgm:effectClrLst/>
+    <dgm:txLinClrLst/>
+    <dgm:txFillClrLst/>
+    <dgm:txEffectClrLst/>
+  </dgm:styleLbl>
+  <dgm:styleLbl name="asst4">
+    <dgm:fillClrLst meth="repeat">
+      <a:schemeClr val="accent1"/>
+    </dgm:fillClrLst>
+    <dgm:linClrLst meth="repeat">
+      <a:schemeClr val="lt1"/>
+    </dgm:linClrLst>
+    <dgm:effectClrLst/>
+    <dgm:txLinClrLst/>
+    <dgm:txFillClrLst/>
+    <dgm:txEffectClrLst/>
+  </dgm:styleLbl>
+  <dgm:styleLbl name="parChTrans2D1">
+    <dgm:fillClrLst meth="repeat">
+      <a:schemeClr val="accent1">
+        <a:tint val="60000"/>
+      </a:schemeClr>
+    </dgm:fillClrLst>
+    <dgm:linClrLst meth="repeat">
+      <a:schemeClr val="accent1">
+        <a:tint val="60000"/>
+      </a:schemeClr>
+    </dgm:linClrLst>
+    <dgm:effectClrLst/>
+    <dgm:txLinClrLst/>
+    <dgm:txFillClrLst meth="repeat">
+      <a:schemeClr val="lt1"/>
+    </dgm:txFillClrLst>
+    <dgm:txEffectClrLst/>
+  </dgm:styleLbl>
+  <dgm:styleLbl name="parChTrans2D2">
+    <dgm:fillClrLst meth="repeat">
+      <a:schemeClr val="accent1"/>
+    </dgm:fillClrLst>
+    <dgm:linClrLst meth="repeat">
+      <a:schemeClr val="accent1"/>
+    </dgm:linClrLst>
+    <dgm:effectClrLst/>
+    <dgm:txLinClrLst/>
+    <dgm:txFillClrLst meth="repeat">
+      <a:schemeClr val="lt1"/>
+    </dgm:txFillClrLst>
+    <dgm:txEffectClrLst/>
+  </dgm:styleLbl>
+  <dgm:styleLbl name="parChTrans2D3">
+    <dgm:fillClrLst meth="repeat">
+      <a:schemeClr val="accent1"/>
+    </dgm:fillClrLst>
+    <dgm:linClrLst meth="repeat">
+      <a:schemeClr val="accent1"/>
+    </dgm:linClrLst>
+    <dgm:effectClrLst/>
+    <dgm:txLinClrLst/>
+    <dgm:txFillClrLst meth="repeat">
+      <a:schemeClr val="lt1"/>
+    </dgm:txFillClrLst>
+    <dgm:txEffectClrLst/>
+  </dgm:styleLbl>
+  <dgm:styleLbl name="parChTrans2D4">
+    <dgm:fillClrLst meth="repeat">
+      <a:schemeClr val="accent1"/>
+    </dgm:fillClrLst>
+    <dgm:linClrLst meth="repeat">
+      <a:schemeClr val="accent1"/>
+    </dgm:linClrLst>
+    <dgm:effectClrLst/>
+    <dgm:txLinClrLst/>
+    <dgm:txFillClrLst meth="repeat">
+      <a:schemeClr val="lt1"/>
+    </dgm:txFillClrLst>
+    <dgm:txEffectClrLst/>
+  </dgm:styleLbl>
+  <dgm:styleLbl name="parChTrans1D1">
+    <dgm:fillClrLst meth="repeat">
+      <a:schemeClr val="accent1"/>
+    </dgm:fillClrLst>
+    <dgm:linClrLst meth="repeat">
+      <a:schemeClr val="accent1">
+        <a:shade val="60000"/>
+      </a:schemeClr>
+    </dgm:linClrLst>
+    <dgm:effectClrLst/>
+    <dgm:txLinClrLst/>
+    <dgm:txFillClrLst meth="repeat">
+      <a:schemeClr val="tx1"/>
+    </dgm:txFillClrLst>
+    <dgm:txEffectClrLst/>
+  </dgm:styleLbl>
+  <dgm:styleLbl name="parChTrans1D2">
+    <dgm:fillClrLst meth="repeat">
+      <a:schemeClr val="accent1"/>
+    </dgm:fillClrLst>
+    <dgm:linClrLst meth="repeat">
+      <a:schemeClr val="accent1">
+        <a:shade val="60000"/>
+      </a:schemeClr>
+    </dgm:linClrLst>
+    <dgm:effectClrLst/>
+    <dgm:txLinClrLst/>
+    <dgm:txFillClrLst meth="repeat">
+      <a:schemeClr val="tx1"/>
+    </dgm:txFillClrLst>
+    <dgm:txEffectClrLst/>
+  </dgm:styleLbl>
+  <dgm:styleLbl name="parChTrans1D3">
+    <dgm:fillClrLst meth="repeat">
+      <a:schemeClr val="accent1"/>
+    </dgm:fillClrLst>
+    <dgm:linClrLst meth="repeat">
+      <a:schemeClr val="accent1">
+        <a:shade val="80000"/>
+      </a:schemeClr>
+    </dgm:linClrLst>
+    <dgm:effectClrLst/>
+    <dgm:txLinClrLst/>
+    <dgm:txFillClrLst meth="repeat">
+      <a:schemeClr val="tx1"/>
+    </dgm:txFillClrLst>
+    <dgm:txEffectClrLst/>
+  </dgm:styleLbl>
+  <dgm:styleLbl name="parChTrans1D4">
+    <dgm:fillClrLst meth="repeat">
+      <a:schemeClr val="accent1"/>
+    </dgm:fillClrLst>
+    <dgm:linClrLst meth="repeat">
+      <a:schemeClr val="accent1">
+        <a:shade val="80000"/>
+      </a:schemeClr>
+    </dgm:linClrLst>
+    <dgm:effectClrLst/>
+    <dgm:txLinClrLst/>
+    <dgm:txFillClrLst meth="repeat">
+      <a:schemeClr val="tx1"/>
+    </dgm:txFillClrLst>
+    <dgm:txEffectClrLst/>
+  </dgm:styleLbl>
+  <dgm:styleLbl name="fgAcc1">
+    <dgm:fillClrLst meth="repeat">
+      <a:schemeClr val="lt1">
+        <a:alpha val="90000"/>
+      </a:schemeClr>
+    </dgm:fillClrLst>
+    <dgm:linClrLst meth="repeat">
+      <a:schemeClr val="accent1"/>
+    </dgm:linClrLst>
+    <dgm:effectClrLst/>
+    <dgm:txLinClrLst/>
+    <dgm:txFillClrLst meth="repeat">
+      <a:schemeClr val="dk1"/>
+    </dgm:txFillClrLst>
+    <dgm:txEffectClrLst/>
+  </dgm:styleLbl>
+  <dgm:styleLbl name="conFgAcc1">
+    <dgm:fillClrLst meth="repeat">
+      <a:schemeClr val="lt1">
+        <a:alpha val="90000"/>
+      </a:schemeClr>
+    </dgm:fillClrLst>
+    <dgm:linClrLst meth="repeat">
+      <a:schemeClr val="accent1"/>
+    </dgm:linClrLst>
+    <dgm:effectClrLst/>
+    <dgm:txLinClrLst/>
+    <dgm:txFillClrLst meth="repeat">
+      <a:schemeClr val="dk1"/>
+    </dgm:txFillClrLst>
+    <dgm:txEffectClrLst/>
+  </dgm:styleLbl>
+  <dgm:styleLbl name="alignAcc1">
+    <dgm:fillClrLst meth="repeat">
+      <a:schemeClr val="lt1">
+        <a:alpha val="90000"/>
+      </a:schemeClr>
+    </dgm:fillClrLst>
+    <dgm:linClrLst meth="repeat">
+      <a:schemeClr val="accent1"/>
+    </dgm:linClrLst>
+    <dgm:effectClrLst/>
+    <dgm:txLinClrLst/>
+    <dgm:txFillClrLst meth="repeat">
+      <a:schemeClr val="dk1"/>
+    </dgm:txFillClrLst>
+    <dgm:txEffectClrLst/>
+  </dgm:styleLbl>
+  <dgm:styleLbl name="trAlignAcc1">
+    <dgm:fillClrLst meth="repeat">
+      <a:schemeClr val="lt1">
+        <a:alpha val="40000"/>
+      </a:schemeClr>
+    </dgm:fillClrLst>
+    <dgm:linClrLst meth="repeat">
+      <a:schemeClr val="accent1"/>
+    </dgm:linClrLst>
+    <dgm:effectClrLst/>
+    <dgm:txLinClrLst/>
+    <dgm:txFillClrLst meth="repeat">
+      <a:schemeClr val="dk1"/>
+    </dgm:txFillClrLst>
+    <dgm:txEffectClrLst/>
+  </dgm:styleLbl>
+  <dgm:styleLbl name="bgAcc1">
+    <dgm:fillClrLst meth="repeat">
+      <a:schemeClr val="lt1">
+        <a:alpha val="90000"/>
+      </a:schemeClr>
+    </dgm:fillClrLst>
+    <dgm:linClrLst meth="repeat">
+      <a:schemeClr val="accent1"/>
+    </dgm:linClrLst>
+    <dgm:effectClrLst/>
+    <dgm:txLinClrLst/>
+    <dgm:txFillClrLst meth="repeat">
+      <a:schemeClr val="dk1"/>
+    </dgm:txFillClrLst>
+    <dgm:txEffectClrLst/>
+  </dgm:styleLbl>
+  <dgm:styleLbl name="solidFgAcc1">
+    <dgm:fillClrLst meth="repeat">
+      <a:schemeClr val="lt1"/>
+    </dgm:fillClrLst>
+    <dgm:linClrLst meth="repeat">
+      <a:schemeClr val="accent1"/>
+    </dgm:linClrLst>
+    <dgm:effectClrLst/>
+    <dgm:txLinClrLst/>
+    <dgm:txFillClrLst meth="repeat">
+      <a:schemeClr val="dk1"/>
+    </dgm:txFillClrLst>
+    <dgm:txEffectClrLst/>
+  </dgm:styleLbl>
+  <dgm:styleLbl name="solidAlignAcc1">
+    <dgm:fillClrLst meth="repeat">
+      <a:schemeClr val="lt1"/>
+    </dgm:fillClrLst>
+    <dgm:linClrLst meth="repeat">
+      <a:schemeClr val="accent1"/>
+    </dgm:linClrLst>
+    <dgm:effectClrLst/>
+    <dgm:txLinClrLst/>
+    <dgm:txFillClrLst meth="repeat">
+      <a:schemeClr val="dk1"/>
+    </dgm:txFillClrLst>
+    <dgm:txEffectClrLst/>
+  </dgm:styleLbl>
+  <dgm:styleLbl name="solidBgAcc1">
+    <dgm:fillClrLst meth="repeat">
+      <a:schemeClr val="lt1"/>
+    </dgm:fillClrLst>
+    <dgm:linClrLst meth="repeat">
+      <a:schemeClr val="accent1"/>
+    </dgm:linClrLst>
+    <dgm:effectClrLst/>
+    <dgm:txLinClrLst/>
+    <dgm:txFillClrLst meth="repeat">
+      <a:schemeClr val="dk1"/>
+    </dgm:txFillClrLst>
+    <dgm:txEffectClrLst/>
+  </dgm:styleLbl>
+  <dgm:styleLbl name="fgAccFollowNode1">
+    <dgm:fillClrLst meth="repeat">
+      <a:schemeClr val="accent1">
+        <a:alpha val="90000"/>
+        <a:tint val="40000"/>
+      </a:schemeClr>
+    </dgm:fillClrLst>
+    <dgm:linClrLst meth="repeat">
+      <a:schemeClr val="accent1">
+        <a:alpha val="90000"/>
+        <a:tint val="40000"/>
+      </a:schemeClr>
+    </dgm:linClrLst>
+    <dgm:effectClrLst/>
+    <dgm:txLinClrLst/>
+    <dgm:txFillClrLst meth="repeat">
+      <a:schemeClr val="dk1"/>
+    </dgm:txFillClrLst>
+    <dgm:txEffectClrLst/>
+  </dgm:styleLbl>
+  <dgm:styleLbl name="alignAccFollowNode1">
+    <dgm:fillClrLst meth="repeat">
+      <a:schemeClr val="accent1">
+        <a:alpha val="90000"/>
+        <a:tint val="40000"/>
+      </a:schemeClr>
+    </dgm:fillClrLst>
+    <dgm:linClrLst meth="repeat">
+      <a:schemeClr val="accent1">
+        <a:alpha val="90000"/>
+        <a:tint val="40000"/>
+      </a:schemeClr>
+    </dgm:linClrLst>
+    <dgm:effectClrLst/>
+    <dgm:txLinClrLst/>
+    <dgm:txFillClrLst meth="repeat">
+      <a:schemeClr val="dk1"/>
+    </dgm:txFillClrLst>
+    <dgm:txEffectClrLst/>
+  </dgm:styleLbl>
+  <dgm:styleLbl name="bgAccFollowNode1">
+    <dgm:fillClrLst meth="repeat">
+      <a:schemeClr val="accent1">
+        <a:alpha val="90000"/>
+        <a:tint val="40000"/>
+      </a:schemeClr>
+    </dgm:fillClrLst>
+    <dgm:linClrLst meth="repeat">
+      <a:schemeClr val="accent1">
+        <a:alpha val="90000"/>
+        <a:tint val="40000"/>
+      </a:schemeClr>
+    </dgm:linClrLst>
+    <dgm:effectClrLst/>
+    <dgm:txLinClrLst/>
+    <dgm:txFillClrLst meth="repeat">
+      <a:schemeClr val="dk1"/>
+    </dgm:txFillClrLst>
+    <dgm:txEffectClrLst/>
+  </dgm:styleLbl>
+  <dgm:styleLbl name="fgAcc0">
+    <dgm:fillClrLst meth="repeat">
+      <a:schemeClr val="lt1">
+        <a:alpha val="90000"/>
+      </a:schemeClr>
+    </dgm:fillClrLst>
+    <dgm:linClrLst meth="repeat">
+      <a:schemeClr val="accent1"/>
+    </dgm:linClrLst>
+    <dgm:effectClrLst/>
+    <dgm:txLinClrLst/>
+    <dgm:txFillClrLst meth="repeat">
+      <a:schemeClr val="dk1"/>
+    </dgm:txFillClrLst>
+    <dgm:txEffectClrLst/>
+  </dgm:styleLbl>
+  <dgm:styleLbl name="fgAcc2">
+    <dgm:fillClrLst meth="repeat">
+      <a:schemeClr val="lt1">
+        <a:alpha val="90000"/>
+      </a:schemeClr>
+    </dgm:fillClrLst>
+    <dgm:linClrLst meth="repeat">
+      <a:schemeClr val="accent1"/>
+    </dgm:linClrLst>
+    <dgm:effectClrLst/>
+    <dgm:txLinClrLst/>
+    <dgm:txFillClrLst meth="repeat">
+      <a:schemeClr val="dk1"/>
+    </dgm:txFillClrLst>
+    <dgm:txEffectClrLst/>
+  </dgm:styleLbl>
+  <dgm:styleLbl name="fgAcc3">
+    <dgm:fillClrLst meth="repeat">
+      <a:schemeClr val="lt1">
+        <a:alpha val="90000"/>
+      </a:schemeClr>
+    </dgm:fillClrLst>
+    <dgm:linClrLst meth="repeat">
+      <a:schemeClr val="accent1"/>
+    </dgm:linClrLst>
+    <dgm:effectClrLst/>
+    <dgm:txLinClrLst/>
+    <dgm:txFillClrLst meth="repeat">
+      <a:schemeClr val="dk1"/>
+    </dgm:txFillClrLst>
+    <dgm:txEffectClrLst/>
+  </dgm:styleLbl>
+  <dgm:styleLbl name="fgAcc4">
+    <dgm:fillClrLst meth="repeat">
+      <a:schemeClr val="lt1">
+        <a:alpha val="90000"/>
+      </a:schemeClr>
+    </dgm:fillClrLst>
+    <dgm:linClrLst meth="repeat">
+      <a:schemeClr val="accent1"/>
+    </dgm:linClrLst>
+    <dgm:effectClrLst/>
+    <dgm:txLinClrLst/>
+    <dgm:txFillClrLst meth="repeat">
+      <a:schemeClr val="dk1"/>
+    </dgm:txFillClrLst>
+    <dgm:txEffectClrLst/>
+  </dgm:styleLbl>
+  <dgm:styleLbl name="bgShp">
+    <dgm:fillClrLst meth="repeat">
+      <a:schemeClr val="accent1">
+        <a:tint val="40000"/>
+      </a:schemeClr>
+    </dgm:fillClrLst>
+    <dgm:linClrLst meth="repeat">
+      <a:schemeClr val="accent1"/>
+    </dgm:linClrLst>
+    <dgm:effectClrLst/>
+    <dgm:txLinClrLst/>
+    <dgm:txFillClrLst meth="repeat">
+      <a:schemeClr val="dk1"/>
+    </dgm:txFillClrLst>
+    <dgm:txEffectClrLst/>
+  </dgm:styleLbl>
+  <dgm:styleLbl name="dkBgShp">
+    <dgm:fillClrLst meth="repeat">
+      <a:schemeClr val="accent1">
+        <a:shade val="80000"/>
+      </a:schemeClr>
+    </dgm:fillClrLst>
+    <dgm:linClrLst meth="repeat">
+      <a:schemeClr val="accent1"/>
+    </dgm:linClrLst>
+    <dgm:effectClrLst/>
+    <dgm:txLinClrLst/>
+    <dgm:txFillClrLst meth="repeat">
+      <a:schemeClr val="lt1"/>
+    </dgm:txFillClrLst>
+    <dgm:txEffectClrLst/>
+  </dgm:styleLbl>
+  <dgm:styleLbl name="trBgShp">
+    <dgm:fillClrLst meth="repeat">
+      <a:schemeClr val="accent1">
+        <a:tint val="50000"/>
+        <a:alpha val="40000"/>
+      </a:schemeClr>
+    </dgm:fillClrLst>
+    <dgm:linClrLst meth="repeat">
+      <a:schemeClr val="accent1"/>
+    </dgm:linClrLst>
+    <dgm:effectClrLst/>
+    <dgm:txLinClrLst/>
+    <dgm:txFillClrLst meth="repeat">
+      <a:schemeClr val="lt1"/>
+    </dgm:txFillClrLst>
+    <dgm:txEffectClrLst/>
+  </dgm:styleLbl>
+  <dgm:styleLbl name="fgShp">
+    <dgm:fillClrLst meth="repeat">
+      <a:schemeClr val="accent1">
+        <a:tint val="60000"/>
+      </a:schemeClr>
+    </dgm:fillClrLst>
+    <dgm:linClrLst meth="repeat">
+      <a:schemeClr val="lt1"/>
+    </dgm:linClrLst>
+    <dgm:effectClrLst/>
+    <dgm:txLinClrLst/>
+    <dgm:txFillClrLst meth="repeat">
+      <a:schemeClr val="dk1"/>
+    </dgm:txFillClrLst>
+    <dgm:txEffectClrLst/>
+  </dgm:styleLbl>
+  <dgm:styleLbl name="revTx">
+    <dgm:fillClrLst meth="repeat">
+      <a:schemeClr val="lt1">
+        <a:alpha val="0"/>
+      </a:schemeClr>
+    </dgm:fillClrLst>
+    <dgm:linClrLst meth="repeat">
+      <a:schemeClr val="dk1">
+        <a:alpha val="0"/>
+      </a:schemeClr>
+    </dgm:linClrLst>
+    <dgm:effectClrLst/>
+    <dgm:txLinClrLst/>
+    <dgm:txFillClrLst meth="repeat">
+      <a:schemeClr val="tx1"/>
+    </dgm:txFillClrLst>
+    <dgm:txEffectClrLst/>
+  </dgm:styleLbl>
+</dgm:colorsDef>
+</file>
+
 <file path=ppt/diagrams/data1.xml><?xml version="1.0" encoding="utf-8"?>
 <dgm:dataModel xmlns:dgm="http://schemas.openxmlformats.org/drawingml/2006/diagram" xmlns:a="http://schemas.openxmlformats.org/drawingml/2006/main">
   <dgm:ptLst>
@@ -872,9 +1621,7 @@
           <a:srgbClr val="0070C0"/>
         </a:solidFill>
         <a:ln>
-          <a:solidFill>
-            <a:schemeClr val="bg1"/>
-          </a:solidFill>
+          <a:noFill/>
         </a:ln>
       </dgm:spPr>
       <dgm:t>
@@ -883,7 +1630,7 @@
         <a:p>
           <a:r>
             <a:rPr lang="en-US" dirty="0"/>
-            <a:t>Class</a:t>
+            <a:t>Economics</a:t>
           </a:r>
         </a:p>
       </dgm:t>
@@ -919,9 +1666,7 @@
           </a:srgbClr>
         </a:solidFill>
         <a:ln>
-          <a:solidFill>
-            <a:schemeClr val="bg1"/>
-          </a:solidFill>
+          <a:noFill/>
         </a:ln>
       </dgm:spPr>
       <dgm:t>
@@ -930,7 +1675,7 @@
         <a:p>
           <a:r>
             <a:rPr lang="en-US" dirty="0"/>
-            <a:t>Climate</a:t>
+            <a:t>Environment</a:t>
           </a:r>
         </a:p>
       </dgm:t>
@@ -966,9 +1711,7 @@
           </a:schemeClr>
         </a:solidFill>
         <a:ln>
-          <a:solidFill>
-            <a:schemeClr val="bg1"/>
-          </a:solidFill>
+          <a:noFill/>
         </a:ln>
       </dgm:spPr>
       <dgm:t>
@@ -1015,7 +1758,7 @@
       <dgm:spPr/>
     </dgm:pt>
     <dgm:pt modelId="{430722F8-CA36-A44E-9F7D-D8A74A43A61F}" type="pres">
-      <dgm:prSet presAssocID="{69B5FA23-C307-A24E-8ED6-A6FCB7B1C52E}" presName="circ1" presStyleLbl="vennNode1" presStyleIdx="0" presStyleCnt="3"/>
+      <dgm:prSet presAssocID="{69B5FA23-C307-A24E-8ED6-A6FCB7B1C52E}" presName="circ1" presStyleLbl="vennNode1" presStyleIdx="0" presStyleCnt="3" custScaleX="124576" custScaleY="120494"/>
       <dgm:spPr/>
     </dgm:pt>
     <dgm:pt modelId="{C593DC45-5931-5945-9942-4B53F55C2A9D}" type="pres">
@@ -1029,7 +1772,7 @@
       <dgm:spPr/>
     </dgm:pt>
     <dgm:pt modelId="{9F2B2064-8073-5941-8EBA-A1A23846E51C}" type="pres">
-      <dgm:prSet presAssocID="{0983794D-80C8-9D49-89EF-F5842C6E3E95}" presName="circ2" presStyleLbl="vennNode1" presStyleIdx="1" presStyleCnt="3"/>
+      <dgm:prSet presAssocID="{0983794D-80C8-9D49-89EF-F5842C6E3E95}" presName="circ2" presStyleLbl="vennNode1" presStyleIdx="1" presStyleCnt="3" custScaleX="124576" custScaleY="120494"/>
       <dgm:spPr/>
     </dgm:pt>
     <dgm:pt modelId="{56C4C2CB-0A2B-8344-BE47-19473D0A2498}" type="pres">
@@ -1043,7 +1786,228 @@
       <dgm:spPr/>
     </dgm:pt>
     <dgm:pt modelId="{AC235BBF-7F0E-9F4B-840B-402D305A37C1}" type="pres">
-      <dgm:prSet presAssocID="{BCDF6075-28F4-5F49-B51F-A847815EC1B1}" presName="circ3" presStyleLbl="vennNode1" presStyleIdx="2" presStyleCnt="3"/>
+      <dgm:prSet presAssocID="{BCDF6075-28F4-5F49-B51F-A847815EC1B1}" presName="circ3" presStyleLbl="vennNode1" presStyleIdx="2" presStyleCnt="3" custScaleX="124576" custScaleY="120494"/>
+      <dgm:spPr/>
+    </dgm:pt>
+    <dgm:pt modelId="{9809F864-F90F-BF49-81DE-7850DA750BC5}" type="pres">
+      <dgm:prSet presAssocID="{BCDF6075-28F4-5F49-B51F-A847815EC1B1}" presName="circ3Tx" presStyleLbl="revTx" presStyleIdx="0" presStyleCnt="0">
+        <dgm:presLayoutVars>
+          <dgm:chMax val="0"/>
+          <dgm:chPref val="0"/>
+          <dgm:bulletEnabled val="1"/>
+        </dgm:presLayoutVars>
+      </dgm:prSet>
+      <dgm:spPr/>
+    </dgm:pt>
+  </dgm:ptLst>
+  <dgm:cxnLst>
+    <dgm:cxn modelId="{6765CE42-7D7D-F942-B054-8ADAE454B959}" srcId="{4F15371B-9AC4-514F-A3B4-0BB3580F5A3F}" destId="{BCDF6075-28F4-5F49-B51F-A847815EC1B1}" srcOrd="2" destOrd="0" parTransId="{F1615506-C72F-6044-88B7-AE153049E43A}" sibTransId="{F45A89B5-6BC9-CD44-9C95-3E218182A254}"/>
+    <dgm:cxn modelId="{109AD94B-ED78-9048-9A87-A2EEAF08E65C}" srcId="{4F15371B-9AC4-514F-A3B4-0BB3580F5A3F}" destId="{0983794D-80C8-9D49-89EF-F5842C6E3E95}" srcOrd="1" destOrd="0" parTransId="{3986A748-E671-F548-A526-C87314EB7C35}" sibTransId="{3FB44007-2E3F-1B4E-8186-4C7CE9E788F6}"/>
+    <dgm:cxn modelId="{8AB69D67-5769-2C4D-AA8B-310E6ED1D4E6}" srcId="{4F15371B-9AC4-514F-A3B4-0BB3580F5A3F}" destId="{69B5FA23-C307-A24E-8ED6-A6FCB7B1C52E}" srcOrd="0" destOrd="0" parTransId="{4F1CC4B2-8F77-554D-8E2D-739FCB865DA3}" sibTransId="{8B1DC8C9-A8DF-9A4A-8F6C-02AC57F4CCDB}"/>
+    <dgm:cxn modelId="{2AEF8A97-793B-1A41-8F4E-C22E772E9751}" type="presOf" srcId="{69B5FA23-C307-A24E-8ED6-A6FCB7B1C52E}" destId="{430722F8-CA36-A44E-9F7D-D8A74A43A61F}" srcOrd="0" destOrd="0" presId="urn:microsoft.com/office/officeart/2005/8/layout/venn1"/>
+    <dgm:cxn modelId="{41087DB2-24AB-074C-AD06-C673C94DB79C}" type="presOf" srcId="{69B5FA23-C307-A24E-8ED6-A6FCB7B1C52E}" destId="{C593DC45-5931-5945-9942-4B53F55C2A9D}" srcOrd="1" destOrd="0" presId="urn:microsoft.com/office/officeart/2005/8/layout/venn1"/>
+    <dgm:cxn modelId="{7E1B73B8-5CFD-064F-9054-0EFEA42E5B9C}" type="presOf" srcId="{0983794D-80C8-9D49-89EF-F5842C6E3E95}" destId="{9F2B2064-8073-5941-8EBA-A1A23846E51C}" srcOrd="0" destOrd="0" presId="urn:microsoft.com/office/officeart/2005/8/layout/venn1"/>
+    <dgm:cxn modelId="{291841C3-E1FE-694C-BA74-0AAD216CE22E}" type="presOf" srcId="{0983794D-80C8-9D49-89EF-F5842C6E3E95}" destId="{56C4C2CB-0A2B-8344-BE47-19473D0A2498}" srcOrd="1" destOrd="0" presId="urn:microsoft.com/office/officeart/2005/8/layout/venn1"/>
+    <dgm:cxn modelId="{DACD57DF-87EE-4B45-8607-3E4A55EFD0C7}" type="presOf" srcId="{4F15371B-9AC4-514F-A3B4-0BB3580F5A3F}" destId="{BA1E7A85-BC7B-BB41-BE86-8BB68734E74A}" srcOrd="0" destOrd="0" presId="urn:microsoft.com/office/officeart/2005/8/layout/venn1"/>
+    <dgm:cxn modelId="{23E2D8ED-B12E-9542-B538-1DFF26267636}" type="presOf" srcId="{BCDF6075-28F4-5F49-B51F-A847815EC1B1}" destId="{AC235BBF-7F0E-9F4B-840B-402D305A37C1}" srcOrd="0" destOrd="0" presId="urn:microsoft.com/office/officeart/2005/8/layout/venn1"/>
+    <dgm:cxn modelId="{C20E07EF-D23B-9F47-A567-104D7C78A6C0}" type="presOf" srcId="{BCDF6075-28F4-5F49-B51F-A847815EC1B1}" destId="{9809F864-F90F-BF49-81DE-7850DA750BC5}" srcOrd="1" destOrd="0" presId="urn:microsoft.com/office/officeart/2005/8/layout/venn1"/>
+    <dgm:cxn modelId="{99E57D55-26C5-714C-AD19-37AD0F171372}" type="presParOf" srcId="{BA1E7A85-BC7B-BB41-BE86-8BB68734E74A}" destId="{430722F8-CA36-A44E-9F7D-D8A74A43A61F}" srcOrd="0" destOrd="0" presId="urn:microsoft.com/office/officeart/2005/8/layout/venn1"/>
+    <dgm:cxn modelId="{9AD935C5-A8B6-CB46-A6CA-82876F787814}" type="presParOf" srcId="{BA1E7A85-BC7B-BB41-BE86-8BB68734E74A}" destId="{C593DC45-5931-5945-9942-4B53F55C2A9D}" srcOrd="1" destOrd="0" presId="urn:microsoft.com/office/officeart/2005/8/layout/venn1"/>
+    <dgm:cxn modelId="{91CE7D0C-1B6D-BE49-9C77-D2C5534C8637}" type="presParOf" srcId="{BA1E7A85-BC7B-BB41-BE86-8BB68734E74A}" destId="{9F2B2064-8073-5941-8EBA-A1A23846E51C}" srcOrd="2" destOrd="0" presId="urn:microsoft.com/office/officeart/2005/8/layout/venn1"/>
+    <dgm:cxn modelId="{D31C3CE9-A891-994F-B772-FADA7F61BAC3}" type="presParOf" srcId="{BA1E7A85-BC7B-BB41-BE86-8BB68734E74A}" destId="{56C4C2CB-0A2B-8344-BE47-19473D0A2498}" srcOrd="3" destOrd="0" presId="urn:microsoft.com/office/officeart/2005/8/layout/venn1"/>
+    <dgm:cxn modelId="{DBC3F9B6-9C37-1D4D-BA3E-BADAD62DCB03}" type="presParOf" srcId="{BA1E7A85-BC7B-BB41-BE86-8BB68734E74A}" destId="{AC235BBF-7F0E-9F4B-840B-402D305A37C1}" srcOrd="4" destOrd="0" presId="urn:microsoft.com/office/officeart/2005/8/layout/venn1"/>
+    <dgm:cxn modelId="{449E5805-0D6D-A94B-966E-F3C46265147F}" type="presParOf" srcId="{BA1E7A85-BC7B-BB41-BE86-8BB68734E74A}" destId="{9809F864-F90F-BF49-81DE-7850DA750BC5}" srcOrd="5" destOrd="0" presId="urn:microsoft.com/office/officeart/2005/8/layout/venn1"/>
+  </dgm:cxnLst>
+  <dgm:bg/>
+  <dgm:whole/>
+  <dgm:extLst>
+    <a:ext uri="http://schemas.microsoft.com/office/drawing/2008/diagram">
+      <dsp:dataModelExt xmlns:dsp="http://schemas.microsoft.com/office/drawing/2008/diagram" relId="rId6" minVer="http://schemas.openxmlformats.org/drawingml/2006/diagram"/>
+    </a:ext>
+  </dgm:extLst>
+</dgm:dataModel>
+</file>
+
+<file path=ppt/diagrams/data2.xml><?xml version="1.0" encoding="utf-8"?>
+<dgm:dataModel xmlns:dgm="http://schemas.openxmlformats.org/drawingml/2006/diagram" xmlns:a="http://schemas.openxmlformats.org/drawingml/2006/main">
+  <dgm:ptLst>
+    <dgm:pt modelId="{4F15371B-9AC4-514F-A3B4-0BB3580F5A3F}" type="doc">
+      <dgm:prSet loTypeId="urn:microsoft.com/office/officeart/2005/8/layout/venn1" loCatId="" qsTypeId="urn:microsoft.com/office/officeart/2005/8/quickstyle/simple1" qsCatId="simple" csTypeId="urn:microsoft.com/office/officeart/2005/8/colors/accent1_2" csCatId="accent1" phldr="1"/>
+      <dgm:spPr/>
+    </dgm:pt>
+    <dgm:pt modelId="{69B5FA23-C307-A24E-8ED6-A6FCB7B1C52E}">
+      <dgm:prSet phldrT="[Text]"/>
+      <dgm:spPr>
+        <a:solidFill>
+          <a:srgbClr val="0070C0"/>
+        </a:solidFill>
+        <a:ln>
+          <a:noFill/>
+        </a:ln>
+      </dgm:spPr>
+      <dgm:t>
+        <a:bodyPr/>
+        <a:lstStyle/>
+        <a:p>
+          <a:r>
+            <a:rPr lang="en-US" dirty="0"/>
+            <a:t>Economics</a:t>
+          </a:r>
+        </a:p>
+      </dgm:t>
+    </dgm:pt>
+    <dgm:pt modelId="{4F1CC4B2-8F77-554D-8E2D-739FCB865DA3}" type="parTrans" cxnId="{8AB69D67-5769-2C4D-AA8B-310E6ED1D4E6}">
+      <dgm:prSet/>
+      <dgm:spPr/>
+      <dgm:t>
+        <a:bodyPr/>
+        <a:lstStyle/>
+        <a:p>
+          <a:endParaRPr lang="en-US"/>
+        </a:p>
+      </dgm:t>
+    </dgm:pt>
+    <dgm:pt modelId="{8B1DC8C9-A8DF-9A4A-8F6C-02AC57F4CCDB}" type="sibTrans" cxnId="{8AB69D67-5769-2C4D-AA8B-310E6ED1D4E6}">
+      <dgm:prSet/>
+      <dgm:spPr/>
+      <dgm:t>
+        <a:bodyPr/>
+        <a:lstStyle/>
+        <a:p>
+          <a:endParaRPr lang="en-US"/>
+        </a:p>
+      </dgm:t>
+    </dgm:pt>
+    <dgm:pt modelId="{0983794D-80C8-9D49-89EF-F5842C6E3E95}">
+      <dgm:prSet phldrT="[Text]"/>
+      <dgm:spPr>
+        <a:solidFill>
+          <a:srgbClr val="92D050">
+            <a:alpha val="50000"/>
+          </a:srgbClr>
+        </a:solidFill>
+        <a:ln>
+          <a:noFill/>
+        </a:ln>
+      </dgm:spPr>
+      <dgm:t>
+        <a:bodyPr/>
+        <a:lstStyle/>
+        <a:p>
+          <a:r>
+            <a:rPr lang="en-US" dirty="0"/>
+            <a:t>Environment</a:t>
+          </a:r>
+        </a:p>
+      </dgm:t>
+    </dgm:pt>
+    <dgm:pt modelId="{3986A748-E671-F548-A526-C87314EB7C35}" type="parTrans" cxnId="{109AD94B-ED78-9048-9A87-A2EEAF08E65C}">
+      <dgm:prSet/>
+      <dgm:spPr/>
+      <dgm:t>
+        <a:bodyPr/>
+        <a:lstStyle/>
+        <a:p>
+          <a:endParaRPr lang="en-US"/>
+        </a:p>
+      </dgm:t>
+    </dgm:pt>
+    <dgm:pt modelId="{3FB44007-2E3F-1B4E-8186-4C7CE9E788F6}" type="sibTrans" cxnId="{109AD94B-ED78-9048-9A87-A2EEAF08E65C}">
+      <dgm:prSet/>
+      <dgm:spPr/>
+      <dgm:t>
+        <a:bodyPr/>
+        <a:lstStyle/>
+        <a:p>
+          <a:endParaRPr lang="en-US"/>
+        </a:p>
+      </dgm:t>
+    </dgm:pt>
+    <dgm:pt modelId="{BCDF6075-28F4-5F49-B51F-A847815EC1B1}">
+      <dgm:prSet phldrT="[Text]"/>
+      <dgm:spPr>
+        <a:solidFill>
+          <a:schemeClr val="accent3">
+            <a:alpha val="50000"/>
+          </a:schemeClr>
+        </a:solidFill>
+        <a:ln>
+          <a:noFill/>
+        </a:ln>
+      </dgm:spPr>
+      <dgm:t>
+        <a:bodyPr/>
+        <a:lstStyle/>
+        <a:p>
+          <a:r>
+            <a:rPr lang="en-US" dirty="0"/>
+            <a:t>Technology</a:t>
+          </a:r>
+        </a:p>
+      </dgm:t>
+    </dgm:pt>
+    <dgm:pt modelId="{F1615506-C72F-6044-88B7-AE153049E43A}" type="parTrans" cxnId="{6765CE42-7D7D-F942-B054-8ADAE454B959}">
+      <dgm:prSet/>
+      <dgm:spPr/>
+      <dgm:t>
+        <a:bodyPr/>
+        <a:lstStyle/>
+        <a:p>
+          <a:endParaRPr lang="en-US"/>
+        </a:p>
+      </dgm:t>
+    </dgm:pt>
+    <dgm:pt modelId="{F45A89B5-6BC9-CD44-9C95-3E218182A254}" type="sibTrans" cxnId="{6765CE42-7D7D-F942-B054-8ADAE454B959}">
+      <dgm:prSet/>
+      <dgm:spPr/>
+      <dgm:t>
+        <a:bodyPr/>
+        <a:lstStyle/>
+        <a:p>
+          <a:endParaRPr lang="en-US"/>
+        </a:p>
+      </dgm:t>
+    </dgm:pt>
+    <dgm:pt modelId="{BA1E7A85-BC7B-BB41-BE86-8BB68734E74A}" type="pres">
+      <dgm:prSet presAssocID="{4F15371B-9AC4-514F-A3B4-0BB3580F5A3F}" presName="compositeShape" presStyleCnt="0">
+        <dgm:presLayoutVars>
+          <dgm:chMax val="7"/>
+          <dgm:dir/>
+          <dgm:resizeHandles val="exact"/>
+        </dgm:presLayoutVars>
+      </dgm:prSet>
+      <dgm:spPr/>
+    </dgm:pt>
+    <dgm:pt modelId="{430722F8-CA36-A44E-9F7D-D8A74A43A61F}" type="pres">
+      <dgm:prSet presAssocID="{69B5FA23-C307-A24E-8ED6-A6FCB7B1C52E}" presName="circ1" presStyleLbl="vennNode1" presStyleIdx="0" presStyleCnt="3" custScaleX="155167" custScaleY="148917" custLinFactNeighborX="0" custLinFactNeighborY="11675"/>
+      <dgm:spPr/>
+    </dgm:pt>
+    <dgm:pt modelId="{C593DC45-5931-5945-9942-4B53F55C2A9D}" type="pres">
+      <dgm:prSet presAssocID="{69B5FA23-C307-A24E-8ED6-A6FCB7B1C52E}" presName="circ1Tx" presStyleLbl="revTx" presStyleIdx="0" presStyleCnt="0">
+        <dgm:presLayoutVars>
+          <dgm:chMax val="0"/>
+          <dgm:chPref val="0"/>
+          <dgm:bulletEnabled val="1"/>
+        </dgm:presLayoutVars>
+      </dgm:prSet>
+      <dgm:spPr/>
+    </dgm:pt>
+    <dgm:pt modelId="{9F2B2064-8073-5941-8EBA-A1A23846E51C}" type="pres">
+      <dgm:prSet presAssocID="{0983794D-80C8-9D49-89EF-F5842C6E3E95}" presName="circ2" presStyleLbl="vennNode1" presStyleIdx="1" presStyleCnt="3" custScaleX="104566" custScaleY="95113" custLinFactNeighborX="-10228" custLinFactNeighborY="-14890"/>
+      <dgm:spPr/>
+    </dgm:pt>
+    <dgm:pt modelId="{56C4C2CB-0A2B-8344-BE47-19473D0A2498}" type="pres">
+      <dgm:prSet presAssocID="{0983794D-80C8-9D49-89EF-F5842C6E3E95}" presName="circ2Tx" presStyleLbl="revTx" presStyleIdx="0" presStyleCnt="0">
+        <dgm:presLayoutVars>
+          <dgm:chMax val="0"/>
+          <dgm:chPref val="0"/>
+          <dgm:bulletEnabled val="1"/>
+        </dgm:presLayoutVars>
+      </dgm:prSet>
+      <dgm:spPr/>
+    </dgm:pt>
+    <dgm:pt modelId="{AC235BBF-7F0E-9F4B-840B-402D305A37C1}" type="pres">
+      <dgm:prSet presAssocID="{BCDF6075-28F4-5F49-B51F-A847815EC1B1}" presName="circ3" presStyleLbl="vennNode1" presStyleIdx="2" presStyleCnt="3" custScaleX="124576" custScaleY="120494" custLinFactNeighborX="10522" custLinFactNeighborY="-28512"/>
       <dgm:spPr/>
     </dgm:pt>
     <dgm:pt modelId="{9809F864-F90F-BF49-81DE-7850DA750BC5}" type="pres">
@@ -1100,8 +2064,8 @@
       </dsp:nvSpPr>
       <dsp:spPr>
         <a:xfrm>
-          <a:off x="3767296" y="43120"/>
-          <a:ext cx="2069782" cy="2069782"/>
+          <a:off x="3427260" y="-180130"/>
+          <a:ext cx="2748754" cy="2658685"/>
         </a:xfrm>
         <a:prstGeom prst="ellipse">
           <a:avLst/>
@@ -1110,9 +2074,7 @@
           <a:srgbClr val="0070C0"/>
         </a:solidFill>
         <a:ln w="15875" cap="flat" cmpd="sng" algn="ctr">
-          <a:solidFill>
-            <a:schemeClr val="bg1"/>
-          </a:solidFill>
+          <a:noFill/>
           <a:prstDash val="solid"/>
         </a:ln>
         <a:effectLst/>
@@ -1137,7 +2099,7 @@
         </a:bodyPr>
         <a:lstStyle/>
         <a:p>
-          <a:pPr marL="0" lvl="0" indent="0" algn="ctr" defTabSz="933450">
+          <a:pPr marL="0" lvl="0" indent="0" algn="ctr" defTabSz="1111250">
             <a:lnSpc>
               <a:spcPct val="90000"/>
             </a:lnSpc>
@@ -1150,14 +2112,14 @@
             <a:buNone/>
           </a:pPr>
           <a:r>
-            <a:rPr lang="en-US" sz="2100" kern="1200" dirty="0"/>
-            <a:t>Class</a:t>
+            <a:rPr lang="en-US" sz="2500" kern="1200" dirty="0"/>
+            <a:t>Economics</a:t>
           </a:r>
         </a:p>
       </dsp:txBody>
       <dsp:txXfrm>
-        <a:off x="4043267" y="405332"/>
-        <a:ext cx="1517840" cy="931402"/>
+        <a:off x="3793760" y="285139"/>
+        <a:ext cx="2015753" cy="1196408"/>
       </dsp:txXfrm>
     </dsp:sp>
     <dsp:sp modelId="{9F2B2064-8073-5941-8EBA-A1A23846E51C}">
@@ -1167,8 +2129,8 @@
       </dsp:nvSpPr>
       <dsp:spPr>
         <a:xfrm>
-          <a:off x="4514142" y="1336734"/>
-          <a:ext cx="2069782" cy="2069782"/>
+          <a:off x="4223434" y="1198924"/>
+          <a:ext cx="2748754" cy="2658685"/>
         </a:xfrm>
         <a:prstGeom prst="ellipse">
           <a:avLst/>
@@ -1179,9 +2141,7 @@
           </a:srgbClr>
         </a:solidFill>
         <a:ln w="15875" cap="flat" cmpd="sng" algn="ctr">
-          <a:solidFill>
-            <a:schemeClr val="bg1"/>
-          </a:solidFill>
+          <a:noFill/>
           <a:prstDash val="solid"/>
         </a:ln>
         <a:effectLst/>
@@ -1206,7 +2166,7 @@
         </a:bodyPr>
         <a:lstStyle/>
         <a:p>
-          <a:pPr marL="0" lvl="0" indent="0" algn="ctr" defTabSz="933450">
+          <a:pPr marL="0" lvl="0" indent="0" algn="ctr" defTabSz="1066800">
             <a:lnSpc>
               <a:spcPct val="90000"/>
             </a:lnSpc>
@@ -1219,14 +2179,14 @@
             <a:buNone/>
           </a:pPr>
           <a:r>
-            <a:rPr lang="en-US" sz="2100" kern="1200" dirty="0"/>
-            <a:t>Climate</a:t>
+            <a:rPr lang="en-US" sz="2400" kern="1200" dirty="0"/>
+            <a:t>Environment</a:t>
           </a:r>
         </a:p>
       </dsp:txBody>
       <dsp:txXfrm>
-        <a:off x="5147151" y="1871428"/>
-        <a:ext cx="1241869" cy="1138380"/>
+        <a:off x="5064095" y="1885751"/>
+        <a:ext cx="1649252" cy="1462277"/>
       </dsp:txXfrm>
     </dsp:sp>
     <dsp:sp modelId="{AC235BBF-7F0E-9F4B-840B-402D305A37C1}">
@@ -1236,8 +2196,8 @@
       </dsp:nvSpPr>
       <dsp:spPr>
         <a:xfrm>
-          <a:off x="3020449" y="1336734"/>
-          <a:ext cx="2069782" cy="2069782"/>
+          <a:off x="2631085" y="1198924"/>
+          <a:ext cx="2748754" cy="2658685"/>
         </a:xfrm>
         <a:prstGeom prst="ellipse">
           <a:avLst/>
@@ -1248,9 +2208,7 @@
           </a:schemeClr>
         </a:solidFill>
         <a:ln w="15875" cap="flat" cmpd="sng" algn="ctr">
-          <a:solidFill>
-            <a:schemeClr val="bg1"/>
-          </a:solidFill>
+          <a:noFill/>
           <a:prstDash val="solid"/>
         </a:ln>
         <a:effectLst/>
@@ -1275,7 +2233,7 @@
         </a:bodyPr>
         <a:lstStyle/>
         <a:p>
-          <a:pPr marL="0" lvl="0" indent="0" algn="ctr" defTabSz="933450">
+          <a:pPr marL="0" lvl="0" indent="0" algn="ctr" defTabSz="1022350">
             <a:lnSpc>
               <a:spcPct val="90000"/>
             </a:lnSpc>
@@ -1288,14 +2246,225 @@
             <a:buNone/>
           </a:pPr>
           <a:r>
-            <a:rPr lang="en-US" sz="2100" kern="1200" dirty="0"/>
+            <a:rPr lang="en-US" sz="2300" kern="1200" dirty="0"/>
             <a:t>Technology</a:t>
           </a:r>
         </a:p>
       </dsp:txBody>
       <dsp:txXfrm>
-        <a:off x="3215354" y="1871428"/>
-        <a:ext cx="1241869" cy="1138380"/>
+        <a:off x="2889926" y="1885751"/>
+        <a:ext cx="1649252" cy="1462277"/>
+      </dsp:txXfrm>
+    </dsp:sp>
+  </dsp:spTree>
+</dsp:drawing>
+</file>
+
+<file path=ppt/diagrams/drawing2.xml><?xml version="1.0" encoding="utf-8"?>
+<dsp:drawing xmlns:dgm="http://schemas.openxmlformats.org/drawingml/2006/diagram" xmlns:dsp="http://schemas.microsoft.com/office/drawing/2008/diagram" xmlns:a="http://schemas.openxmlformats.org/drawingml/2006/main">
+  <dsp:spTree>
+    <dsp:nvGrpSpPr>
+      <dsp:cNvPr id="0" name=""/>
+      <dsp:cNvGrpSpPr/>
+    </dsp:nvGrpSpPr>
+    <dsp:grpSpPr/>
+    <dsp:sp modelId="{430722F8-CA36-A44E-9F7D-D8A74A43A61F}">
+      <dsp:nvSpPr>
+        <dsp:cNvPr id="0" name=""/>
+        <dsp:cNvSpPr/>
+      </dsp:nvSpPr>
+      <dsp:spPr>
+        <a:xfrm>
+          <a:off x="2615742" y="-118536"/>
+          <a:ext cx="5117104" cy="4910991"/>
+        </a:xfrm>
+        <a:prstGeom prst="ellipse">
+          <a:avLst/>
+        </a:prstGeom>
+        <a:solidFill>
+          <a:srgbClr val="0070C0"/>
+        </a:solidFill>
+        <a:ln w="15875" cap="flat" cmpd="sng" algn="ctr">
+          <a:noFill/>
+          <a:prstDash val="solid"/>
+        </a:ln>
+        <a:effectLst/>
+      </dsp:spPr>
+      <dsp:style>
+        <a:lnRef idx="2">
+          <a:scrgbClr r="0" g="0" b="0"/>
+        </a:lnRef>
+        <a:fillRef idx="1">
+          <a:scrgbClr r="0" g="0" b="0"/>
+        </a:fillRef>
+        <a:effectRef idx="0">
+          <a:scrgbClr r="0" g="0" b="0"/>
+        </a:effectRef>
+        <a:fontRef idx="minor">
+          <a:schemeClr val="tx1"/>
+        </a:fontRef>
+      </dsp:style>
+      <dsp:txBody>
+        <a:bodyPr spcFirstLastPara="0" vert="horz" wrap="square" lIns="0" tIns="0" rIns="0" bIns="0" numCol="1" spcCol="1270" anchor="ctr" anchorCtr="0">
+          <a:noAutofit/>
+        </a:bodyPr>
+        <a:lstStyle/>
+        <a:p>
+          <a:pPr marL="0" lvl="0" indent="0" algn="ctr" defTabSz="1377950">
+            <a:lnSpc>
+              <a:spcPct val="90000"/>
+            </a:lnSpc>
+            <a:spcBef>
+              <a:spcPct val="0"/>
+            </a:spcBef>
+            <a:spcAft>
+              <a:spcPct val="35000"/>
+            </a:spcAft>
+            <a:buNone/>
+          </a:pPr>
+          <a:r>
+            <a:rPr lang="en-US" sz="3100" kern="1200" dirty="0"/>
+            <a:t>Economics</a:t>
+          </a:r>
+        </a:p>
+      </dsp:txBody>
+      <dsp:txXfrm>
+        <a:off x="3298023" y="740886"/>
+        <a:ext cx="3752543" cy="2209946"/>
+      </dsp:txXfrm>
+    </dsp:sp>
+    <dsp:sp modelId="{9F2B2064-8073-5941-8EBA-A1A23846E51C}">
+      <dsp:nvSpPr>
+        <dsp:cNvPr id="0" name=""/>
+        <dsp:cNvSpPr/>
+      </dsp:nvSpPr>
+      <dsp:spPr>
+        <a:xfrm>
+          <a:off x="4302761" y="1953704"/>
+          <a:ext cx="3448382" cy="3136640"/>
+        </a:xfrm>
+        <a:prstGeom prst="ellipse">
+          <a:avLst/>
+        </a:prstGeom>
+        <a:solidFill>
+          <a:srgbClr val="92D050">
+            <a:alpha val="50000"/>
+          </a:srgbClr>
+        </a:solidFill>
+        <a:ln w="15875" cap="flat" cmpd="sng" algn="ctr">
+          <a:noFill/>
+          <a:prstDash val="solid"/>
+        </a:ln>
+        <a:effectLst/>
+      </dsp:spPr>
+      <dsp:style>
+        <a:lnRef idx="2">
+          <a:scrgbClr r="0" g="0" b="0"/>
+        </a:lnRef>
+        <a:fillRef idx="1">
+          <a:scrgbClr r="0" g="0" b="0"/>
+        </a:fillRef>
+        <a:effectRef idx="0">
+          <a:scrgbClr r="0" g="0" b="0"/>
+        </a:effectRef>
+        <a:fontRef idx="minor">
+          <a:schemeClr val="tx1"/>
+        </a:fontRef>
+      </dsp:style>
+      <dsp:txBody>
+        <a:bodyPr spcFirstLastPara="0" vert="horz" wrap="square" lIns="0" tIns="0" rIns="0" bIns="0" numCol="1" spcCol="1270" anchor="ctr" anchorCtr="0">
+          <a:noAutofit/>
+        </a:bodyPr>
+        <a:lstStyle/>
+        <a:p>
+          <a:pPr marL="0" lvl="0" indent="0" algn="ctr" defTabSz="1377950">
+            <a:lnSpc>
+              <a:spcPct val="90000"/>
+            </a:lnSpc>
+            <a:spcBef>
+              <a:spcPct val="0"/>
+            </a:spcBef>
+            <a:spcAft>
+              <a:spcPct val="35000"/>
+            </a:spcAft>
+            <a:buNone/>
+          </a:pPr>
+          <a:r>
+            <a:rPr lang="en-US" sz="3100" kern="1200" dirty="0"/>
+            <a:t>Environment</a:t>
+          </a:r>
+        </a:p>
+      </dsp:txBody>
+      <dsp:txXfrm>
+        <a:off x="5357392" y="2764003"/>
+        <a:ext cx="2069029" cy="1725152"/>
+      </dsp:txXfrm>
+    </dsp:sp>
+    <dsp:sp modelId="{AC235BBF-7F0E-9F4B-840B-402D305A37C1}">
+      <dsp:nvSpPr>
+        <dsp:cNvPr id="0" name=""/>
+        <dsp:cNvSpPr/>
+      </dsp:nvSpPr>
+      <dsp:spPr>
+        <a:xfrm>
+          <a:off x="2277195" y="1085969"/>
+          <a:ext cx="4108273" cy="3973656"/>
+        </a:xfrm>
+        <a:prstGeom prst="ellipse">
+          <a:avLst/>
+        </a:prstGeom>
+        <a:solidFill>
+          <a:schemeClr val="accent3">
+            <a:alpha val="50000"/>
+          </a:schemeClr>
+        </a:solidFill>
+        <a:ln w="15875" cap="flat" cmpd="sng" algn="ctr">
+          <a:noFill/>
+          <a:prstDash val="solid"/>
+        </a:ln>
+        <a:effectLst/>
+      </dsp:spPr>
+      <dsp:style>
+        <a:lnRef idx="2">
+          <a:scrgbClr r="0" g="0" b="0"/>
+        </a:lnRef>
+        <a:fillRef idx="1">
+          <a:scrgbClr r="0" g="0" b="0"/>
+        </a:fillRef>
+        <a:effectRef idx="0">
+          <a:scrgbClr r="0" g="0" b="0"/>
+        </a:effectRef>
+        <a:fontRef idx="minor">
+          <a:schemeClr val="tx1"/>
+        </a:fontRef>
+      </dsp:style>
+      <dsp:txBody>
+        <a:bodyPr spcFirstLastPara="0" vert="horz" wrap="square" lIns="0" tIns="0" rIns="0" bIns="0" numCol="1" spcCol="1270" anchor="ctr" anchorCtr="0">
+          <a:noAutofit/>
+        </a:bodyPr>
+        <a:lstStyle/>
+        <a:p>
+          <a:pPr marL="0" lvl="0" indent="0" algn="ctr" defTabSz="1377950">
+            <a:lnSpc>
+              <a:spcPct val="90000"/>
+            </a:lnSpc>
+            <a:spcBef>
+              <a:spcPct val="0"/>
+            </a:spcBef>
+            <a:spcAft>
+              <a:spcPct val="35000"/>
+            </a:spcAft>
+            <a:buNone/>
+          </a:pPr>
+          <a:r>
+            <a:rPr lang="en-US" sz="3100" kern="1200" dirty="0"/>
+            <a:t>Technology</a:t>
+          </a:r>
+        </a:p>
+      </dsp:txBody>
+      <dsp:txXfrm>
+        <a:off x="2664057" y="2112497"/>
+        <a:ext cx="2464963" cy="2185511"/>
       </dsp:txXfrm>
     </dsp:sp>
   </dsp:spTree>
@@ -1303,6 +2472,881 @@
 </file>
 
 <file path=ppt/diagrams/layout1.xml><?xml version="1.0" encoding="utf-8"?>
+<dgm:layoutDef xmlns:dgm="http://schemas.openxmlformats.org/drawingml/2006/diagram" xmlns:a="http://schemas.openxmlformats.org/drawingml/2006/main" uniqueId="urn:microsoft.com/office/officeart/2005/8/layout/venn1">
+  <dgm:title val=""/>
+  <dgm:desc val=""/>
+  <dgm:catLst>
+    <dgm:cat type="relationship" pri="28000"/>
+    <dgm:cat type="convert" pri="19000"/>
+  </dgm:catLst>
+  <dgm:sampData useDef="1">
+    <dgm:dataModel>
+      <dgm:ptLst/>
+      <dgm:bg/>
+      <dgm:whole/>
+    </dgm:dataModel>
+  </dgm:sampData>
+  <dgm:styleData useDef="1">
+    <dgm:dataModel>
+      <dgm:ptLst/>
+      <dgm:bg/>
+      <dgm:whole/>
+    </dgm:dataModel>
+  </dgm:styleData>
+  <dgm:clrData>
+    <dgm:dataModel>
+      <dgm:ptLst>
+        <dgm:pt modelId="0" type="doc"/>
+        <dgm:pt modelId="1"/>
+        <dgm:pt modelId="2"/>
+        <dgm:pt modelId="3"/>
+        <dgm:pt modelId="4"/>
+      </dgm:ptLst>
+      <dgm:cxnLst>
+        <dgm:cxn modelId="7" srcId="0" destId="1" srcOrd="0" destOrd="0"/>
+        <dgm:cxn modelId="8" srcId="0" destId="2" srcOrd="1" destOrd="0"/>
+        <dgm:cxn modelId="9" srcId="0" destId="3" srcOrd="2" destOrd="0"/>
+        <dgm:cxn modelId="10" srcId="0" destId="4" srcOrd="3" destOrd="0"/>
+      </dgm:cxnLst>
+      <dgm:bg/>
+      <dgm:whole/>
+    </dgm:dataModel>
+  </dgm:clrData>
+  <dgm:layoutNode name="compositeShape">
+    <dgm:varLst>
+      <dgm:chMax val="7"/>
+      <dgm:dir/>
+      <dgm:resizeHandles val="exact"/>
+    </dgm:varLst>
+    <dgm:choose name="Name0">
+      <dgm:if name="Name1" axis="ch" ptType="node" func="cnt" op="equ" val="1">
+        <dgm:alg type="composite">
+          <dgm:param type="ar" val="1"/>
+        </dgm:alg>
+      </dgm:if>
+      <dgm:if name="Name2" axis="ch" ptType="node" func="cnt" op="equ" val="2">
+        <dgm:alg type="composite">
+          <dgm:param type="ar" val="1.792"/>
+        </dgm:alg>
+      </dgm:if>
+      <dgm:if name="Name3" axis="ch" ptType="node" func="cnt" op="equ" val="3">
+        <dgm:alg type="composite">
+          <dgm:param type="ar" val="1"/>
+        </dgm:alg>
+      </dgm:if>
+      <dgm:if name="Name4" axis="ch" ptType="node" func="cnt" op="equ" val="4">
+        <dgm:alg type="composite">
+          <dgm:param type="ar" val="1"/>
+        </dgm:alg>
+      </dgm:if>
+      <dgm:if name="Name5" axis="ch" ptType="node" func="cnt" op="equ" val="5">
+        <dgm:alg type="composite">
+          <dgm:param type="ar" val="1.4"/>
+        </dgm:alg>
+      </dgm:if>
+      <dgm:if name="Name6" axis="ch" ptType="node" func="cnt" op="equ" val="6">
+        <dgm:alg type="composite">
+          <dgm:param type="ar" val="1.285"/>
+        </dgm:alg>
+      </dgm:if>
+      <dgm:if name="Name7" axis="ch" ptType="node" func="cnt" op="equ" val="7">
+        <dgm:alg type="composite">
+          <dgm:param type="ar" val="1.359"/>
+        </dgm:alg>
+      </dgm:if>
+      <dgm:else name="Name8">
+        <dgm:alg type="composite">
+          <dgm:param type="ar" val="1.359"/>
+        </dgm:alg>
+      </dgm:else>
+    </dgm:choose>
+    <dgm:shape xmlns:r="http://schemas.openxmlformats.org/officeDocument/2006/relationships" r:blip="">
+      <dgm:adjLst/>
+    </dgm:shape>
+    <dgm:presOf/>
+    <dgm:choose name="Name9">
+      <dgm:if name="Name10" axis="ch" ptType="node" func="cnt" op="equ" val="1">
+        <dgm:constrLst>
+          <dgm:constr type="ctrX" for="ch" forName="circ1TxSh" refType="w" fact="0.5"/>
+          <dgm:constr type="ctrY" for="ch" forName="circ1TxSh" refType="h" fact="0.5"/>
+          <dgm:constr type="w" for="ch" forName="circ1TxSh" refType="w"/>
+          <dgm:constr type="h" for="ch" forName="circ1TxSh" refType="h"/>
+          <dgm:constr type="primFontSz" for="ch" ptType="node" op="equ"/>
+        </dgm:constrLst>
+      </dgm:if>
+      <dgm:if name="Name11" axis="ch" ptType="node" func="cnt" op="equ" val="2">
+        <dgm:constrLst>
+          <dgm:constr type="ctrX" for="ch" forName="circ1" refType="w" fact="0.3"/>
+          <dgm:constr type="ctrY" for="ch" forName="circ1" refType="h" fact="0.5"/>
+          <dgm:constr type="w" for="ch" forName="circ1" refType="w" fact="0.555"/>
+          <dgm:constr type="h" for="ch" forName="circ1" refType="h" fact="0.99456"/>
+          <dgm:constr type="l" for="ch" forName="circ1Tx" refType="w" fact="0.1"/>
+          <dgm:constr type="t" for="ch" forName="circ1Tx" refType="h" fact="0.12"/>
+          <dgm:constr type="w" for="ch" forName="circ1Tx" refType="w" fact="0.32"/>
+          <dgm:constr type="h" for="ch" forName="circ1Tx" refType="h" fact="0.76"/>
+          <dgm:constr type="ctrX" for="ch" forName="circ2" refType="w" fact="0.7"/>
+          <dgm:constr type="ctrY" for="ch" forName="circ2" refType="h" fact="0.5"/>
+          <dgm:constr type="w" for="ch" forName="circ2" refType="w" fact="0.555"/>
+          <dgm:constr type="h" for="ch" forName="circ2" refType="h" fact="0.99456"/>
+          <dgm:constr type="l" for="ch" forName="circ2Tx" refType="w" fact="0.58"/>
+          <dgm:constr type="t" for="ch" forName="circ2Tx" refType="h" fact="0.12"/>
+          <dgm:constr type="w" for="ch" forName="circ2Tx" refType="w" fact="0.32"/>
+          <dgm:constr type="h" for="ch" forName="circ2Tx" refType="h" fact="0.76"/>
+          <dgm:constr type="primFontSz" for="ch" ptType="node" op="equ"/>
+        </dgm:constrLst>
+      </dgm:if>
+      <dgm:if name="Name12" axis="ch" ptType="node" func="cnt" op="equ" val="3">
+        <dgm:constrLst>
+          <dgm:constr type="ctrX" for="ch" forName="circ1" refType="w" fact="0.5"/>
+          <dgm:constr type="ctrY" for="ch" forName="circ1" refType="w" fact="0.25"/>
+          <dgm:constr type="w" for="ch" forName="circ1" refType="w" fact="0.6"/>
+          <dgm:constr type="h" for="ch" forName="circ1" refType="h" fact="0.6"/>
+          <dgm:constr type="l" for="ch" forName="circ1Tx" refType="w" fact="0.28"/>
+          <dgm:constr type="t" for="ch" forName="circ1Tx" refType="h" fact="0.055"/>
+          <dgm:constr type="w" for="ch" forName="circ1Tx" refType="w" fact="0.44"/>
+          <dgm:constr type="h" for="ch" forName="circ1Tx" refType="h" fact="0.27"/>
+          <dgm:constr type="ctrX" for="ch" forName="circ2" refType="w" fact="0.7165"/>
+          <dgm:constr type="ctrY" for="ch" forName="circ2" refType="w" fact="0.625"/>
+          <dgm:constr type="w" for="ch" forName="circ2" refType="w" fact="0.6"/>
+          <dgm:constr type="h" for="ch" forName="circ2" refType="h" fact="0.6"/>
+          <dgm:constr type="l" for="ch" forName="circ2Tx" refType="w" fact="0.6"/>
+          <dgm:constr type="t" for="ch" forName="circ2Tx" refType="h" fact="0.48"/>
+          <dgm:constr type="w" for="ch" forName="circ2Tx" refType="w" fact="0.36"/>
+          <dgm:constr type="h" for="ch" forName="circ2Tx" refType="h" fact="0.33"/>
+          <dgm:constr type="ctrX" for="ch" forName="circ3" refType="w" fact="0.2835"/>
+          <dgm:constr type="ctrY" for="ch" forName="circ3" refType="w" fact="0.625"/>
+          <dgm:constr type="w" for="ch" forName="circ3" refType="w" fact="0.6"/>
+          <dgm:constr type="h" for="ch" forName="circ3" refType="h" fact="0.6"/>
+          <dgm:constr type="l" for="ch" forName="circ3Tx" refType="w" fact="0.04"/>
+          <dgm:constr type="t" for="ch" forName="circ3Tx" refType="h" fact="0.48"/>
+          <dgm:constr type="w" for="ch" forName="circ3Tx" refType="w" fact="0.36"/>
+          <dgm:constr type="h" for="ch" forName="circ3Tx" refType="h" fact="0.33"/>
+          <dgm:constr type="primFontSz" for="ch" ptType="node" op="equ"/>
+        </dgm:constrLst>
+      </dgm:if>
+      <dgm:if name="Name13" axis="ch" ptType="node" func="cnt" op="equ" val="4">
+        <dgm:constrLst>
+          <dgm:constr type="ctrX" for="ch" forName="circ1" refType="w" fact="0.5"/>
+          <dgm:constr type="ctrY" for="ch" forName="circ1" refType="w" fact="0.27"/>
+          <dgm:constr type="w" for="ch" forName="circ1" refType="w" fact="0.52"/>
+          <dgm:constr type="h" for="ch" forName="circ1" refType="h" fact="0.52"/>
+          <dgm:constr type="l" for="ch" forName="circ1Tx" refType="w" fact="0.3"/>
+          <dgm:constr type="t" for="ch" forName="circ1Tx" refType="h" fact="0.08"/>
+          <dgm:constr type="w" for="ch" forName="circ1Tx" refType="w" fact="0.4"/>
+          <dgm:constr type="h" for="ch" forName="circ1Tx" refType="h" fact="0.165"/>
+          <dgm:constr type="ctrX" for="ch" forName="circ2" refType="w" fact="0.73"/>
+          <dgm:constr type="ctrY" for="ch" forName="circ2" refType="w" fact="0.5"/>
+          <dgm:constr type="w" for="ch" forName="circ2" refType="w" fact="0.52"/>
+          <dgm:constr type="h" for="ch" forName="circ2" refType="h" fact="0.52"/>
+          <dgm:constr type="r" for="ch" forName="circ2Tx" refType="w" fact="0.95"/>
+          <dgm:constr type="t" for="ch" forName="circ2Tx" refType="h" fact="0.3"/>
+          <dgm:constr type="w" for="ch" forName="circ2Tx" refType="w" fact="0.2"/>
+          <dgm:constr type="h" for="ch" forName="circ2Tx" refType="h" fact="0.4"/>
+          <dgm:constr type="ctrX" for="ch" forName="circ3" refType="w" fact="0.5"/>
+          <dgm:constr type="ctrY" for="ch" forName="circ3" refType="w" fact="0.73"/>
+          <dgm:constr type="w" for="ch" forName="circ3" refType="w" fact="0.52"/>
+          <dgm:constr type="h" for="ch" forName="circ3" refType="h" fact="0.52"/>
+          <dgm:constr type="l" for="ch" forName="circ3Tx" refType="w" fact="0.3"/>
+          <dgm:constr type="b" for="ch" forName="circ3Tx" refType="h" fact="0.92"/>
+          <dgm:constr type="w" for="ch" forName="circ3Tx" refType="w" fact="0.4"/>
+          <dgm:constr type="h" for="ch" forName="circ3Tx" refType="h" fact="0.165"/>
+          <dgm:constr type="ctrX" for="ch" forName="circ4" refType="w" fact="0.27"/>
+          <dgm:constr type="ctrY" for="ch" forName="circ4" refType="h" fact="0.5"/>
+          <dgm:constr type="w" for="ch" forName="circ4" refType="w" fact="0.52"/>
+          <dgm:constr type="h" for="ch" forName="circ4" refType="h" fact="0.52"/>
+          <dgm:constr type="l" for="ch" forName="circ4Tx" refType="w" fact="0.05"/>
+          <dgm:constr type="t" for="ch" forName="circ4Tx" refType="h" fact="0.3"/>
+          <dgm:constr type="w" for="ch" forName="circ4Tx" refType="w" fact="0.2"/>
+          <dgm:constr type="h" for="ch" forName="circ4Tx" refType="h" fact="0.4"/>
+          <dgm:constr type="primFontSz" for="ch" ptType="node" op="equ"/>
+        </dgm:constrLst>
+      </dgm:if>
+      <dgm:if name="Name14" axis="ch" ptType="node" func="cnt" op="equ" val="5">
+        <dgm:constrLst>
+          <dgm:constr type="ctrX" for="ch" forName="circ1" refType="w" fact="0.5"/>
+          <dgm:constr type="ctrY" for="ch" forName="circ1" refType="h" fact="0.46"/>
+          <dgm:constr type="w" for="ch" forName="circ1" refType="w" fact="0.25"/>
+          <dgm:constr type="h" for="ch" forName="circ1" refType="h" fact="0.35"/>
+          <dgm:constr type="l" for="ch" forName="circ1Tx" refType="w" fact="0.355"/>
+          <dgm:constr type="t" for="ch" forName="circ1Tx"/>
+          <dgm:constr type="w" for="ch" forName="circ1Tx" refType="w" fact="0.29"/>
+          <dgm:constr type="h" for="ch" forName="circ1Tx" refType="h" fact="0.235"/>
+          <dgm:constr type="ctrX" for="ch" forName="circ2" refType="w" fact="0.5951"/>
+          <dgm:constr type="ctrY" for="ch" forName="circ2" refType="h" fact="0.5567"/>
+          <dgm:constr type="w" for="ch" forName="circ2" refType="w" fact="0.25"/>
+          <dgm:constr type="h" for="ch" forName="circ2" refType="h" fact="0.35"/>
+          <dgm:constr type="l" for="ch" forName="circ2Tx" refType="w" fact="0.74"/>
+          <dgm:constr type="t" for="ch" forName="circ2Tx" refType="h" fact="0.31"/>
+          <dgm:constr type="w" for="ch" forName="circ2Tx" refType="w" fact="0.26"/>
+          <dgm:constr type="h" for="ch" forName="circ2Tx" refType="h" fact="0.255"/>
+          <dgm:constr type="ctrX" for="ch" forName="circ3" refType="w" fact="0.5588"/>
+          <dgm:constr type="ctrY" for="ch" forName="circ3" refType="h" fact="0.7133"/>
+          <dgm:constr type="w" for="ch" forName="circ3" refType="w" fact="0.25"/>
+          <dgm:constr type="h" for="ch" forName="circ3" refType="h" fact="0.35"/>
+          <dgm:constr type="l" for="ch" forName="circ3Tx" refType="w" fact="0.7"/>
+          <dgm:constr type="t" for="ch" forName="circ3Tx" refType="h" fact="0.745"/>
+          <dgm:constr type="w" for="ch" forName="circ3Tx" refType="w" fact="0.26"/>
+          <dgm:constr type="h" for="ch" forName="circ3Tx" refType="h" fact="0.255"/>
+          <dgm:constr type="ctrX" for="ch" forName="circ4" refType="w" fact="0.4412"/>
+          <dgm:constr type="ctrY" for="ch" forName="circ4" refType="h" fact="0.7133"/>
+          <dgm:constr type="w" for="ch" forName="circ4" refType="w" fact="0.25"/>
+          <dgm:constr type="h" for="ch" forName="circ4" refType="h" fact="0.35"/>
+          <dgm:constr type="l" for="ch" forName="circ4Tx" refType="w" fact="0.04"/>
+          <dgm:constr type="t" for="ch" forName="circ4Tx" refType="h" fact="0.745"/>
+          <dgm:constr type="w" for="ch" forName="circ4Tx" refType="w" fact="0.26"/>
+          <dgm:constr type="h" for="ch" forName="circ4Tx" refType="h" fact="0.255"/>
+          <dgm:constr type="ctrX" for="ch" forName="circ5" refType="w" fact="0.4049"/>
+          <dgm:constr type="ctrY" for="ch" forName="circ5" refType="h" fact="0.5567"/>
+          <dgm:constr type="w" for="ch" forName="circ5" refType="w" fact="0.25"/>
+          <dgm:constr type="h" for="ch" forName="circ5" refType="h" fact="0.35"/>
+          <dgm:constr type="l" for="ch" forName="circ5Tx"/>
+          <dgm:constr type="t" for="ch" forName="circ5Tx" refType="h" fact="0.31"/>
+          <dgm:constr type="w" for="ch" forName="circ5Tx" refType="w" fact="0.26"/>
+          <dgm:constr type="h" for="ch" forName="circ5Tx" refType="h" fact="0.255"/>
+          <dgm:constr type="primFontSz" for="ch" ptType="node" op="equ"/>
+        </dgm:constrLst>
+      </dgm:if>
+      <dgm:if name="Name15" axis="ch" ptType="node" func="cnt" op="equ" val="6">
+        <dgm:constrLst>
+          <dgm:constr type="ctrX" for="ch" forName="circ1" refType="w" fact="0.5"/>
+          <dgm:constr type="ctrY" for="ch" forName="circ1" refType="h" fact="0.3844"/>
+          <dgm:constr type="w" for="ch" forName="circ1" refType="w" fact="0.24"/>
+          <dgm:constr type="h" for="ch" forName="circ1" refType="h" fact="0.3084"/>
+          <dgm:constr type="l" for="ch" forName="circ1Tx" refType="w" fact="0.35"/>
+          <dgm:constr type="t" for="ch" forName="circ1Tx"/>
+          <dgm:constr type="w" for="ch" forName="circ1Tx" refType="w" fact="0.3"/>
+          <dgm:constr type="h" for="ch" forName="circ1Tx" refType="h" fact="0.21"/>
+          <dgm:constr type="ctrX" for="ch" forName="circ2" refType="w" fact="0.5779"/>
+          <dgm:constr type="ctrY" for="ch" forName="circ2" refType="h" fact="0.4422"/>
+          <dgm:constr type="w" for="ch" forName="circ2" refType="w" fact="0.24"/>
+          <dgm:constr type="h" for="ch" forName="circ2" refType="h" fact="0.3084"/>
+          <dgm:constr type="l" for="ch" forName="circ2Tx" refType="w" fact="0.7157"/>
+          <dgm:constr type="t" for="ch" forName="circ2Tx" refType="h" fact="0.2"/>
+          <dgm:constr type="w" for="ch" forName="circ2Tx" refType="w" fact="0.2843"/>
+          <dgm:constr type="h" for="ch" forName="circ2Tx" refType="h" fact="0.23"/>
+          <dgm:constr type="ctrX" for="ch" forName="circ3" refType="w" fact="0.5779"/>
+          <dgm:constr type="ctrY" for="ch" forName="circ3" refType="h" fact="0.5578"/>
+          <dgm:constr type="w" for="ch" forName="circ3" refType="w" fact="0.24"/>
+          <dgm:constr type="h" for="ch" forName="circ3" refType="h" fact="0.3084"/>
+          <dgm:constr type="l" for="ch" forName="circ3Tx" refType="w" fact="0.7157"/>
+          <dgm:constr type="t" for="ch" forName="circ3Tx" refType="h" fact="0.543"/>
+          <dgm:constr type="w" for="ch" forName="circ3Tx" refType="w" fact="0.2843"/>
+          <dgm:constr type="h" for="ch" forName="circ3Tx" refType="h" fact="0.257"/>
+          <dgm:constr type="ctrX" for="ch" forName="circ4" refType="w" fact="0.5"/>
+          <dgm:constr type="ctrY" for="ch" forName="circ4" refType="h" fact="0.6157"/>
+          <dgm:constr type="w" for="ch" forName="circ4" refType="w" fact="0.24"/>
+          <dgm:constr type="h" for="ch" forName="circ4" refType="h" fact="0.3084"/>
+          <dgm:constr type="l" for="ch" forName="circ4Tx" refType="w" fact="0.35"/>
+          <dgm:constr type="t" for="ch" forName="circ4Tx" refType="h" fact="0.79"/>
+          <dgm:constr type="w" for="ch" forName="circ4Tx" refType="w" fact="0.3"/>
+          <dgm:constr type="h" for="ch" forName="circ4Tx" refType="h" fact="0.21"/>
+          <dgm:constr type="ctrX" for="ch" forName="circ5" refType="w" fact="0.4221"/>
+          <dgm:constr type="ctrY" for="ch" forName="circ5" refType="h" fact="0.5578"/>
+          <dgm:constr type="w" for="ch" forName="circ5" refType="w" fact="0.24"/>
+          <dgm:constr type="h" for="ch" forName="circ5" refType="h" fact="0.3084"/>
+          <dgm:constr type="l" for="ch" forName="circ5Tx" refType="w" fact="0"/>
+          <dgm:constr type="t" for="ch" forName="circ5Tx" refType="h" fact="0.543"/>
+          <dgm:constr type="w" for="ch" forName="circ5Tx" refType="w" fact="0.2843"/>
+          <dgm:constr type="h" for="ch" forName="circ5Tx" refType="h" fact="0.257"/>
+          <dgm:constr type="ctrX" for="ch" forName="circ6" refType="w" fact="0.4221"/>
+          <dgm:constr type="ctrY" for="ch" forName="circ6" refType="h" fact="0.4422"/>
+          <dgm:constr type="w" for="ch" forName="circ6" refType="w" fact="0.24"/>
+          <dgm:constr type="h" for="ch" forName="circ6" refType="h" fact="0.3084"/>
+          <dgm:constr type="l" for="ch" forName="circ6Tx" refType="w" fact="0"/>
+          <dgm:constr type="t" for="ch" forName="circ6Tx" refType="h" fact="0.2"/>
+          <dgm:constr type="w" for="ch" forName="circ6Tx" refType="w" fact="0.2843"/>
+          <dgm:constr type="h" for="ch" forName="circ6Tx" refType="h" fact="0.257"/>
+          <dgm:constr type="primFontSz" for="ch" ptType="node" op="equ"/>
+        </dgm:constrLst>
+      </dgm:if>
+      <dgm:else name="Name16">
+        <dgm:constrLst>
+          <dgm:constr type="ctrX" for="ch" forName="circ1" refType="w" fact="0.5"/>
+          <dgm:constr type="ctrY" for="ch" forName="circ1" refType="h" fact="0.4177"/>
+          <dgm:constr type="w" for="ch" forName="circ1" refType="w" fact="0.24"/>
+          <dgm:constr type="h" for="ch" forName="circ1" refType="h" fact="0.3262"/>
+          <dgm:constr type="l" for="ch" forName="circ1Tx" refType="w" fact="0.3625"/>
+          <dgm:constr type="t" for="ch" forName="circ1Tx"/>
+          <dgm:constr type="w" for="ch" forName="circ1Tx" refType="w" fact="0.275"/>
+          <dgm:constr type="h" for="ch" forName="circ1Tx" refType="h" fact="0.2"/>
+          <dgm:constr type="ctrX" for="ch" forName="circ2" refType="w" fact="0.5704"/>
+          <dgm:constr type="ctrY" for="ch" forName="circ2" refType="h" fact="0.4637"/>
+          <dgm:constr type="w" for="ch" forName="circ2" refType="w" fact="0.24"/>
+          <dgm:constr type="h" for="ch" forName="circ2" refType="h" fact="0.3262"/>
+          <dgm:constr type="l" for="ch" forName="circ2Tx" refType="w" fact="0.72"/>
+          <dgm:constr type="t" for="ch" forName="circ2Tx" refType="h" fact="0.19"/>
+          <dgm:constr type="w" for="ch" forName="circ2Tx" refType="w" fact="0.26"/>
+          <dgm:constr type="h" for="ch" forName="circ2Tx" refType="h" fact="0.22"/>
+          <dgm:constr type="ctrX" for="ch" forName="circ3" refType="w" fact="0.5877"/>
+          <dgm:constr type="ctrY" for="ch" forName="circ3" refType="h" fact="0.5672"/>
+          <dgm:constr type="w" for="ch" forName="circ3" refType="w" fact="0.24"/>
+          <dgm:constr type="h" for="ch" forName="circ3" refType="h" fact="0.3262"/>
+          <dgm:constr type="l" for="ch" forName="circ3Tx" refType="w" fact="0.745"/>
+          <dgm:constr type="t" for="ch" forName="circ3Tx" refType="h" fact="0.47"/>
+          <dgm:constr type="w" for="ch" forName="circ3Tx" refType="w" fact="0.255"/>
+          <dgm:constr type="h" for="ch" forName="circ3Tx" refType="h" fact="0.235"/>
+          <dgm:constr type="ctrX" for="ch" forName="circ4" refType="w" fact="0.539"/>
+          <dgm:constr type="ctrY" for="ch" forName="circ4" refType="h" fact="0.6502"/>
+          <dgm:constr type="w" for="ch" forName="circ4" refType="w" fact="0.24"/>
+          <dgm:constr type="h" for="ch" forName="circ4" refType="h" fact="0.3262"/>
+          <dgm:constr type="l" for="ch" forName="circ4Tx" refType="w" fact="0.635"/>
+          <dgm:constr type="t" for="ch" forName="circ4Tx" refType="h" fact="0.785"/>
+          <dgm:constr type="w" for="ch" forName="circ4Tx" refType="w" fact="0.275"/>
+          <dgm:constr type="h" for="ch" forName="circ4Tx" refType="h" fact="0.215"/>
+          <dgm:constr type="ctrX" for="ch" forName="circ5" refType="w" fact="0.461"/>
+          <dgm:constr type="ctrY" for="ch" forName="circ5" refType="h" fact="0.6502"/>
+          <dgm:constr type="w" for="ch" forName="circ5" refType="w" fact="0.24"/>
+          <dgm:constr type="h" for="ch" forName="circ5" refType="h" fact="0.3262"/>
+          <dgm:constr type="l" for="ch" forName="circ5Tx" refType="w" fact="0.09"/>
+          <dgm:constr type="t" for="ch" forName="circ5Tx" refType="h" fact="0.785"/>
+          <dgm:constr type="w" for="ch" forName="circ5Tx" refType="w" fact="0.275"/>
+          <dgm:constr type="h" for="ch" forName="circ5Tx" refType="h" fact="0.215"/>
+          <dgm:constr type="ctrX" for="ch" forName="circ6" refType="w" fact="0.4123"/>
+          <dgm:constr type="ctrY" for="ch" forName="circ6" refType="h" fact="0.5672"/>
+          <dgm:constr type="w" for="ch" forName="circ6" refType="w" fact="0.24"/>
+          <dgm:constr type="h" for="ch" forName="circ6" refType="h" fact="0.3262"/>
+          <dgm:constr type="l" for="ch" forName="circ6Tx"/>
+          <dgm:constr type="t" for="ch" forName="circ6Tx" refType="h" fact="0.47"/>
+          <dgm:constr type="w" for="ch" forName="circ6Tx" refType="w" fact="0.255"/>
+          <dgm:constr type="h" for="ch" forName="circ6Tx" refType="h" fact="0.235"/>
+          <dgm:constr type="ctrX" for="ch" forName="circ7" refType="w" fact="0.4296"/>
+          <dgm:constr type="ctrY" for="ch" forName="circ7" refType="h" fact="0.4637"/>
+          <dgm:constr type="w" for="ch" forName="circ7" refType="w" fact="0.24"/>
+          <dgm:constr type="h" for="ch" forName="circ7" refType="h" fact="0.3262"/>
+          <dgm:constr type="l" for="ch" forName="circ7Tx" refType="w" fact="0.02"/>
+          <dgm:constr type="t" for="ch" forName="circ7Tx" refType="h" fact="0.19"/>
+          <dgm:constr type="w" for="ch" forName="circ7Tx" refType="w" fact="0.26"/>
+          <dgm:constr type="h" for="ch" forName="circ7Tx" refType="h" fact="0.22"/>
+          <dgm:constr type="primFontSz" for="ch" ptType="node" op="equ"/>
+        </dgm:constrLst>
+      </dgm:else>
+    </dgm:choose>
+    <dgm:ruleLst/>
+    <dgm:forEach name="Name17" axis="ch" ptType="node" cnt="1">
+      <dgm:choose name="Name18">
+        <dgm:if name="Name19" axis="root ch" ptType="all node" func="cnt" op="equ" val="1">
+          <dgm:layoutNode name="circ1TxSh" styleLbl="vennNode1">
+            <dgm:alg type="tx">
+              <dgm:param type="txAnchorHorzCh" val="ctr"/>
+              <dgm:param type="txAnchorVertCh" val="mid"/>
+            </dgm:alg>
+            <dgm:shape xmlns:r="http://schemas.openxmlformats.org/officeDocument/2006/relationships" type="ellipse" r:blip="">
+              <dgm:adjLst/>
+            </dgm:shape>
+            <dgm:choose name="Name20">
+              <dgm:if name="Name21" func="var" arg="dir" op="equ" val="norm">
+                <dgm:choose name="Name22">
+                  <dgm:if name="Name23" axis="root ch" ptType="all node" func="cnt" op="lte" val="4">
+                    <dgm:presOf axis="desOrSelf" ptType="node"/>
+                  </dgm:if>
+                  <dgm:else name="Name24">
+                    <dgm:presOf/>
+                  </dgm:else>
+                </dgm:choose>
+              </dgm:if>
+              <dgm:else name="Name25">
+                <dgm:choose name="Name26">
+                  <dgm:if name="Name27" axis="root ch" ptType="all node" func="cnt" op="equ" val="2">
+                    <dgm:presOf axis="root ch desOrSelf" ptType="all node node" st="1 2 1" cnt="1 1 0"/>
+                  </dgm:if>
+                  <dgm:else name="Name28">
+                    <dgm:presOf axis="desOrSelf" ptType="node"/>
+                  </dgm:else>
+                </dgm:choose>
+              </dgm:else>
+            </dgm:choose>
+            <dgm:constrLst>
+              <dgm:constr type="tMarg"/>
+              <dgm:constr type="bMarg"/>
+              <dgm:constr type="lMarg"/>
+              <dgm:constr type="rMarg"/>
+              <dgm:constr type="primFontSz" val="65"/>
+            </dgm:constrLst>
+            <dgm:ruleLst>
+              <dgm:rule type="primFontSz" val="5" fact="NaN" max="NaN"/>
+            </dgm:ruleLst>
+          </dgm:layoutNode>
+        </dgm:if>
+        <dgm:else name="Name29">
+          <dgm:layoutNode name="circ1" styleLbl="vennNode1">
+            <dgm:alg type="sp"/>
+            <dgm:shape xmlns:r="http://schemas.openxmlformats.org/officeDocument/2006/relationships" type="ellipse" r:blip="">
+              <dgm:adjLst/>
+            </dgm:shape>
+            <dgm:choose name="Name30">
+              <dgm:if name="Name31" func="var" arg="dir" op="equ" val="norm">
+                <dgm:choose name="Name32">
+                  <dgm:if name="Name33" axis="root ch" ptType="all node" func="cnt" op="lte" val="4">
+                    <dgm:presOf axis="desOrSelf" ptType="node"/>
+                  </dgm:if>
+                  <dgm:else name="Name34">
+                    <dgm:presOf/>
+                  </dgm:else>
+                </dgm:choose>
+              </dgm:if>
+              <dgm:else name="Name35">
+                <dgm:choose name="Name36">
+                  <dgm:if name="Name37" axis="root ch" ptType="all node" func="cnt" op="equ" val="2">
+                    <dgm:presOf axis="root ch desOrSelf" ptType="all node node" st="1 2 1" cnt="1 1 0"/>
+                  </dgm:if>
+                  <dgm:else name="Name38">
+                    <dgm:choose name="Name39">
+                      <dgm:if name="Name40" axis="root ch" ptType="all node" func="cnt" op="lte" val="4">
+                        <dgm:presOf axis="desOrSelf" ptType="node"/>
+                      </dgm:if>
+                      <dgm:else name="Name41">
+                        <dgm:presOf/>
+                      </dgm:else>
+                    </dgm:choose>
+                  </dgm:else>
+                </dgm:choose>
+              </dgm:else>
+            </dgm:choose>
+            <dgm:constrLst/>
+            <dgm:ruleLst/>
+          </dgm:layoutNode>
+          <dgm:layoutNode name="circ1Tx" styleLbl="revTx">
+            <dgm:varLst>
+              <dgm:chMax val="0"/>
+              <dgm:chPref val="0"/>
+              <dgm:bulletEnabled val="1"/>
+            </dgm:varLst>
+            <dgm:alg type="tx">
+              <dgm:param type="txAnchorHorzCh" val="ctr"/>
+              <dgm:param type="txAnchorVertCh" val="mid"/>
+            </dgm:alg>
+            <dgm:shape xmlns:r="http://schemas.openxmlformats.org/officeDocument/2006/relationships" type="rect" r:blip="" hideGeom="1">
+              <dgm:adjLst/>
+            </dgm:shape>
+            <dgm:choose name="Name42">
+              <dgm:if name="Name43" func="var" arg="dir" op="equ" val="norm">
+                <dgm:presOf axis="desOrSelf" ptType="node"/>
+              </dgm:if>
+              <dgm:else name="Name44">
+                <dgm:choose name="Name45">
+                  <dgm:if name="Name46" axis="root ch" ptType="all node" func="cnt" op="equ" val="2">
+                    <dgm:presOf axis="root ch desOrSelf" ptType="all node node" st="1 2 1" cnt="1 1 0"/>
+                  </dgm:if>
+                  <dgm:else name="Name47">
+                    <dgm:presOf axis="desOrSelf" ptType="node"/>
+                  </dgm:else>
+                </dgm:choose>
+              </dgm:else>
+            </dgm:choose>
+            <dgm:constrLst>
+              <dgm:constr type="tMarg"/>
+              <dgm:constr type="bMarg"/>
+              <dgm:constr type="lMarg"/>
+              <dgm:constr type="rMarg"/>
+              <dgm:constr type="primFontSz" val="65"/>
+            </dgm:constrLst>
+            <dgm:ruleLst>
+              <dgm:rule type="primFontSz" val="5" fact="NaN" max="NaN"/>
+            </dgm:ruleLst>
+          </dgm:layoutNode>
+        </dgm:else>
+      </dgm:choose>
+    </dgm:forEach>
+    <dgm:forEach name="Name48" axis="ch" ptType="node" st="2" cnt="1">
+      <dgm:layoutNode name="circ2" styleLbl="vennNode1">
+        <dgm:alg type="sp"/>
+        <dgm:shape xmlns:r="http://schemas.openxmlformats.org/officeDocument/2006/relationships" type="ellipse" r:blip="">
+          <dgm:adjLst/>
+        </dgm:shape>
+        <dgm:choose name="Name49">
+          <dgm:if name="Name50" func="var" arg="dir" op="equ" val="norm">
+            <dgm:choose name="Name51">
+              <dgm:if name="Name52" axis="root ch" ptType="all node" func="cnt" op="lte" val="4">
+                <dgm:presOf axis="desOrSelf" ptType="node"/>
+              </dgm:if>
+              <dgm:else name="Name53">
+                <dgm:presOf/>
+              </dgm:else>
+            </dgm:choose>
+          </dgm:if>
+          <dgm:else name="Name54">
+            <dgm:choose name="Name55">
+              <dgm:if name="Name56" axis="root ch" ptType="all node" func="cnt" op="equ" val="2">
+                <dgm:presOf axis="root ch desOrSelf" ptType="all node node" st="1 1 1" cnt="1 1 0"/>
+              </dgm:if>
+              <dgm:if name="Name57" axis="root ch" ptType="all node" func="cnt" op="equ" val="3">
+                <dgm:presOf axis="root ch desOrSelf" ptType="all node node" st="1 3 1" cnt="1 1 0"/>
+              </dgm:if>
+              <dgm:if name="Name58" axis="root ch" ptType="all node" func="cnt" op="equ" val="4">
+                <dgm:presOf axis="root ch desOrSelf" ptType="all node node" st="1 4 1" cnt="1 1 0"/>
+              </dgm:if>
+              <dgm:else name="Name59">
+                <dgm:presOf/>
+              </dgm:else>
+            </dgm:choose>
+          </dgm:else>
+        </dgm:choose>
+        <dgm:constrLst/>
+        <dgm:ruleLst/>
+      </dgm:layoutNode>
+      <dgm:layoutNode name="circ2Tx" styleLbl="revTx">
+        <dgm:varLst>
+          <dgm:chMax val="0"/>
+          <dgm:chPref val="0"/>
+          <dgm:bulletEnabled val="1"/>
+        </dgm:varLst>
+        <dgm:alg type="tx">
+          <dgm:param type="txAnchorHorzCh" val="ctr"/>
+          <dgm:param type="txAnchorVertCh" val="mid"/>
+        </dgm:alg>
+        <dgm:shape xmlns:r="http://schemas.openxmlformats.org/officeDocument/2006/relationships" type="rect" r:blip="" hideGeom="1">
+          <dgm:adjLst/>
+        </dgm:shape>
+        <dgm:choose name="Name60">
+          <dgm:if name="Name61" func="var" arg="dir" op="equ" val="norm">
+            <dgm:presOf axis="desOrSelf" ptType="node"/>
+          </dgm:if>
+          <dgm:else name="Name62">
+            <dgm:choose name="Name63">
+              <dgm:if name="Name64" axis="root ch" ptType="all node" func="cnt" op="equ" val="2">
+                <dgm:presOf axis="root ch desOrSelf" ptType="all node node" st="1 1 1" cnt="1 1 0"/>
+              </dgm:if>
+              <dgm:if name="Name65" axis="root ch" ptType="all node" func="cnt" op="equ" val="3">
+                <dgm:presOf axis="root ch desOrSelf" ptType="all node node" st="1 3 1" cnt="1 1 0"/>
+              </dgm:if>
+              <dgm:if name="Name66" axis="root ch" ptType="all node" func="cnt" op="equ" val="4">
+                <dgm:presOf axis="root ch desOrSelf" ptType="all node node" st="1 4 1" cnt="1 1 0"/>
+              </dgm:if>
+              <dgm:if name="Name67" axis="root ch" ptType="all node" func="cnt" op="equ" val="5">
+                <dgm:presOf axis="root ch desOrSelf" ptType="all node node" st="1 5 1" cnt="1 1 0"/>
+              </dgm:if>
+              <dgm:if name="Name68" axis="root ch" ptType="all node" func="cnt" op="equ" val="6">
+                <dgm:presOf axis="root ch desOrSelf" ptType="all node node" st="1 6 1" cnt="1 1 0"/>
+              </dgm:if>
+              <dgm:else name="Name69">
+                <dgm:presOf axis="root ch desOrSelf" ptType="all node node" st="1 7 1" cnt="1 1 0"/>
+              </dgm:else>
+            </dgm:choose>
+          </dgm:else>
+        </dgm:choose>
+        <dgm:constrLst>
+          <dgm:constr type="tMarg"/>
+          <dgm:constr type="bMarg"/>
+          <dgm:constr type="lMarg"/>
+          <dgm:constr type="rMarg"/>
+          <dgm:constr type="primFontSz" val="65"/>
+        </dgm:constrLst>
+        <dgm:ruleLst>
+          <dgm:rule type="primFontSz" val="5" fact="NaN" max="NaN"/>
+        </dgm:ruleLst>
+      </dgm:layoutNode>
+    </dgm:forEach>
+    <dgm:forEach name="Name70" axis="ch" ptType="node" st="3" cnt="1">
+      <dgm:layoutNode name="circ3" styleLbl="vennNode1">
+        <dgm:alg type="sp"/>
+        <dgm:shape xmlns:r="http://schemas.openxmlformats.org/officeDocument/2006/relationships" type="ellipse" r:blip="">
+          <dgm:adjLst/>
+        </dgm:shape>
+        <dgm:choose name="Name71">
+          <dgm:if name="Name72" func="var" arg="dir" op="equ" val="norm">
+            <dgm:choose name="Name73">
+              <dgm:if name="Name74" axis="root ch" ptType="all node" func="cnt" op="lte" val="4">
+                <dgm:presOf axis="desOrSelf" ptType="node"/>
+              </dgm:if>
+              <dgm:else name="Name75">
+                <dgm:presOf/>
+              </dgm:else>
+            </dgm:choose>
+          </dgm:if>
+          <dgm:else name="Name76">
+            <dgm:choose name="Name77">
+              <dgm:if name="Name78" axis="root ch" ptType="all node" func="cnt" op="equ" val="3">
+                <dgm:presOf axis="root ch desOrSelf" ptType="all node node" st="1 2 1" cnt="1 1 0"/>
+              </dgm:if>
+              <dgm:if name="Name79" axis="root ch" ptType="all node" func="cnt" op="equ" val="4">
+                <dgm:presOf axis="root ch desOrSelf" ptType="all node node" st="1 3 1" cnt="1 1 0"/>
+              </dgm:if>
+              <dgm:else name="Name80">
+                <dgm:presOf/>
+              </dgm:else>
+            </dgm:choose>
+          </dgm:else>
+        </dgm:choose>
+        <dgm:constrLst/>
+        <dgm:ruleLst/>
+      </dgm:layoutNode>
+      <dgm:layoutNode name="circ3Tx" styleLbl="revTx">
+        <dgm:varLst>
+          <dgm:chMax val="0"/>
+          <dgm:chPref val="0"/>
+          <dgm:bulletEnabled val="1"/>
+        </dgm:varLst>
+        <dgm:alg type="tx">
+          <dgm:param type="txAnchorHorzCh" val="ctr"/>
+          <dgm:param type="txAnchorVertCh" val="mid"/>
+        </dgm:alg>
+        <dgm:shape xmlns:r="http://schemas.openxmlformats.org/officeDocument/2006/relationships" type="rect" r:blip="" hideGeom="1">
+          <dgm:adjLst/>
+        </dgm:shape>
+        <dgm:choose name="Name81">
+          <dgm:if name="Name82" func="var" arg="dir" op="equ" val="norm">
+            <dgm:presOf axis="desOrSelf" ptType="node"/>
+          </dgm:if>
+          <dgm:else name="Name83">
+            <dgm:choose name="Name84">
+              <dgm:if name="Name85" axis="root ch" ptType="all node" func="cnt" op="equ" val="3">
+                <dgm:presOf axis="root ch desOrSelf" ptType="all node node" st="1 2 1" cnt="1 1 0"/>
+              </dgm:if>
+              <dgm:if name="Name86" axis="root ch" ptType="all node" func="cnt" op="equ" val="4">
+                <dgm:presOf axis="root ch desOrSelf" ptType="all node node" st="1 3 1" cnt="1 1 0"/>
+              </dgm:if>
+              <dgm:if name="Name87" axis="root ch" ptType="all node" func="cnt" op="equ" val="5">
+                <dgm:presOf axis="root ch desOrSelf" ptType="all node node" st="1 4 1" cnt="1 1 0"/>
+              </dgm:if>
+              <dgm:if name="Name88" axis="root ch" ptType="all node" func="cnt" op="equ" val="6">
+                <dgm:presOf axis="root ch desOrSelf" ptType="all node node" st="1 5 1" cnt="1 1 0"/>
+              </dgm:if>
+              <dgm:else name="Name89">
+                <dgm:presOf axis="root ch desOrSelf" ptType="all node node" st="1 6 1" cnt="1 1 0"/>
+              </dgm:else>
+            </dgm:choose>
+          </dgm:else>
+        </dgm:choose>
+        <dgm:constrLst>
+          <dgm:constr type="tMarg"/>
+          <dgm:constr type="bMarg"/>
+          <dgm:constr type="lMarg"/>
+          <dgm:constr type="rMarg"/>
+          <dgm:constr type="primFontSz" val="65"/>
+        </dgm:constrLst>
+        <dgm:ruleLst>
+          <dgm:rule type="primFontSz" val="5" fact="NaN" max="NaN"/>
+        </dgm:ruleLst>
+      </dgm:layoutNode>
+    </dgm:forEach>
+    <dgm:forEach name="Name90" axis="ch" ptType="node" st="4" cnt="1">
+      <dgm:layoutNode name="circ4" styleLbl="vennNode1">
+        <dgm:alg type="sp"/>
+        <dgm:shape xmlns:r="http://schemas.openxmlformats.org/officeDocument/2006/relationships" type="ellipse" r:blip="">
+          <dgm:adjLst/>
+        </dgm:shape>
+        <dgm:choose name="Name91">
+          <dgm:if name="Name92" func="var" arg="dir" op="equ" val="norm">
+            <dgm:choose name="Name93">
+              <dgm:if name="Name94" axis="root ch" ptType="all node" func="cnt" op="lte" val="4">
+                <dgm:presOf axis="desOrSelf" ptType="node"/>
+              </dgm:if>
+              <dgm:else name="Name95">
+                <dgm:presOf/>
+              </dgm:else>
+            </dgm:choose>
+          </dgm:if>
+          <dgm:else name="Name96">
+            <dgm:choose name="Name97">
+              <dgm:if name="Name98" axis="root ch" ptType="all node" func="cnt" op="equ" val="4">
+                <dgm:presOf axis="root ch desOrSelf" ptType="all node node" st="1 2 1" cnt="1 1 0"/>
+              </dgm:if>
+              <dgm:else name="Name99">
+                <dgm:presOf/>
+              </dgm:else>
+            </dgm:choose>
+          </dgm:else>
+        </dgm:choose>
+        <dgm:constrLst/>
+        <dgm:ruleLst/>
+      </dgm:layoutNode>
+      <dgm:layoutNode name="circ4Tx" styleLbl="revTx">
+        <dgm:varLst>
+          <dgm:chMax val="0"/>
+          <dgm:chPref val="0"/>
+          <dgm:bulletEnabled val="1"/>
+        </dgm:varLst>
+        <dgm:alg type="tx">
+          <dgm:param type="txAnchorHorzCh" val="ctr"/>
+          <dgm:param type="txAnchorVertCh" val="mid"/>
+        </dgm:alg>
+        <dgm:shape xmlns:r="http://schemas.openxmlformats.org/officeDocument/2006/relationships" type="rect" r:blip="" hideGeom="1">
+          <dgm:adjLst/>
+        </dgm:shape>
+        <dgm:choose name="Name100">
+          <dgm:if name="Name101" func="var" arg="dir" op="equ" val="norm">
+            <dgm:presOf axis="desOrSelf" ptType="node"/>
+          </dgm:if>
+          <dgm:else name="Name102">
+            <dgm:choose name="Name103">
+              <dgm:if name="Name104" axis="root ch" ptType="all node" func="cnt" op="equ" val="4">
+                <dgm:presOf axis="root ch desOrSelf" ptType="all node node" st="1 2 1" cnt="1 1 0"/>
+              </dgm:if>
+              <dgm:if name="Name105" axis="root ch" ptType="all node" func="cnt" op="equ" val="5">
+                <dgm:presOf axis="root ch desOrSelf" ptType="all node node" st="1 3 1" cnt="1 1 0"/>
+              </dgm:if>
+              <dgm:if name="Name106" axis="root ch" ptType="all node" func="cnt" op="equ" val="6">
+                <dgm:presOf axis="root ch desOrSelf" ptType="all node node" st="1 4 1" cnt="1 1 0"/>
+              </dgm:if>
+              <dgm:else name="Name107">
+                <dgm:presOf axis="root ch desOrSelf" ptType="all node node" st="1 5 1" cnt="1 1 0"/>
+              </dgm:else>
+            </dgm:choose>
+          </dgm:else>
+        </dgm:choose>
+        <dgm:constrLst>
+          <dgm:constr type="tMarg"/>
+          <dgm:constr type="bMarg"/>
+          <dgm:constr type="lMarg"/>
+          <dgm:constr type="rMarg"/>
+          <dgm:constr type="primFontSz" val="65"/>
+        </dgm:constrLst>
+        <dgm:ruleLst>
+          <dgm:rule type="primFontSz" val="5" fact="NaN" max="NaN"/>
+        </dgm:ruleLst>
+      </dgm:layoutNode>
+    </dgm:forEach>
+    <dgm:forEach name="Name108" axis="ch" ptType="node" st="5" cnt="1">
+      <dgm:layoutNode name="circ5" styleLbl="vennNode1">
+        <dgm:alg type="sp"/>
+        <dgm:shape xmlns:r="http://schemas.openxmlformats.org/officeDocument/2006/relationships" type="ellipse" r:blip="">
+          <dgm:adjLst/>
+        </dgm:shape>
+        <dgm:presOf/>
+        <dgm:constrLst/>
+        <dgm:ruleLst/>
+      </dgm:layoutNode>
+      <dgm:layoutNode name="circ5Tx" styleLbl="revTx">
+        <dgm:varLst>
+          <dgm:chMax val="0"/>
+          <dgm:chPref val="0"/>
+          <dgm:bulletEnabled val="1"/>
+        </dgm:varLst>
+        <dgm:alg type="tx">
+          <dgm:param type="txAnchorHorzCh" val="ctr"/>
+          <dgm:param type="txAnchorVertCh" val="mid"/>
+        </dgm:alg>
+        <dgm:shape xmlns:r="http://schemas.openxmlformats.org/officeDocument/2006/relationships" type="rect" r:blip="" hideGeom="1">
+          <dgm:adjLst/>
+        </dgm:shape>
+        <dgm:choose name="Name109">
+          <dgm:if name="Name110" func="var" arg="dir" op="equ" val="norm">
+            <dgm:presOf axis="desOrSelf" ptType="node"/>
+          </dgm:if>
+          <dgm:else name="Name111">
+            <dgm:choose name="Name112">
+              <dgm:if name="Name113" axis="root ch" ptType="all node" func="cnt" op="equ" val="5">
+                <dgm:presOf axis="root ch desOrSelf" ptType="all node node" st="1 2 1" cnt="1 1 0"/>
+              </dgm:if>
+              <dgm:if name="Name114" axis="root ch" ptType="all node" func="cnt" op="equ" val="6">
+                <dgm:presOf axis="root ch desOrSelf" ptType="all node node" st="1 3 1" cnt="1 1 0"/>
+              </dgm:if>
+              <dgm:else name="Name115">
+                <dgm:presOf axis="root ch desOrSelf" ptType="all node node" st="1 4 1" cnt="1 1 0"/>
+              </dgm:else>
+            </dgm:choose>
+          </dgm:else>
+        </dgm:choose>
+        <dgm:constrLst>
+          <dgm:constr type="tMarg"/>
+          <dgm:constr type="bMarg"/>
+          <dgm:constr type="lMarg"/>
+          <dgm:constr type="rMarg"/>
+          <dgm:constr type="primFontSz" val="65"/>
+        </dgm:constrLst>
+        <dgm:ruleLst>
+          <dgm:rule type="primFontSz" val="5" fact="NaN" max="NaN"/>
+        </dgm:ruleLst>
+      </dgm:layoutNode>
+    </dgm:forEach>
+    <dgm:forEach name="Name116" axis="ch" ptType="node" st="6" cnt="1">
+      <dgm:layoutNode name="circ6" styleLbl="vennNode1">
+        <dgm:alg type="sp"/>
+        <dgm:shape xmlns:r="http://schemas.openxmlformats.org/officeDocument/2006/relationships" type="ellipse" r:blip="">
+          <dgm:adjLst/>
+        </dgm:shape>
+        <dgm:presOf/>
+        <dgm:constrLst/>
+        <dgm:ruleLst/>
+      </dgm:layoutNode>
+      <dgm:layoutNode name="circ6Tx" styleLbl="revTx">
+        <dgm:varLst>
+          <dgm:chMax val="0"/>
+          <dgm:chPref val="0"/>
+          <dgm:bulletEnabled val="1"/>
+        </dgm:varLst>
+        <dgm:alg type="tx">
+          <dgm:param type="txAnchorHorzCh" val="ctr"/>
+          <dgm:param type="txAnchorVertCh" val="mid"/>
+        </dgm:alg>
+        <dgm:shape xmlns:r="http://schemas.openxmlformats.org/officeDocument/2006/relationships" type="rect" r:blip="" hideGeom="1">
+          <dgm:adjLst/>
+        </dgm:shape>
+        <dgm:choose name="Name117">
+          <dgm:if name="Name118" func="var" arg="dir" op="equ" val="norm">
+            <dgm:presOf axis="desOrSelf" ptType="node"/>
+          </dgm:if>
+          <dgm:else name="Name119">
+            <dgm:choose name="Name120">
+              <dgm:if name="Name121" axis="root ch" ptType="all node" func="cnt" op="equ" val="6">
+                <dgm:presOf axis="root ch desOrSelf" ptType="all node node" st="1 2 1" cnt="1 1 0"/>
+              </dgm:if>
+              <dgm:else name="Name122">
+                <dgm:presOf axis="root ch desOrSelf" ptType="all node node" st="1 3 1" cnt="1 1 0"/>
+              </dgm:else>
+            </dgm:choose>
+          </dgm:else>
+        </dgm:choose>
+        <dgm:constrLst>
+          <dgm:constr type="tMarg"/>
+          <dgm:constr type="bMarg"/>
+          <dgm:constr type="lMarg"/>
+          <dgm:constr type="rMarg"/>
+          <dgm:constr type="primFontSz" val="65"/>
+        </dgm:constrLst>
+        <dgm:ruleLst>
+          <dgm:rule type="primFontSz" val="5" fact="NaN" max="NaN"/>
+        </dgm:ruleLst>
+      </dgm:layoutNode>
+    </dgm:forEach>
+    <dgm:forEach name="Name123" axis="ch" ptType="node" st="7" cnt="1">
+      <dgm:layoutNode name="circ7" styleLbl="vennNode1">
+        <dgm:alg type="sp"/>
+        <dgm:shape xmlns:r="http://schemas.openxmlformats.org/officeDocument/2006/relationships" type="ellipse" r:blip="">
+          <dgm:adjLst/>
+        </dgm:shape>
+        <dgm:presOf/>
+        <dgm:constrLst/>
+        <dgm:ruleLst/>
+      </dgm:layoutNode>
+      <dgm:layoutNode name="circ7Tx" styleLbl="revTx">
+        <dgm:varLst>
+          <dgm:chMax val="0"/>
+          <dgm:chPref val="0"/>
+          <dgm:bulletEnabled val="1"/>
+        </dgm:varLst>
+        <dgm:alg type="tx">
+          <dgm:param type="txAnchorHorzCh" val="ctr"/>
+          <dgm:param type="txAnchorVertCh" val="mid"/>
+        </dgm:alg>
+        <dgm:shape xmlns:r="http://schemas.openxmlformats.org/officeDocument/2006/relationships" type="rect" r:blip="" hideGeom="1">
+          <dgm:adjLst/>
+        </dgm:shape>
+        <dgm:choose name="Name124">
+          <dgm:if name="Name125" func="var" arg="dir" op="equ" val="norm">
+            <dgm:presOf axis="desOrSelf" ptType="node"/>
+          </dgm:if>
+          <dgm:else name="Name126">
+            <dgm:presOf axis="root ch desOrSelf" ptType="all node node" st="1 2 1" cnt="1 1 0"/>
+          </dgm:else>
+        </dgm:choose>
+        <dgm:constrLst>
+          <dgm:constr type="tMarg"/>
+          <dgm:constr type="bMarg"/>
+          <dgm:constr type="lMarg"/>
+          <dgm:constr type="rMarg"/>
+          <dgm:constr type="primFontSz" val="65"/>
+        </dgm:constrLst>
+        <dgm:ruleLst>
+          <dgm:rule type="primFontSz" val="5" fact="NaN" max="NaN"/>
+        </dgm:ruleLst>
+      </dgm:layoutNode>
+    </dgm:forEach>
+  </dgm:layoutNode>
+</dgm:layoutDef>
+</file>
+
+<file path=ppt/diagrams/layout2.xml><?xml version="1.0" encoding="utf-8"?>
 <dgm:layoutDef xmlns:dgm="http://schemas.openxmlformats.org/drawingml/2006/diagram" xmlns:a="http://schemas.openxmlformats.org/drawingml/2006/main" uniqueId="urn:microsoft.com/office/officeart/2005/8/layout/venn1">
   <dgm:title val=""/>
   <dgm:desc val=""/>
@@ -3211,6 +5255,1040 @@
 </dgm:styleDef>
 </file>
 
+<file path=ppt/diagrams/quickStyle2.xml><?xml version="1.0" encoding="utf-8"?>
+<dgm:styleDef xmlns:dgm="http://schemas.openxmlformats.org/drawingml/2006/diagram" xmlns:a="http://schemas.openxmlformats.org/drawingml/2006/main" uniqueId="urn:microsoft.com/office/officeart/2005/8/quickstyle/simple1">
+  <dgm:title val=""/>
+  <dgm:desc val=""/>
+  <dgm:catLst>
+    <dgm:cat type="simple" pri="10100"/>
+  </dgm:catLst>
+  <dgm:scene3d>
+    <a:camera prst="orthographicFront"/>
+    <a:lightRig rig="threePt" dir="t"/>
+  </dgm:scene3d>
+  <dgm:styleLbl name="node0">
+    <dgm:scene3d>
+      <a:camera prst="orthographicFront"/>
+      <a:lightRig rig="threePt" dir="t"/>
+    </dgm:scene3d>
+    <dgm:sp3d/>
+    <dgm:txPr/>
+    <dgm:style>
+      <a:lnRef idx="2">
+        <a:scrgbClr r="0" g="0" b="0"/>
+      </a:lnRef>
+      <a:fillRef idx="1">
+        <a:scrgbClr r="0" g="0" b="0"/>
+      </a:fillRef>
+      <a:effectRef idx="0">
+        <a:scrgbClr r="0" g="0" b="0"/>
+      </a:effectRef>
+      <a:fontRef idx="minor">
+        <a:schemeClr val="lt1"/>
+      </a:fontRef>
+    </dgm:style>
+  </dgm:styleLbl>
+  <dgm:styleLbl name="lnNode1">
+    <dgm:scene3d>
+      <a:camera prst="orthographicFront"/>
+      <a:lightRig rig="threePt" dir="t"/>
+    </dgm:scene3d>
+    <dgm:sp3d/>
+    <dgm:txPr/>
+    <dgm:style>
+      <a:lnRef idx="2">
+        <a:scrgbClr r="0" g="0" b="0"/>
+      </a:lnRef>
+      <a:fillRef idx="1">
+        <a:scrgbClr r="0" g="0" b="0"/>
+      </a:fillRef>
+      <a:effectRef idx="0">
+        <a:scrgbClr r="0" g="0" b="0"/>
+      </a:effectRef>
+      <a:fontRef idx="minor">
+        <a:schemeClr val="lt1"/>
+      </a:fontRef>
+    </dgm:style>
+  </dgm:styleLbl>
+  <dgm:styleLbl name="vennNode1">
+    <dgm:scene3d>
+      <a:camera prst="orthographicFront"/>
+      <a:lightRig rig="threePt" dir="t"/>
+    </dgm:scene3d>
+    <dgm:sp3d/>
+    <dgm:txPr/>
+    <dgm:style>
+      <a:lnRef idx="2">
+        <a:scrgbClr r="0" g="0" b="0"/>
+      </a:lnRef>
+      <a:fillRef idx="1">
+        <a:scrgbClr r="0" g="0" b="0"/>
+      </a:fillRef>
+      <a:effectRef idx="0">
+        <a:scrgbClr r="0" g="0" b="0"/>
+      </a:effectRef>
+      <a:fontRef idx="minor">
+        <a:schemeClr val="tx1"/>
+      </a:fontRef>
+    </dgm:style>
+  </dgm:styleLbl>
+  <dgm:styleLbl name="alignNode1">
+    <dgm:scene3d>
+      <a:camera prst="orthographicFront"/>
+      <a:lightRig rig="threePt" dir="t"/>
+    </dgm:scene3d>
+    <dgm:sp3d/>
+    <dgm:txPr/>
+    <dgm:style>
+      <a:lnRef idx="2">
+        <a:scrgbClr r="0" g="0" b="0"/>
+      </a:lnRef>
+      <a:fillRef idx="1">
+        <a:scrgbClr r="0" g="0" b="0"/>
+      </a:fillRef>
+      <a:effectRef idx="0">
+        <a:scrgbClr r="0" g="0" b="0"/>
+      </a:effectRef>
+      <a:fontRef idx="minor">
+        <a:schemeClr val="lt1"/>
+      </a:fontRef>
+    </dgm:style>
+  </dgm:styleLbl>
+  <dgm:styleLbl name="node1">
+    <dgm:scene3d>
+      <a:camera prst="orthographicFront"/>
+      <a:lightRig rig="threePt" dir="t"/>
+    </dgm:scene3d>
+    <dgm:sp3d/>
+    <dgm:txPr/>
+    <dgm:style>
+      <a:lnRef idx="2">
+        <a:scrgbClr r="0" g="0" b="0"/>
+      </a:lnRef>
+      <a:fillRef idx="1">
+        <a:scrgbClr r="0" g="0" b="0"/>
+      </a:fillRef>
+      <a:effectRef idx="0">
+        <a:scrgbClr r="0" g="0" b="0"/>
+      </a:effectRef>
+      <a:fontRef idx="minor">
+        <a:schemeClr val="lt1"/>
+      </a:fontRef>
+    </dgm:style>
+  </dgm:styleLbl>
+  <dgm:styleLbl name="node2">
+    <dgm:scene3d>
+      <a:camera prst="orthographicFront"/>
+      <a:lightRig rig="threePt" dir="t"/>
+    </dgm:scene3d>
+    <dgm:sp3d/>
+    <dgm:txPr/>
+    <dgm:style>
+      <a:lnRef idx="2">
+        <a:scrgbClr r="0" g="0" b="0"/>
+      </a:lnRef>
+      <a:fillRef idx="1">
+        <a:scrgbClr r="0" g="0" b="0"/>
+      </a:fillRef>
+      <a:effectRef idx="0">
+        <a:scrgbClr r="0" g="0" b="0"/>
+      </a:effectRef>
+      <a:fontRef idx="minor">
+        <a:schemeClr val="lt1"/>
+      </a:fontRef>
+    </dgm:style>
+  </dgm:styleLbl>
+  <dgm:styleLbl name="node3">
+    <dgm:scene3d>
+      <a:camera prst="orthographicFront"/>
+      <a:lightRig rig="threePt" dir="t"/>
+    </dgm:scene3d>
+    <dgm:sp3d/>
+    <dgm:txPr/>
+    <dgm:style>
+      <a:lnRef idx="2">
+        <a:scrgbClr r="0" g="0" b="0"/>
+      </a:lnRef>
+      <a:fillRef idx="1">
+        <a:scrgbClr r="0" g="0" b="0"/>
+      </a:fillRef>
+      <a:effectRef idx="0">
+        <a:scrgbClr r="0" g="0" b="0"/>
+      </a:effectRef>
+      <a:fontRef idx="minor">
+        <a:schemeClr val="lt1"/>
+      </a:fontRef>
+    </dgm:style>
+  </dgm:styleLbl>
+  <dgm:styleLbl name="node4">
+    <dgm:scene3d>
+      <a:camera prst="orthographicFront"/>
+      <a:lightRig rig="threePt" dir="t"/>
+    </dgm:scene3d>
+    <dgm:sp3d/>
+    <dgm:txPr/>
+    <dgm:style>
+      <a:lnRef idx="2">
+        <a:scrgbClr r="0" g="0" b="0"/>
+      </a:lnRef>
+      <a:fillRef idx="1">
+        <a:scrgbClr r="0" g="0" b="0"/>
+      </a:fillRef>
+      <a:effectRef idx="0">
+        <a:scrgbClr r="0" g="0" b="0"/>
+      </a:effectRef>
+      <a:fontRef idx="minor">
+        <a:schemeClr val="lt1"/>
+      </a:fontRef>
+    </dgm:style>
+  </dgm:styleLbl>
+  <dgm:styleLbl name="fgImgPlace1">
+    <dgm:scene3d>
+      <a:camera prst="orthographicFront"/>
+      <a:lightRig rig="threePt" dir="t"/>
+    </dgm:scene3d>
+    <dgm:sp3d/>
+    <dgm:txPr/>
+    <dgm:style>
+      <a:lnRef idx="2">
+        <a:scrgbClr r="0" g="0" b="0"/>
+      </a:lnRef>
+      <a:fillRef idx="1">
+        <a:scrgbClr r="0" g="0" b="0"/>
+      </a:fillRef>
+      <a:effectRef idx="0">
+        <a:scrgbClr r="0" g="0" b="0"/>
+      </a:effectRef>
+      <a:fontRef idx="minor"/>
+    </dgm:style>
+  </dgm:styleLbl>
+  <dgm:styleLbl name="alignImgPlace1">
+    <dgm:scene3d>
+      <a:camera prst="orthographicFront"/>
+      <a:lightRig rig="threePt" dir="t"/>
+    </dgm:scene3d>
+    <dgm:sp3d/>
+    <dgm:txPr/>
+    <dgm:style>
+      <a:lnRef idx="2">
+        <a:scrgbClr r="0" g="0" b="0"/>
+      </a:lnRef>
+      <a:fillRef idx="1">
+        <a:scrgbClr r="0" g="0" b="0"/>
+      </a:fillRef>
+      <a:effectRef idx="0">
+        <a:scrgbClr r="0" g="0" b="0"/>
+      </a:effectRef>
+      <a:fontRef idx="minor"/>
+    </dgm:style>
+  </dgm:styleLbl>
+  <dgm:styleLbl name="bgImgPlace1">
+    <dgm:scene3d>
+      <a:camera prst="orthographicFront"/>
+      <a:lightRig rig="threePt" dir="t"/>
+    </dgm:scene3d>
+    <dgm:sp3d/>
+    <dgm:txPr/>
+    <dgm:style>
+      <a:lnRef idx="2">
+        <a:scrgbClr r="0" g="0" b="0"/>
+      </a:lnRef>
+      <a:fillRef idx="1">
+        <a:scrgbClr r="0" g="0" b="0"/>
+      </a:fillRef>
+      <a:effectRef idx="0">
+        <a:scrgbClr r="0" g="0" b="0"/>
+      </a:effectRef>
+      <a:fontRef idx="minor"/>
+    </dgm:style>
+  </dgm:styleLbl>
+  <dgm:styleLbl name="sibTrans2D1">
+    <dgm:scene3d>
+      <a:camera prst="orthographicFront"/>
+      <a:lightRig rig="threePt" dir="t"/>
+    </dgm:scene3d>
+    <dgm:sp3d/>
+    <dgm:txPr/>
+    <dgm:style>
+      <a:lnRef idx="0">
+        <a:scrgbClr r="0" g="0" b="0"/>
+      </a:lnRef>
+      <a:fillRef idx="1">
+        <a:scrgbClr r="0" g="0" b="0"/>
+      </a:fillRef>
+      <a:effectRef idx="0">
+        <a:scrgbClr r="0" g="0" b="0"/>
+      </a:effectRef>
+      <a:fontRef idx="minor">
+        <a:schemeClr val="lt1"/>
+      </a:fontRef>
+    </dgm:style>
+  </dgm:styleLbl>
+  <dgm:styleLbl name="fgSibTrans2D1">
+    <dgm:scene3d>
+      <a:camera prst="orthographicFront"/>
+      <a:lightRig rig="threePt" dir="t"/>
+    </dgm:scene3d>
+    <dgm:sp3d/>
+    <dgm:txPr/>
+    <dgm:style>
+      <a:lnRef idx="0">
+        <a:scrgbClr r="0" g="0" b="0"/>
+      </a:lnRef>
+      <a:fillRef idx="1">
+        <a:scrgbClr r="0" g="0" b="0"/>
+      </a:fillRef>
+      <a:effectRef idx="0">
+        <a:scrgbClr r="0" g="0" b="0"/>
+      </a:effectRef>
+      <a:fontRef idx="minor">
+        <a:schemeClr val="lt1"/>
+      </a:fontRef>
+    </dgm:style>
+  </dgm:styleLbl>
+  <dgm:styleLbl name="bgSibTrans2D1">
+    <dgm:scene3d>
+      <a:camera prst="orthographicFront"/>
+      <a:lightRig rig="threePt" dir="t"/>
+    </dgm:scene3d>
+    <dgm:sp3d/>
+    <dgm:txPr/>
+    <dgm:style>
+      <a:lnRef idx="0">
+        <a:scrgbClr r="0" g="0" b="0"/>
+      </a:lnRef>
+      <a:fillRef idx="1">
+        <a:scrgbClr r="0" g="0" b="0"/>
+      </a:fillRef>
+      <a:effectRef idx="0">
+        <a:scrgbClr r="0" g="0" b="0"/>
+      </a:effectRef>
+      <a:fontRef idx="minor">
+        <a:schemeClr val="lt1"/>
+      </a:fontRef>
+    </dgm:style>
+  </dgm:styleLbl>
+  <dgm:styleLbl name="sibTrans1D1">
+    <dgm:scene3d>
+      <a:camera prst="orthographicFront"/>
+      <a:lightRig rig="threePt" dir="t"/>
+    </dgm:scene3d>
+    <dgm:sp3d/>
+    <dgm:txPr/>
+    <dgm:style>
+      <a:lnRef idx="1">
+        <a:scrgbClr r="0" g="0" b="0"/>
+      </a:lnRef>
+      <a:fillRef idx="0">
+        <a:scrgbClr r="0" g="0" b="0"/>
+      </a:fillRef>
+      <a:effectRef idx="0">
+        <a:scrgbClr r="0" g="0" b="0"/>
+      </a:effectRef>
+      <a:fontRef idx="minor"/>
+    </dgm:style>
+  </dgm:styleLbl>
+  <dgm:styleLbl name="callout">
+    <dgm:scene3d>
+      <a:camera prst="orthographicFront"/>
+      <a:lightRig rig="threePt" dir="t"/>
+    </dgm:scene3d>
+    <dgm:sp3d/>
+    <dgm:txPr/>
+    <dgm:style>
+      <a:lnRef idx="2">
+        <a:scrgbClr r="0" g="0" b="0"/>
+      </a:lnRef>
+      <a:fillRef idx="1">
+        <a:scrgbClr r="0" g="0" b="0"/>
+      </a:fillRef>
+      <a:effectRef idx="0">
+        <a:scrgbClr r="0" g="0" b="0"/>
+      </a:effectRef>
+      <a:fontRef idx="minor"/>
+    </dgm:style>
+  </dgm:styleLbl>
+  <dgm:styleLbl name="asst0">
+    <dgm:scene3d>
+      <a:camera prst="orthographicFront"/>
+      <a:lightRig rig="threePt" dir="t"/>
+    </dgm:scene3d>
+    <dgm:sp3d/>
+    <dgm:txPr/>
+    <dgm:style>
+      <a:lnRef idx="2">
+        <a:scrgbClr r="0" g="0" b="0"/>
+      </a:lnRef>
+      <a:fillRef idx="1">
+        <a:scrgbClr r="0" g="0" b="0"/>
+      </a:fillRef>
+      <a:effectRef idx="0">
+        <a:scrgbClr r="0" g="0" b="0"/>
+      </a:effectRef>
+      <a:fontRef idx="minor">
+        <a:schemeClr val="lt1"/>
+      </a:fontRef>
+    </dgm:style>
+  </dgm:styleLbl>
+  <dgm:styleLbl name="asst1">
+    <dgm:scene3d>
+      <a:camera prst="orthographicFront"/>
+      <a:lightRig rig="threePt" dir="t"/>
+    </dgm:scene3d>
+    <dgm:sp3d/>
+    <dgm:txPr/>
+    <dgm:style>
+      <a:lnRef idx="2">
+        <a:scrgbClr r="0" g="0" b="0"/>
+      </a:lnRef>
+      <a:fillRef idx="1">
+        <a:scrgbClr r="0" g="0" b="0"/>
+      </a:fillRef>
+      <a:effectRef idx="0">
+        <a:scrgbClr r="0" g="0" b="0"/>
+      </a:effectRef>
+      <a:fontRef idx="minor">
+        <a:schemeClr val="lt1"/>
+      </a:fontRef>
+    </dgm:style>
+  </dgm:styleLbl>
+  <dgm:styleLbl name="asst2">
+    <dgm:scene3d>
+      <a:camera prst="orthographicFront"/>
+      <a:lightRig rig="threePt" dir="t"/>
+    </dgm:scene3d>
+    <dgm:sp3d/>
+    <dgm:txPr/>
+    <dgm:style>
+      <a:lnRef idx="2">
+        <a:scrgbClr r="0" g="0" b="0"/>
+      </a:lnRef>
+      <a:fillRef idx="1">
+        <a:scrgbClr r="0" g="0" b="0"/>
+      </a:fillRef>
+      <a:effectRef idx="0">
+        <a:scrgbClr r="0" g="0" b="0"/>
+      </a:effectRef>
+      <a:fontRef idx="minor">
+        <a:schemeClr val="lt1"/>
+      </a:fontRef>
+    </dgm:style>
+  </dgm:styleLbl>
+  <dgm:styleLbl name="asst3">
+    <dgm:scene3d>
+      <a:camera prst="orthographicFront"/>
+      <a:lightRig rig="threePt" dir="t"/>
+    </dgm:scene3d>
+    <dgm:sp3d/>
+    <dgm:txPr/>
+    <dgm:style>
+      <a:lnRef idx="2">
+        <a:scrgbClr r="0" g="0" b="0"/>
+      </a:lnRef>
+      <a:fillRef idx="1">
+        <a:scrgbClr r="0" g="0" b="0"/>
+      </a:fillRef>
+      <a:effectRef idx="0">
+        <a:scrgbClr r="0" g="0" b="0"/>
+      </a:effectRef>
+      <a:fontRef idx="minor">
+        <a:schemeClr val="lt1"/>
+      </a:fontRef>
+    </dgm:style>
+  </dgm:styleLbl>
+  <dgm:styleLbl name="asst4">
+    <dgm:scene3d>
+      <a:camera prst="orthographicFront"/>
+      <a:lightRig rig="threePt" dir="t"/>
+    </dgm:scene3d>
+    <dgm:sp3d/>
+    <dgm:txPr/>
+    <dgm:style>
+      <a:lnRef idx="2">
+        <a:scrgbClr r="0" g="0" b="0"/>
+      </a:lnRef>
+      <a:fillRef idx="1">
+        <a:scrgbClr r="0" g="0" b="0"/>
+      </a:fillRef>
+      <a:effectRef idx="0">
+        <a:scrgbClr r="0" g="0" b="0"/>
+      </a:effectRef>
+      <a:fontRef idx="minor">
+        <a:schemeClr val="lt1"/>
+      </a:fontRef>
+    </dgm:style>
+  </dgm:styleLbl>
+  <dgm:styleLbl name="parChTrans2D1">
+    <dgm:scene3d>
+      <a:camera prst="orthographicFront"/>
+      <a:lightRig rig="threePt" dir="t"/>
+    </dgm:scene3d>
+    <dgm:sp3d/>
+    <dgm:txPr/>
+    <dgm:style>
+      <a:lnRef idx="2">
+        <a:scrgbClr r="0" g="0" b="0"/>
+      </a:lnRef>
+      <a:fillRef idx="1">
+        <a:scrgbClr r="0" g="0" b="0"/>
+      </a:fillRef>
+      <a:effectRef idx="0">
+        <a:scrgbClr r="0" g="0" b="0"/>
+      </a:effectRef>
+      <a:fontRef idx="minor">
+        <a:schemeClr val="lt1"/>
+      </a:fontRef>
+    </dgm:style>
+  </dgm:styleLbl>
+  <dgm:styleLbl name="parChTrans2D2">
+    <dgm:scene3d>
+      <a:camera prst="orthographicFront"/>
+      <a:lightRig rig="threePt" dir="t"/>
+    </dgm:scene3d>
+    <dgm:sp3d/>
+    <dgm:txPr/>
+    <dgm:style>
+      <a:lnRef idx="2">
+        <a:scrgbClr r="0" g="0" b="0"/>
+      </a:lnRef>
+      <a:fillRef idx="1">
+        <a:scrgbClr r="0" g="0" b="0"/>
+      </a:fillRef>
+      <a:effectRef idx="0">
+        <a:scrgbClr r="0" g="0" b="0"/>
+      </a:effectRef>
+      <a:fontRef idx="minor">
+        <a:schemeClr val="lt1"/>
+      </a:fontRef>
+    </dgm:style>
+  </dgm:styleLbl>
+  <dgm:styleLbl name="parChTrans2D3">
+    <dgm:scene3d>
+      <a:camera prst="orthographicFront"/>
+      <a:lightRig rig="threePt" dir="t"/>
+    </dgm:scene3d>
+    <dgm:sp3d/>
+    <dgm:txPr/>
+    <dgm:style>
+      <a:lnRef idx="2">
+        <a:scrgbClr r="0" g="0" b="0"/>
+      </a:lnRef>
+      <a:fillRef idx="1">
+        <a:scrgbClr r="0" g="0" b="0"/>
+      </a:fillRef>
+      <a:effectRef idx="0">
+        <a:scrgbClr r="0" g="0" b="0"/>
+      </a:effectRef>
+      <a:fontRef idx="minor">
+        <a:schemeClr val="lt1"/>
+      </a:fontRef>
+    </dgm:style>
+  </dgm:styleLbl>
+  <dgm:styleLbl name="parChTrans2D4">
+    <dgm:scene3d>
+      <a:camera prst="orthographicFront"/>
+      <a:lightRig rig="threePt" dir="t"/>
+    </dgm:scene3d>
+    <dgm:sp3d/>
+    <dgm:txPr/>
+    <dgm:style>
+      <a:lnRef idx="2">
+        <a:scrgbClr r="0" g="0" b="0"/>
+      </a:lnRef>
+      <a:fillRef idx="1">
+        <a:scrgbClr r="0" g="0" b="0"/>
+      </a:fillRef>
+      <a:effectRef idx="0">
+        <a:scrgbClr r="0" g="0" b="0"/>
+      </a:effectRef>
+      <a:fontRef idx="minor">
+        <a:schemeClr val="lt1"/>
+      </a:fontRef>
+    </dgm:style>
+  </dgm:styleLbl>
+  <dgm:styleLbl name="parChTrans1D1">
+    <dgm:scene3d>
+      <a:camera prst="orthographicFront"/>
+      <a:lightRig rig="threePt" dir="t"/>
+    </dgm:scene3d>
+    <dgm:sp3d/>
+    <dgm:txPr/>
+    <dgm:style>
+      <a:lnRef idx="2">
+        <a:scrgbClr r="0" g="0" b="0"/>
+      </a:lnRef>
+      <a:fillRef idx="0">
+        <a:scrgbClr r="0" g="0" b="0"/>
+      </a:fillRef>
+      <a:effectRef idx="0">
+        <a:scrgbClr r="0" g="0" b="0"/>
+      </a:effectRef>
+      <a:fontRef idx="minor"/>
+    </dgm:style>
+  </dgm:styleLbl>
+  <dgm:styleLbl name="parChTrans1D2">
+    <dgm:scene3d>
+      <a:camera prst="orthographicFront"/>
+      <a:lightRig rig="threePt" dir="t"/>
+    </dgm:scene3d>
+    <dgm:sp3d/>
+    <dgm:txPr/>
+    <dgm:style>
+      <a:lnRef idx="2">
+        <a:scrgbClr r="0" g="0" b="0"/>
+      </a:lnRef>
+      <a:fillRef idx="0">
+        <a:scrgbClr r="0" g="0" b="0"/>
+      </a:fillRef>
+      <a:effectRef idx="0">
+        <a:scrgbClr r="0" g="0" b="0"/>
+      </a:effectRef>
+      <a:fontRef idx="minor"/>
+    </dgm:style>
+  </dgm:styleLbl>
+  <dgm:styleLbl name="parChTrans1D3">
+    <dgm:scene3d>
+      <a:camera prst="orthographicFront"/>
+      <a:lightRig rig="threePt" dir="t"/>
+    </dgm:scene3d>
+    <dgm:sp3d/>
+    <dgm:txPr/>
+    <dgm:style>
+      <a:lnRef idx="2">
+        <a:scrgbClr r="0" g="0" b="0"/>
+      </a:lnRef>
+      <a:fillRef idx="0">
+        <a:scrgbClr r="0" g="0" b="0"/>
+      </a:fillRef>
+      <a:effectRef idx="0">
+        <a:scrgbClr r="0" g="0" b="0"/>
+      </a:effectRef>
+      <a:fontRef idx="minor"/>
+    </dgm:style>
+  </dgm:styleLbl>
+  <dgm:styleLbl name="parChTrans1D4">
+    <dgm:scene3d>
+      <a:camera prst="orthographicFront"/>
+      <a:lightRig rig="threePt" dir="t"/>
+    </dgm:scene3d>
+    <dgm:sp3d/>
+    <dgm:txPr/>
+    <dgm:style>
+      <a:lnRef idx="2">
+        <a:scrgbClr r="0" g="0" b="0"/>
+      </a:lnRef>
+      <a:fillRef idx="0">
+        <a:scrgbClr r="0" g="0" b="0"/>
+      </a:fillRef>
+      <a:effectRef idx="0">
+        <a:scrgbClr r="0" g="0" b="0"/>
+      </a:effectRef>
+      <a:fontRef idx="minor"/>
+    </dgm:style>
+  </dgm:styleLbl>
+  <dgm:styleLbl name="fgAcc1">
+    <dgm:scene3d>
+      <a:camera prst="orthographicFront"/>
+      <a:lightRig rig="threePt" dir="t"/>
+    </dgm:scene3d>
+    <dgm:sp3d/>
+    <dgm:txPr/>
+    <dgm:style>
+      <a:lnRef idx="2">
+        <a:scrgbClr r="0" g="0" b="0"/>
+      </a:lnRef>
+      <a:fillRef idx="1">
+        <a:scrgbClr r="0" g="0" b="0"/>
+      </a:fillRef>
+      <a:effectRef idx="0">
+        <a:scrgbClr r="0" g="0" b="0"/>
+      </a:effectRef>
+      <a:fontRef idx="minor"/>
+    </dgm:style>
+  </dgm:styleLbl>
+  <dgm:styleLbl name="conFgAcc1">
+    <dgm:scene3d>
+      <a:camera prst="orthographicFront"/>
+      <a:lightRig rig="threePt" dir="t"/>
+    </dgm:scene3d>
+    <dgm:sp3d/>
+    <dgm:txPr/>
+    <dgm:style>
+      <a:lnRef idx="2">
+        <a:scrgbClr r="0" g="0" b="0"/>
+      </a:lnRef>
+      <a:fillRef idx="1">
+        <a:scrgbClr r="0" g="0" b="0"/>
+      </a:fillRef>
+      <a:effectRef idx="0">
+        <a:scrgbClr r="0" g="0" b="0"/>
+      </a:effectRef>
+      <a:fontRef idx="minor"/>
+    </dgm:style>
+  </dgm:styleLbl>
+  <dgm:styleLbl name="alignAcc1">
+    <dgm:scene3d>
+      <a:camera prst="orthographicFront"/>
+      <a:lightRig rig="threePt" dir="t"/>
+    </dgm:scene3d>
+    <dgm:sp3d/>
+    <dgm:txPr/>
+    <dgm:style>
+      <a:lnRef idx="2">
+        <a:scrgbClr r="0" g="0" b="0"/>
+      </a:lnRef>
+      <a:fillRef idx="1">
+        <a:scrgbClr r="0" g="0" b="0"/>
+      </a:fillRef>
+      <a:effectRef idx="0">
+        <a:scrgbClr r="0" g="0" b="0"/>
+      </a:effectRef>
+      <a:fontRef idx="minor"/>
+    </dgm:style>
+  </dgm:styleLbl>
+  <dgm:styleLbl name="trAlignAcc1">
+    <dgm:scene3d>
+      <a:camera prst="orthographicFront"/>
+      <a:lightRig rig="threePt" dir="t"/>
+    </dgm:scene3d>
+    <dgm:sp3d/>
+    <dgm:txPr/>
+    <dgm:style>
+      <a:lnRef idx="1">
+        <a:scrgbClr r="0" g="0" b="0"/>
+      </a:lnRef>
+      <a:fillRef idx="1">
+        <a:scrgbClr r="0" g="0" b="0"/>
+      </a:fillRef>
+      <a:effectRef idx="0">
+        <a:scrgbClr r="0" g="0" b="0"/>
+      </a:effectRef>
+      <a:fontRef idx="minor"/>
+    </dgm:style>
+  </dgm:styleLbl>
+  <dgm:styleLbl name="bgAcc1">
+    <dgm:scene3d>
+      <a:camera prst="orthographicFront"/>
+      <a:lightRig rig="threePt" dir="t"/>
+    </dgm:scene3d>
+    <dgm:sp3d/>
+    <dgm:txPr/>
+    <dgm:style>
+      <a:lnRef idx="2">
+        <a:scrgbClr r="0" g="0" b="0"/>
+      </a:lnRef>
+      <a:fillRef idx="1">
+        <a:scrgbClr r="0" g="0" b="0"/>
+      </a:fillRef>
+      <a:effectRef idx="0">
+        <a:scrgbClr r="0" g="0" b="0"/>
+      </a:effectRef>
+      <a:fontRef idx="minor"/>
+    </dgm:style>
+  </dgm:styleLbl>
+  <dgm:styleLbl name="solidFgAcc1">
+    <dgm:scene3d>
+      <a:camera prst="orthographicFront"/>
+      <a:lightRig rig="threePt" dir="t"/>
+    </dgm:scene3d>
+    <dgm:sp3d/>
+    <dgm:txPr/>
+    <dgm:style>
+      <a:lnRef idx="2">
+        <a:scrgbClr r="0" g="0" b="0"/>
+      </a:lnRef>
+      <a:fillRef idx="1">
+        <a:scrgbClr r="0" g="0" b="0"/>
+      </a:fillRef>
+      <a:effectRef idx="0">
+        <a:scrgbClr r="0" g="0" b="0"/>
+      </a:effectRef>
+      <a:fontRef idx="minor"/>
+    </dgm:style>
+  </dgm:styleLbl>
+  <dgm:styleLbl name="solidAlignAcc1">
+    <dgm:scene3d>
+      <a:camera prst="orthographicFront"/>
+      <a:lightRig rig="threePt" dir="t"/>
+    </dgm:scene3d>
+    <dgm:sp3d/>
+    <dgm:txPr/>
+    <dgm:style>
+      <a:lnRef idx="2">
+        <a:scrgbClr r="0" g="0" b="0"/>
+      </a:lnRef>
+      <a:fillRef idx="1">
+        <a:scrgbClr r="0" g="0" b="0"/>
+      </a:fillRef>
+      <a:effectRef idx="0">
+        <a:scrgbClr r="0" g="0" b="0"/>
+      </a:effectRef>
+      <a:fontRef idx="minor"/>
+    </dgm:style>
+  </dgm:styleLbl>
+  <dgm:styleLbl name="solidBgAcc1">
+    <dgm:scene3d>
+      <a:camera prst="orthographicFront"/>
+      <a:lightRig rig="threePt" dir="t"/>
+    </dgm:scene3d>
+    <dgm:sp3d/>
+    <dgm:txPr/>
+    <dgm:style>
+      <a:lnRef idx="2">
+        <a:scrgbClr r="0" g="0" b="0"/>
+      </a:lnRef>
+      <a:fillRef idx="1">
+        <a:scrgbClr r="0" g="0" b="0"/>
+      </a:fillRef>
+      <a:effectRef idx="0">
+        <a:scrgbClr r="0" g="0" b="0"/>
+      </a:effectRef>
+      <a:fontRef idx="minor"/>
+    </dgm:style>
+  </dgm:styleLbl>
+  <dgm:styleLbl name="fgAccFollowNode1">
+    <dgm:scene3d>
+      <a:camera prst="orthographicFront"/>
+      <a:lightRig rig="threePt" dir="t"/>
+    </dgm:scene3d>
+    <dgm:sp3d/>
+    <dgm:txPr/>
+    <dgm:style>
+      <a:lnRef idx="2">
+        <a:scrgbClr r="0" g="0" b="0"/>
+      </a:lnRef>
+      <a:fillRef idx="1">
+        <a:scrgbClr r="0" g="0" b="0"/>
+      </a:fillRef>
+      <a:effectRef idx="0">
+        <a:scrgbClr r="0" g="0" b="0"/>
+      </a:effectRef>
+      <a:fontRef idx="minor"/>
+    </dgm:style>
+  </dgm:styleLbl>
+  <dgm:styleLbl name="alignAccFollowNode1">
+    <dgm:scene3d>
+      <a:camera prst="orthographicFront"/>
+      <a:lightRig rig="threePt" dir="t"/>
+    </dgm:scene3d>
+    <dgm:sp3d/>
+    <dgm:txPr/>
+    <dgm:style>
+      <a:lnRef idx="2">
+        <a:scrgbClr r="0" g="0" b="0"/>
+      </a:lnRef>
+      <a:fillRef idx="1">
+        <a:scrgbClr r="0" g="0" b="0"/>
+      </a:fillRef>
+      <a:effectRef idx="0">
+        <a:scrgbClr r="0" g="0" b="0"/>
+      </a:effectRef>
+      <a:fontRef idx="minor"/>
+    </dgm:style>
+  </dgm:styleLbl>
+  <dgm:styleLbl name="bgAccFollowNode1">
+    <dgm:scene3d>
+      <a:camera prst="orthographicFront"/>
+      <a:lightRig rig="threePt" dir="t"/>
+    </dgm:scene3d>
+    <dgm:sp3d/>
+    <dgm:txPr/>
+    <dgm:style>
+      <a:lnRef idx="2">
+        <a:scrgbClr r="0" g="0" b="0"/>
+      </a:lnRef>
+      <a:fillRef idx="1">
+        <a:scrgbClr r="0" g="0" b="0"/>
+      </a:fillRef>
+      <a:effectRef idx="0">
+        <a:scrgbClr r="0" g="0" b="0"/>
+      </a:effectRef>
+      <a:fontRef idx="minor"/>
+    </dgm:style>
+  </dgm:styleLbl>
+  <dgm:styleLbl name="fgAcc0">
+    <dgm:scene3d>
+      <a:camera prst="orthographicFront"/>
+      <a:lightRig rig="threePt" dir="t"/>
+    </dgm:scene3d>
+    <dgm:sp3d/>
+    <dgm:txPr/>
+    <dgm:style>
+      <a:lnRef idx="2">
+        <a:scrgbClr r="0" g="0" b="0"/>
+      </a:lnRef>
+      <a:fillRef idx="1">
+        <a:scrgbClr r="0" g="0" b="0"/>
+      </a:fillRef>
+      <a:effectRef idx="0">
+        <a:scrgbClr r="0" g="0" b="0"/>
+      </a:effectRef>
+      <a:fontRef idx="minor"/>
+    </dgm:style>
+  </dgm:styleLbl>
+  <dgm:styleLbl name="fgAcc2">
+    <dgm:scene3d>
+      <a:camera prst="orthographicFront"/>
+      <a:lightRig rig="threePt" dir="t"/>
+    </dgm:scene3d>
+    <dgm:sp3d/>
+    <dgm:txPr/>
+    <dgm:style>
+      <a:lnRef idx="2">
+        <a:scrgbClr r="0" g="0" b="0"/>
+      </a:lnRef>
+      <a:fillRef idx="1">
+        <a:scrgbClr r="0" g="0" b="0"/>
+      </a:fillRef>
+      <a:effectRef idx="0">
+        <a:scrgbClr r="0" g="0" b="0"/>
+      </a:effectRef>
+      <a:fontRef idx="minor"/>
+    </dgm:style>
+  </dgm:styleLbl>
+  <dgm:styleLbl name="fgAcc3">
+    <dgm:scene3d>
+      <a:camera prst="orthographicFront"/>
+      <a:lightRig rig="threePt" dir="t"/>
+    </dgm:scene3d>
+    <dgm:sp3d/>
+    <dgm:txPr/>
+    <dgm:style>
+      <a:lnRef idx="2">
+        <a:scrgbClr r="0" g="0" b="0"/>
+      </a:lnRef>
+      <a:fillRef idx="1">
+        <a:scrgbClr r="0" g="0" b="0"/>
+      </a:fillRef>
+      <a:effectRef idx="0">
+        <a:scrgbClr r="0" g="0" b="0"/>
+      </a:effectRef>
+      <a:fontRef idx="minor"/>
+    </dgm:style>
+  </dgm:styleLbl>
+  <dgm:styleLbl name="fgAcc4">
+    <dgm:scene3d>
+      <a:camera prst="orthographicFront"/>
+      <a:lightRig rig="threePt" dir="t"/>
+    </dgm:scene3d>
+    <dgm:sp3d/>
+    <dgm:txPr/>
+    <dgm:style>
+      <a:lnRef idx="2">
+        <a:scrgbClr r="0" g="0" b="0"/>
+      </a:lnRef>
+      <a:fillRef idx="1">
+        <a:scrgbClr r="0" g="0" b="0"/>
+      </a:fillRef>
+      <a:effectRef idx="0">
+        <a:scrgbClr r="0" g="0" b="0"/>
+      </a:effectRef>
+      <a:fontRef idx="minor"/>
+    </dgm:style>
+  </dgm:styleLbl>
+  <dgm:styleLbl name="bgShp">
+    <dgm:scene3d>
+      <a:camera prst="orthographicFront"/>
+      <a:lightRig rig="threePt" dir="t"/>
+    </dgm:scene3d>
+    <dgm:sp3d/>
+    <dgm:txPr/>
+    <dgm:style>
+      <a:lnRef idx="0">
+        <a:scrgbClr r="0" g="0" b="0"/>
+      </a:lnRef>
+      <a:fillRef idx="1">
+        <a:scrgbClr r="0" g="0" b="0"/>
+      </a:fillRef>
+      <a:effectRef idx="0">
+        <a:scrgbClr r="0" g="0" b="0"/>
+      </a:effectRef>
+      <a:fontRef idx="minor"/>
+    </dgm:style>
+  </dgm:styleLbl>
+  <dgm:styleLbl name="dkBgShp">
+    <dgm:scene3d>
+      <a:camera prst="orthographicFront"/>
+      <a:lightRig rig="threePt" dir="t"/>
+    </dgm:scene3d>
+    <dgm:sp3d/>
+    <dgm:txPr/>
+    <dgm:style>
+      <a:lnRef idx="0">
+        <a:scrgbClr r="0" g="0" b="0"/>
+      </a:lnRef>
+      <a:fillRef idx="1">
+        <a:scrgbClr r="0" g="0" b="0"/>
+      </a:fillRef>
+      <a:effectRef idx="0">
+        <a:scrgbClr r="0" g="0" b="0"/>
+      </a:effectRef>
+      <a:fontRef idx="minor"/>
+    </dgm:style>
+  </dgm:styleLbl>
+  <dgm:styleLbl name="trBgShp">
+    <dgm:scene3d>
+      <a:camera prst="orthographicFront"/>
+      <a:lightRig rig="threePt" dir="t"/>
+    </dgm:scene3d>
+    <dgm:sp3d/>
+    <dgm:txPr/>
+    <dgm:style>
+      <a:lnRef idx="0">
+        <a:scrgbClr r="0" g="0" b="0"/>
+      </a:lnRef>
+      <a:fillRef idx="1">
+        <a:scrgbClr r="0" g="0" b="0"/>
+      </a:fillRef>
+      <a:effectRef idx="0">
+        <a:scrgbClr r="0" g="0" b="0"/>
+      </a:effectRef>
+      <a:fontRef idx="minor"/>
+    </dgm:style>
+  </dgm:styleLbl>
+  <dgm:styleLbl name="fgShp">
+    <dgm:scene3d>
+      <a:camera prst="orthographicFront"/>
+      <a:lightRig rig="threePt" dir="t"/>
+    </dgm:scene3d>
+    <dgm:sp3d/>
+    <dgm:txPr/>
+    <dgm:style>
+      <a:lnRef idx="2">
+        <a:scrgbClr r="0" g="0" b="0"/>
+      </a:lnRef>
+      <a:fillRef idx="1">
+        <a:scrgbClr r="0" g="0" b="0"/>
+      </a:fillRef>
+      <a:effectRef idx="0">
+        <a:scrgbClr r="0" g="0" b="0"/>
+      </a:effectRef>
+      <a:fontRef idx="minor"/>
+    </dgm:style>
+  </dgm:styleLbl>
+  <dgm:styleLbl name="revTx">
+    <dgm:scene3d>
+      <a:camera prst="orthographicFront"/>
+      <a:lightRig rig="threePt" dir="t"/>
+    </dgm:scene3d>
+    <dgm:sp3d/>
+    <dgm:txPr/>
+    <dgm:style>
+      <a:lnRef idx="0">
+        <a:scrgbClr r="0" g="0" b="0"/>
+      </a:lnRef>
+      <a:fillRef idx="0">
+        <a:scrgbClr r="0" g="0" b="0"/>
+      </a:fillRef>
+      <a:effectRef idx="0">
+        <a:scrgbClr r="0" g="0" b="0"/>
+      </a:effectRef>
+      <a:fontRef idx="minor"/>
+    </dgm:style>
+  </dgm:styleLbl>
+</dgm:styleDef>
+</file>
+
 <file path=ppt/slideLayouts/slideLayout1.xml><?xml version="1.0" encoding="utf-8"?>
 <p:sldLayout xmlns:a="http://schemas.openxmlformats.org/drawingml/2006/main" xmlns:r="http://schemas.openxmlformats.org/officeDocument/2006/relationships" xmlns:p="http://schemas.openxmlformats.org/presentationml/2006/main" type="title" preserve="1">
   <p:cSld name="Title Slide">
@@ -6653,6 +9731,610 @@
 <file path=ppt/slides/slide1.xml><?xml version="1.0" encoding="utf-8"?>
 <p:sld xmlns:a="http://schemas.openxmlformats.org/drawingml/2006/main" xmlns:r="http://schemas.openxmlformats.org/officeDocument/2006/relationships" xmlns:p="http://schemas.openxmlformats.org/presentationml/2006/main">
   <p:cSld>
+    <p:bg>
+      <p:bgPr>
+        <a:gradFill rotWithShape="1">
+          <a:gsLst>
+            <a:gs pos="0">
+              <a:schemeClr val="bg2">
+                <a:tint val="94000"/>
+                <a:satMod val="80000"/>
+                <a:lumMod val="106000"/>
+              </a:schemeClr>
+            </a:gs>
+            <a:gs pos="100000">
+              <a:schemeClr val="bg2">
+                <a:shade val="80000"/>
+              </a:schemeClr>
+            </a:gs>
+          </a:gsLst>
+          <a:path path="circle">
+            <a:fillToRect l="50000" t="50000" r="50000" b="50000"/>
+          </a:path>
+        </a:gradFill>
+        <a:effectLst/>
+      </p:bgPr>
+    </p:bg>
+    <p:spTree>
+      <p:nvGrpSpPr>
+        <p:cNvPr id="1" name=""/>
+        <p:cNvGrpSpPr/>
+        <p:nvPr/>
+      </p:nvGrpSpPr>
+      <p:grpSpPr>
+        <a:xfrm>
+          <a:off x="0" y="0"/>
+          <a:ext cx="0" cy="0"/>
+          <a:chOff x="0" y="0"/>
+          <a:chExt cx="0" cy="0"/>
+        </a:xfrm>
+      </p:grpSpPr>
+      <p:sp useBgFill="1">
+        <p:nvSpPr>
+          <p:cNvPr id="22" name="Rectangle 7">
+            <a:extLst>
+              <a:ext uri="{FF2B5EF4-FFF2-40B4-BE49-F238E27FC236}">
+                <a16:creationId xmlns:a16="http://schemas.microsoft.com/office/drawing/2014/main" id="{1C69834E-5EEE-4D61-833E-04928896454C}"/>
+              </a:ext>
+              <a:ext uri="{C183D7F6-B498-43B3-948B-1728B52AA6E4}">
+                <adec:decorative xmlns:adec="http://schemas.microsoft.com/office/drawing/2017/decorative" val="1"/>
+              </a:ext>
+            </a:extLst>
+          </p:cNvPr>
+          <p:cNvSpPr>
+            <a:spLocks noGrp="1" noRot="1" noChangeAspect="1" noMove="1" noResize="1" noEditPoints="1" noAdjustHandles="1" noChangeArrowheads="1" noChangeShapeType="1" noTextEdit="1"/>
+          </p:cNvSpPr>
+          <p:nvPr>
+            <p:extLst>
+              <p:ext uri="{386F3935-93C4-4BCD-93E2-E3B085C9AB24}">
+                <p16:designElem xmlns:p16="http://schemas.microsoft.com/office/powerpoint/2015/main" val="1"/>
+              </p:ext>
+            </p:extLst>
+          </p:nvPr>
+        </p:nvSpPr>
+        <p:spPr>
+          <a:xfrm>
+            <a:off x="2" y="0"/>
+            <a:ext cx="12191695" cy="6858000"/>
+          </a:xfrm>
+          <a:prstGeom prst="rect">
+            <a:avLst/>
+          </a:prstGeom>
+          <a:ln>
+            <a:noFill/>
+          </a:ln>
+        </p:spPr>
+        <p:style>
+          <a:lnRef idx="2">
+            <a:schemeClr val="accent1">
+              <a:shade val="50000"/>
+            </a:schemeClr>
+          </a:lnRef>
+          <a:fillRef idx="1">
+            <a:schemeClr val="accent1"/>
+          </a:fillRef>
+          <a:effectRef idx="0">
+            <a:schemeClr val="accent1"/>
+          </a:effectRef>
+          <a:fontRef idx="minor">
+            <a:schemeClr val="lt1"/>
+          </a:fontRef>
+        </p:style>
+        <p:txBody>
+          <a:bodyPr rtlCol="0" anchor="ctr"/>
+          <a:lstStyle/>
+          <a:p>
+            <a:pPr algn="ctr"/>
+            <a:endParaRPr lang="en-US"/>
+          </a:p>
+        </p:txBody>
+      </p:sp>
+      <p:sp>
+        <p:nvSpPr>
+          <p:cNvPr id="23" name="Rectangle 9">
+            <a:extLst>
+              <a:ext uri="{FF2B5EF4-FFF2-40B4-BE49-F238E27FC236}">
+                <a16:creationId xmlns:a16="http://schemas.microsoft.com/office/drawing/2014/main" id="{58E5D9BA-46E7-4BFA-9C74-75495BF6F54D}"/>
+              </a:ext>
+              <a:ext uri="{C183D7F6-B498-43B3-948B-1728B52AA6E4}">
+                <adec:decorative xmlns:adec="http://schemas.microsoft.com/office/drawing/2017/decorative" val="1"/>
+              </a:ext>
+            </a:extLst>
+          </p:cNvPr>
+          <p:cNvSpPr>
+            <a:spLocks noGrp="1" noRot="1" noChangeAspect="1" noMove="1" noResize="1" noEditPoints="1" noAdjustHandles="1" noChangeArrowheads="1" noChangeShapeType="1" noTextEdit="1"/>
+          </p:cNvSpPr>
+          <p:nvPr>
+            <p:extLst>
+              <p:ext uri="{386F3935-93C4-4BCD-93E2-E3B085C9AB24}">
+                <p16:designElem xmlns:p16="http://schemas.microsoft.com/office/powerpoint/2015/main" val="1"/>
+              </p:ext>
+            </p:extLst>
+          </p:nvPr>
+        </p:nvSpPr>
+        <p:spPr>
+          <a:xfrm>
+            <a:off x="0" y="2019476"/>
+            <a:ext cx="12192000" cy="4105941"/>
+          </a:xfrm>
+          <a:prstGeom prst="rect">
+            <a:avLst/>
+          </a:prstGeom>
+          <a:gradFill flip="none" rotWithShape="1">
+            <a:gsLst>
+              <a:gs pos="0">
+                <a:schemeClr val="bg2">
+                  <a:alpha val="0"/>
+                </a:schemeClr>
+              </a:gs>
+              <a:gs pos="100000">
+                <a:schemeClr val="bg2"/>
+              </a:gs>
+            </a:gsLst>
+            <a:lin ang="5400000" scaled="0"/>
+            <a:tileRect/>
+          </a:gradFill>
+          <a:ln>
+            <a:noFill/>
+          </a:ln>
+        </p:spPr>
+        <p:style>
+          <a:lnRef idx="2">
+            <a:schemeClr val="accent1">
+              <a:shade val="50000"/>
+            </a:schemeClr>
+          </a:lnRef>
+          <a:fillRef idx="1">
+            <a:schemeClr val="accent1"/>
+          </a:fillRef>
+          <a:effectRef idx="0">
+            <a:schemeClr val="accent1"/>
+          </a:effectRef>
+          <a:fontRef idx="minor">
+            <a:schemeClr val="lt1"/>
+          </a:fontRef>
+        </p:style>
+        <p:txBody>
+          <a:bodyPr rtlCol="0" anchor="ctr"/>
+          <a:lstStyle/>
+          <a:p>
+            <a:pPr lvl="0" algn="ctr"/>
+            <a:endParaRPr lang="en-US"/>
+          </a:p>
+        </p:txBody>
+      </p:sp>
+      <p:sp>
+        <p:nvSpPr>
+          <p:cNvPr id="24" name="Rectangle 11">
+            <a:extLst>
+              <a:ext uri="{FF2B5EF4-FFF2-40B4-BE49-F238E27FC236}">
+                <a16:creationId xmlns:a16="http://schemas.microsoft.com/office/drawing/2014/main" id="{5B033D76-5800-44B6-AFE9-EE2106935115}"/>
+              </a:ext>
+              <a:ext uri="{C183D7F6-B498-43B3-948B-1728B52AA6E4}">
+                <adec:decorative xmlns:adec="http://schemas.microsoft.com/office/drawing/2017/decorative" val="1"/>
+              </a:ext>
+            </a:extLst>
+          </p:cNvPr>
+          <p:cNvSpPr>
+            <a:spLocks noGrp="1" noRot="1" noChangeAspect="1" noMove="1" noResize="1" noEditPoints="1" noAdjustHandles="1" noChangeArrowheads="1" noChangeShapeType="1" noTextEdit="1"/>
+          </p:cNvSpPr>
+          <p:nvPr>
+            <p:extLst>
+              <p:ext uri="{386F3935-93C4-4BCD-93E2-E3B085C9AB24}">
+                <p16:designElem xmlns:p16="http://schemas.microsoft.com/office/powerpoint/2015/main" val="1"/>
+              </p:ext>
+            </p:extLst>
+          </p:nvPr>
+        </p:nvSpPr>
+        <p:spPr>
+          <a:xfrm>
+            <a:off x="643331" y="638508"/>
+            <a:ext cx="10905339" cy="4843439"/>
+          </a:xfrm>
+          <a:prstGeom prst="rect">
+            <a:avLst/>
+          </a:prstGeom>
+          <a:gradFill>
+            <a:gsLst>
+              <a:gs pos="0">
+                <a:srgbClr val="000001"/>
+              </a:gs>
+              <a:gs pos="100000">
+                <a:srgbClr val="191919"/>
+              </a:gs>
+            </a:gsLst>
+          </a:gradFill>
+          <a:ln w="76200" cmpd="sng">
+            <a:noFill/>
+            <a:miter lim="800000"/>
+          </a:ln>
+          <a:effectLst>
+            <a:outerShdw blurRad="127000" dist="228600" dir="4740000" sx="98000" sy="98000" algn="tl" rotWithShape="0">
+              <a:srgbClr val="000000">
+                <a:alpha val="34000"/>
+              </a:srgbClr>
+            </a:outerShdw>
+          </a:effectLst>
+          <a:scene3d>
+            <a:camera prst="orthographicFront"/>
+            <a:lightRig rig="threePt" dir="t"/>
+          </a:scene3d>
+          <a:sp3d>
+            <a:bevelT w="152400" h="50800" prst="softRound"/>
+          </a:sp3d>
+        </p:spPr>
+        <p:style>
+          <a:lnRef idx="1">
+            <a:schemeClr val="accent1"/>
+          </a:lnRef>
+          <a:fillRef idx="3">
+            <a:schemeClr val="accent1"/>
+          </a:fillRef>
+          <a:effectRef idx="2">
+            <a:schemeClr val="accent1"/>
+          </a:effectRef>
+          <a:fontRef idx="minor">
+            <a:schemeClr val="lt1"/>
+          </a:fontRef>
+        </p:style>
+        <p:txBody>
+          <a:bodyPr rtlCol="0" anchor="ctr"/>
+          <a:lstStyle/>
+          <a:p>
+            <a:pPr algn="ctr"/>
+            <a:endParaRPr lang="en-US"/>
+          </a:p>
+        </p:txBody>
+      </p:sp>
+      <p:sp>
+        <p:nvSpPr>
+          <p:cNvPr id="25" name="Rectangle 13">
+            <a:extLst>
+              <a:ext uri="{FF2B5EF4-FFF2-40B4-BE49-F238E27FC236}">
+                <a16:creationId xmlns:a16="http://schemas.microsoft.com/office/drawing/2014/main" id="{522D6F85-FFBA-4F81-AEE5-AAA17CB7AA98}"/>
+              </a:ext>
+              <a:ext uri="{C183D7F6-B498-43B3-948B-1728B52AA6E4}">
+                <adec:decorative xmlns:adec="http://schemas.microsoft.com/office/drawing/2017/decorative" val="1"/>
+              </a:ext>
+            </a:extLst>
+          </p:cNvPr>
+          <p:cNvSpPr>
+            <a:spLocks noGrp="1" noRot="1" noChangeAspect="1" noMove="1" noResize="1" noEditPoints="1" noAdjustHandles="1" noChangeArrowheads="1" noChangeShapeType="1" noTextEdit="1"/>
+          </p:cNvSpPr>
+          <p:nvPr>
+            <p:extLst>
+              <p:ext uri="{386F3935-93C4-4BCD-93E2-E3B085C9AB24}">
+                <p16:designElem xmlns:p16="http://schemas.microsoft.com/office/powerpoint/2015/main" val="1"/>
+              </p:ext>
+            </p:extLst>
+          </p:nvPr>
+        </p:nvSpPr>
+        <p:spPr>
+          <a:xfrm>
+            <a:off x="870204" y="865667"/>
+            <a:ext cx="10451592" cy="4389120"/>
+          </a:xfrm>
+          <a:prstGeom prst="rect">
+            <a:avLst/>
+          </a:prstGeom>
+          <a:ln w="50800" cmpd="sng">
+            <a:solidFill>
+              <a:srgbClr val="191919"/>
+            </a:solidFill>
+            <a:miter lim="800000"/>
+          </a:ln>
+          <a:effectLst>
+            <a:innerShdw blurRad="63500" dist="88900" dir="14100000">
+              <a:srgbClr val="000000">
+                <a:alpha val="30000"/>
+              </a:srgbClr>
+            </a:innerShdw>
+          </a:effectLst>
+          <a:scene3d>
+            <a:camera prst="orthographicFront"/>
+            <a:lightRig rig="threePt" dir="t"/>
+          </a:scene3d>
+          <a:sp3d>
+            <a:bevelT prst="relaxedInset"/>
+          </a:sp3d>
+        </p:spPr>
+        <p:style>
+          <a:lnRef idx="1">
+            <a:schemeClr val="accent1"/>
+          </a:lnRef>
+          <a:fillRef idx="1003">
+            <a:schemeClr val="dk2"/>
+          </a:fillRef>
+          <a:effectRef idx="2">
+            <a:schemeClr val="accent1"/>
+          </a:effectRef>
+          <a:fontRef idx="minor">
+            <a:schemeClr val="lt1"/>
+          </a:fontRef>
+        </p:style>
+        <p:txBody>
+          <a:bodyPr rtlCol="0" anchor="ctr"/>
+          <a:lstStyle/>
+          <a:p>
+            <a:pPr algn="ctr"/>
+            <a:endParaRPr lang="en-US"/>
+          </a:p>
+        </p:txBody>
+      </p:sp>
+      <p:sp>
+        <p:nvSpPr>
+          <p:cNvPr id="26" name="Rectangle 15">
+            <a:extLst>
+              <a:ext uri="{FF2B5EF4-FFF2-40B4-BE49-F238E27FC236}">
+                <a16:creationId xmlns:a16="http://schemas.microsoft.com/office/drawing/2014/main" id="{13B31514-E6DF-4357-9EEA-EFB7983080DA}"/>
+              </a:ext>
+              <a:ext uri="{C183D7F6-B498-43B3-948B-1728B52AA6E4}">
+                <adec:decorative xmlns:adec="http://schemas.microsoft.com/office/drawing/2017/decorative" val="1"/>
+              </a:ext>
+            </a:extLst>
+          </p:cNvPr>
+          <p:cNvSpPr>
+            <a:spLocks noGrp="1" noRot="1" noChangeAspect="1" noMove="1" noResize="1" noEditPoints="1" noAdjustHandles="1" noChangeArrowheads="1" noChangeShapeType="1" noTextEdit="1"/>
+          </p:cNvSpPr>
+          <p:nvPr>
+            <p:extLst>
+              <p:ext uri="{386F3935-93C4-4BCD-93E2-E3B085C9AB24}">
+                <p16:designElem xmlns:p16="http://schemas.microsoft.com/office/powerpoint/2015/main" val="1"/>
+              </p:ext>
+            </p:extLst>
+          </p:nvPr>
+        </p:nvSpPr>
+        <p:spPr>
+          <a:xfrm>
+            <a:off x="1034796" y="1030259"/>
+            <a:ext cx="10122408" cy="4059936"/>
+          </a:xfrm>
+          <a:prstGeom prst="rect">
+            <a:avLst/>
+          </a:prstGeom>
+          <a:ln>
+            <a:solidFill>
+              <a:srgbClr val="949494"/>
+            </a:solidFill>
+          </a:ln>
+        </p:spPr>
+        <p:style>
+          <a:lnRef idx="2">
+            <a:schemeClr val="accent1">
+              <a:shade val="50000"/>
+            </a:schemeClr>
+          </a:lnRef>
+          <a:fillRef idx="1003">
+            <a:schemeClr val="lt1"/>
+          </a:fillRef>
+          <a:effectRef idx="0">
+            <a:schemeClr val="accent1"/>
+          </a:effectRef>
+          <a:fontRef idx="minor">
+            <a:schemeClr val="lt1"/>
+          </a:fontRef>
+        </p:style>
+        <p:txBody>
+          <a:bodyPr rtlCol="0" anchor="ctr"/>
+          <a:lstStyle/>
+          <a:p>
+            <a:pPr algn="ctr"/>
+            <a:endParaRPr lang="en-US"/>
+          </a:p>
+        </p:txBody>
+      </p:sp>
+      <p:sp>
+        <p:nvSpPr>
+          <p:cNvPr id="2" name="Title 1">
+            <a:extLst>
+              <a:ext uri="{FF2B5EF4-FFF2-40B4-BE49-F238E27FC236}">
+                <a16:creationId xmlns:a16="http://schemas.microsoft.com/office/drawing/2014/main" id="{3F097477-6B25-D340-89F0-D85890AA683C}"/>
+              </a:ext>
+            </a:extLst>
+          </p:cNvPr>
+          <p:cNvSpPr>
+            <a:spLocks noGrp="1"/>
+          </p:cNvSpPr>
+          <p:nvPr>
+            <p:ph type="ctrTitle"/>
+          </p:nvPr>
+        </p:nvSpPr>
+        <p:spPr>
+          <a:xfrm>
+            <a:off x="1557071" y="1584552"/>
+            <a:ext cx="9099255" cy="2537251"/>
+          </a:xfrm>
+        </p:spPr>
+        <p:txBody>
+          <a:bodyPr anchor="ctr">
+            <a:normAutofit/>
+          </a:bodyPr>
+          <a:lstStyle/>
+          <a:p>
+            <a:pPr algn="ctr"/>
+            <a:r>
+              <a:rPr lang="en-US" sz="5600" dirty="0">
+                <a:solidFill>
+                  <a:srgbClr val="454545"/>
+                </a:solidFill>
+                <a:latin typeface="Copperplate" panose="02000504000000020004" pitchFamily="2" charset="77"/>
+              </a:rPr>
+              <a:t>THINK TANKS AND MY OWN YET TO BE NAMED</a:t>
+            </a:r>
+            <a:br>
+              <a:rPr lang="en-US" sz="5600" dirty="0">
+                <a:solidFill>
+                  <a:srgbClr val="454545"/>
+                </a:solidFill>
+                <a:latin typeface="Copperplate" panose="02000504000000020004" pitchFamily="2" charset="77"/>
+              </a:rPr>
+            </a:br>
+            <a:r>
+              <a:rPr lang="en-US" sz="5600" dirty="0">
+                <a:solidFill>
+                  <a:srgbClr val="454545"/>
+                </a:solidFill>
+                <a:latin typeface="Copperplate" panose="02000504000000020004" pitchFamily="2" charset="77"/>
+              </a:rPr>
+              <a:t>THINK TANK</a:t>
+            </a:r>
+          </a:p>
+        </p:txBody>
+      </p:sp>
+      <p:sp>
+        <p:nvSpPr>
+          <p:cNvPr id="3" name="Subtitle 2">
+            <a:extLst>
+              <a:ext uri="{FF2B5EF4-FFF2-40B4-BE49-F238E27FC236}">
+                <a16:creationId xmlns:a16="http://schemas.microsoft.com/office/drawing/2014/main" id="{E64DB4E4-0FF6-224A-AF42-9CBE4FB6D481}"/>
+              </a:ext>
+            </a:extLst>
+          </p:cNvPr>
+          <p:cNvSpPr>
+            <a:spLocks noGrp="1"/>
+          </p:cNvSpPr>
+          <p:nvPr>
+            <p:ph type="subTitle" idx="1"/>
+          </p:nvPr>
+        </p:nvSpPr>
+        <p:spPr>
+          <a:xfrm>
+            <a:off x="1535372" y="4133234"/>
+            <a:ext cx="9120954" cy="744373"/>
+          </a:xfrm>
+        </p:spPr>
+        <p:txBody>
+          <a:bodyPr>
+            <a:normAutofit/>
+          </a:bodyPr>
+          <a:lstStyle/>
+          <a:p>
+            <a:pPr algn="ctr"/>
+            <a:r>
+              <a:rPr lang="en-US" dirty="0">
+                <a:solidFill>
+                  <a:schemeClr val="accent1"/>
+                </a:solidFill>
+              </a:rPr>
+              <a:t>Thomas wood</a:t>
+            </a:r>
+          </a:p>
+        </p:txBody>
+      </p:sp>
+      <p:pic>
+        <p:nvPicPr>
+          <p:cNvPr id="27" name="Picture 17">
+            <a:extLst>
+              <a:ext uri="{FF2B5EF4-FFF2-40B4-BE49-F238E27FC236}">
+                <a16:creationId xmlns:a16="http://schemas.microsoft.com/office/drawing/2014/main" id="{4C401D57-600A-4C91-AC9A-14CA1ED6F7D8}"/>
+              </a:ext>
+              <a:ext uri="{C183D7F6-B498-43B3-948B-1728B52AA6E4}">
+                <adec:decorative xmlns:adec="http://schemas.microsoft.com/office/drawing/2017/decorative" val="1"/>
+              </a:ext>
+            </a:extLst>
+          </p:cNvPr>
+          <p:cNvPicPr>
+            <a:picLocks noGrp="1" noRot="1" noChangeAspect="1" noMove="1" noResize="1" noEditPoints="1" noAdjustHandles="1" noChangeArrowheads="1" noChangeShapeType="1" noCrop="1"/>
+          </p:cNvPicPr>
+          <p:nvPr>
+            <p:extLst>
+              <p:ext uri="{386F3935-93C4-4BCD-93E2-E3B085C9AB24}">
+                <p16:designElem xmlns:p16="http://schemas.microsoft.com/office/powerpoint/2015/main" val="1"/>
+              </p:ext>
+            </p:extLst>
+          </p:nvPr>
+        </p:nvPicPr>
+        <p:blipFill rotWithShape="1">
+          <a:blip r:embed="rId2">
+            <a:extLst>
+              <a:ext uri="{28A0092B-C50C-407E-A947-70E740481C1C}">
+                <a14:useLocalDpi xmlns:a14="http://schemas.microsoft.com/office/drawing/2010/main" val="0"/>
+              </a:ext>
+            </a:extLst>
+          </a:blip>
+          <a:srcRect t="1538" b="-1538"/>
+          <a:stretch/>
+        </p:blipFill>
+        <p:spPr bwMode="black">
+          <a:xfrm>
+            <a:off x="0" y="6126480"/>
+            <a:ext cx="12192000" cy="742950"/>
+          </a:xfrm>
+          <a:prstGeom prst="rect">
+            <a:avLst/>
+          </a:prstGeom>
+        </p:spPr>
+      </p:pic>
+      <p:cxnSp>
+        <p:nvCxnSpPr>
+          <p:cNvPr id="28" name="Straight Connector 19">
+            <a:extLst>
+              <a:ext uri="{FF2B5EF4-FFF2-40B4-BE49-F238E27FC236}">
+                <a16:creationId xmlns:a16="http://schemas.microsoft.com/office/drawing/2014/main" id="{412BDC66-00FA-4A3F-9BC7-BE05FF7705F8}"/>
+              </a:ext>
+              <a:ext uri="{C183D7F6-B498-43B3-948B-1728B52AA6E4}">
+                <adec:decorative xmlns:adec="http://schemas.microsoft.com/office/drawing/2017/decorative" val="1"/>
+              </a:ext>
+            </a:extLst>
+          </p:cNvPr>
+          <p:cNvCxnSpPr>
+            <a:cxnSpLocks noGrp="1" noRot="1" noChangeAspect="1" noMove="1" noResize="1" noEditPoints="1" noAdjustHandles="1" noChangeArrowheads="1" noChangeShapeType="1"/>
+          </p:cNvCxnSpPr>
+          <p:nvPr>
+            <p:extLst>
+              <p:ext uri="{386F3935-93C4-4BCD-93E2-E3B085C9AB24}">
+                <p16:designElem xmlns:p16="http://schemas.microsoft.com/office/powerpoint/2015/main" val="1"/>
+              </p:ext>
+            </p:extLst>
+          </p:nvPr>
+        </p:nvCxnSpPr>
+        <p:spPr>
+          <a:xfrm>
+            <a:off x="0" y="6128413"/>
+            <a:ext cx="12192000" cy="0"/>
+          </a:xfrm>
+          <a:prstGeom prst="line">
+            <a:avLst/>
+          </a:prstGeom>
+          <a:ln w="12700">
+            <a:solidFill>
+              <a:srgbClr val="000001">
+                <a:alpha val="20000"/>
+              </a:srgbClr>
+            </a:solidFill>
+          </a:ln>
+        </p:spPr>
+        <p:style>
+          <a:lnRef idx="1">
+            <a:schemeClr val="accent1"/>
+          </a:lnRef>
+          <a:fillRef idx="0">
+            <a:schemeClr val="accent1"/>
+          </a:fillRef>
+          <a:effectRef idx="0">
+            <a:schemeClr val="accent1"/>
+          </a:effectRef>
+          <a:fontRef idx="minor">
+            <a:schemeClr val="tx1"/>
+          </a:fontRef>
+        </p:style>
+      </p:cxnSp>
+    </p:spTree>
+    <p:extLst>
+      <p:ext uri="{BB962C8B-B14F-4D97-AF65-F5344CB8AC3E}">
+        <p14:creationId xmlns:p14="http://schemas.microsoft.com/office/powerpoint/2010/main" val="2997114189"/>
+      </p:ext>
+    </p:extLst>
+  </p:cSld>
+  <p:clrMapOvr>
+    <a:masterClrMapping/>
+  </p:clrMapOvr>
+</p:sld>
+</file>
+
+<file path=ppt/slides/slide2.xml><?xml version="1.0" encoding="utf-8"?>
+<p:sld xmlns:a="http://schemas.openxmlformats.org/drawingml/2006/main" xmlns:r="http://schemas.openxmlformats.org/officeDocument/2006/relationships" xmlns:p="http://schemas.openxmlformats.org/presentationml/2006/main">
+  <p:cSld>
     <p:spTree>
       <p:nvGrpSpPr>
         <p:cNvPr id="1" name=""/>
@@ -6672,7 +10354,7 @@
           <p:cNvPr id="2" name="Title 1">
             <a:extLst>
               <a:ext uri="{FF2B5EF4-FFF2-40B4-BE49-F238E27FC236}">
-                <a16:creationId xmlns:a16="http://schemas.microsoft.com/office/drawing/2014/main" id="{3F097477-6B25-D340-89F0-D85890AA683C}"/>
+                <a16:creationId xmlns:a16="http://schemas.microsoft.com/office/drawing/2014/main" id="{A500011A-71A2-5646-9457-D5A1A7029962}"/>
               </a:ext>
             </a:extLst>
           </p:cNvPr>
@@ -6680,7 +10362,7 @@
             <a:spLocks noGrp="1"/>
           </p:cNvSpPr>
           <p:nvPr>
-            <p:ph type="ctrTitle"/>
+            <p:ph type="title"/>
           </p:nvPr>
         </p:nvSpPr>
         <p:spPr/>
@@ -6689,18 +10371,31 @@
           <a:lstStyle/>
           <a:p>
             <a:r>
-              <a:rPr lang="en-US" dirty="0"/>
-              <a:t>MY THINK TANK</a:t>
+              <a:rPr lang="en-US" dirty="0">
+                <a:latin typeface="Copperplate" panose="02000504000000020004" pitchFamily="2" charset="77"/>
+              </a:rPr>
+              <a:t>Think Tanks</a:t>
+            </a:r>
+            <a:br>
+              <a:rPr lang="en-US" dirty="0">
+                <a:latin typeface="Copperplate" panose="02000504000000020004" pitchFamily="2" charset="77"/>
+              </a:rPr>
+            </a:br>
+            <a:r>
+              <a:rPr lang="en-US" dirty="0">
+                <a:latin typeface="Copperplate" panose="02000504000000020004" pitchFamily="2" charset="77"/>
+              </a:rPr>
+              <a:t>What do they do?</a:t>
             </a:r>
           </a:p>
         </p:txBody>
       </p:sp>
       <p:sp>
         <p:nvSpPr>
-          <p:cNvPr id="3" name="Subtitle 2">
+          <p:cNvPr id="3" name="Content Placeholder 2">
             <a:extLst>
               <a:ext uri="{FF2B5EF4-FFF2-40B4-BE49-F238E27FC236}">
-                <a16:creationId xmlns:a16="http://schemas.microsoft.com/office/drawing/2014/main" id="{E64DB4E4-0FF6-224A-AF42-9CBE4FB6D481}"/>
+                <a16:creationId xmlns:a16="http://schemas.microsoft.com/office/drawing/2014/main" id="{B8BCEF09-CC41-4144-9739-150F3D8B2A2A}"/>
               </a:ext>
             </a:extLst>
           </p:cNvPr>
@@ -6708,7 +10403,7 @@
             <a:spLocks noGrp="1"/>
           </p:cNvSpPr>
           <p:nvPr>
-            <p:ph type="subTitle" idx="1"/>
+            <p:ph idx="1"/>
           </p:nvPr>
         </p:nvSpPr>
         <p:spPr/>
@@ -6718,15 +10413,159 @@
           <a:p>
             <a:r>
               <a:rPr lang="en-US" dirty="0"/>
-              <a:t>Still untitled think tank</a:t>
+              <a:t>Write </a:t>
+            </a:r>
+            <a:r>
+              <a:rPr lang="en-US" dirty="0">
+                <a:highlight>
+                  <a:srgbClr val="FFFF00"/>
+                </a:highlight>
+              </a:rPr>
+              <a:t>policy position papers</a:t>
+            </a:r>
+          </a:p>
+          <a:p>
+            <a:r>
+              <a:rPr lang="en-US" dirty="0">
+                <a:highlight>
+                  <a:srgbClr val="FFFF00"/>
+                </a:highlight>
+              </a:rPr>
+              <a:t>Run the world</a:t>
             </a:r>
           </a:p>
         </p:txBody>
       </p:sp>
+      <p:pic>
+        <p:nvPicPr>
+          <p:cNvPr id="5" name="Picture 4">
+            <a:extLst>
+              <a:ext uri="{FF2B5EF4-FFF2-40B4-BE49-F238E27FC236}">
+                <a16:creationId xmlns:a16="http://schemas.microsoft.com/office/drawing/2014/main" id="{A6CDE216-ED60-AF4E-8567-E4A2AC4BFCDD}"/>
+              </a:ext>
+            </a:extLst>
+          </p:cNvPr>
+          <p:cNvPicPr>
+            <a:picLocks noChangeAspect="1"/>
+          </p:cNvPicPr>
+          <p:nvPr/>
+        </p:nvPicPr>
+        <p:blipFill>
+          <a:blip r:embed="rId2"/>
+          <a:stretch>
+            <a:fillRect/>
+          </a:stretch>
+        </p:blipFill>
+        <p:spPr>
+          <a:xfrm>
+            <a:off x="6229039" y="2573820"/>
+            <a:ext cx="4511382" cy="1710359"/>
+          </a:xfrm>
+          <a:prstGeom prst="rect">
+            <a:avLst/>
+          </a:prstGeom>
+        </p:spPr>
+      </p:pic>
+      <p:pic>
+        <p:nvPicPr>
+          <p:cNvPr id="9" name="Picture 8">
+            <a:extLst>
+              <a:ext uri="{FF2B5EF4-FFF2-40B4-BE49-F238E27FC236}">
+                <a16:creationId xmlns:a16="http://schemas.microsoft.com/office/drawing/2014/main" id="{0C03703E-035E-2540-9C0A-EA546DE1AF15}"/>
+              </a:ext>
+            </a:extLst>
+          </p:cNvPr>
+          <p:cNvPicPr>
+            <a:picLocks noChangeAspect="1"/>
+          </p:cNvPicPr>
+          <p:nvPr/>
+        </p:nvPicPr>
+        <p:blipFill>
+          <a:blip r:embed="rId3"/>
+          <a:stretch>
+            <a:fillRect/>
+          </a:stretch>
+        </p:blipFill>
+        <p:spPr>
+          <a:xfrm>
+            <a:off x="5892524" y="4579728"/>
+            <a:ext cx="1376570" cy="1376570"/>
+          </a:xfrm>
+          <a:prstGeom prst="rect">
+            <a:avLst/>
+          </a:prstGeom>
+        </p:spPr>
+      </p:pic>
+      <p:pic>
+        <p:nvPicPr>
+          <p:cNvPr id="11" name="Picture 10">
+            <a:extLst>
+              <a:ext uri="{FF2B5EF4-FFF2-40B4-BE49-F238E27FC236}">
+                <a16:creationId xmlns:a16="http://schemas.microsoft.com/office/drawing/2014/main" id="{BE5D8FAD-19B6-084A-9977-17978209E088}"/>
+              </a:ext>
+            </a:extLst>
+          </p:cNvPr>
+          <p:cNvPicPr>
+            <a:picLocks noChangeAspect="1"/>
+          </p:cNvPicPr>
+          <p:nvPr/>
+        </p:nvPicPr>
+        <p:blipFill>
+          <a:blip r:embed="rId4"/>
+          <a:stretch>
+            <a:fillRect/>
+          </a:stretch>
+        </p:blipFill>
+        <p:spPr>
+          <a:xfrm>
+            <a:off x="2334590" y="4772713"/>
+            <a:ext cx="2260602" cy="990601"/>
+          </a:xfrm>
+          <a:prstGeom prst="rect">
+            <a:avLst/>
+          </a:prstGeom>
+        </p:spPr>
+      </p:pic>
+      <p:pic>
+        <p:nvPicPr>
+          <p:cNvPr id="13" name="Graphic 12">
+            <a:extLst>
+              <a:ext uri="{FF2B5EF4-FFF2-40B4-BE49-F238E27FC236}">
+                <a16:creationId xmlns:a16="http://schemas.microsoft.com/office/drawing/2014/main" id="{5211F1A3-19A6-5E4B-9BCA-D235A4474F2E}"/>
+              </a:ext>
+            </a:extLst>
+          </p:cNvPr>
+          <p:cNvPicPr>
+            <a:picLocks noChangeAspect="1"/>
+          </p:cNvPicPr>
+          <p:nvPr/>
+        </p:nvPicPr>
+        <p:blipFill>
+          <a:blip r:embed="rId5">
+            <a:extLst>
+              <a:ext uri="{96DAC541-7B7A-43D3-8B79-37D633B846F1}">
+                <asvg:svgBlip xmlns:asvg="http://schemas.microsoft.com/office/drawing/2016/SVG/main" r:embed="rId6"/>
+              </a:ext>
+            </a:extLst>
+          </a:blip>
+          <a:stretch>
+            <a:fillRect/>
+          </a:stretch>
+        </p:blipFill>
+        <p:spPr>
+          <a:xfrm>
+            <a:off x="1622006" y="3966986"/>
+            <a:ext cx="2895600" cy="431800"/>
+          </a:xfrm>
+          <a:prstGeom prst="rect">
+            <a:avLst/>
+          </a:prstGeom>
+        </p:spPr>
+      </p:pic>
     </p:spTree>
     <p:extLst>
       <p:ext uri="{BB962C8B-B14F-4D97-AF65-F5344CB8AC3E}">
-        <p14:creationId xmlns:p14="http://schemas.microsoft.com/office/powerpoint/2010/main" val="2997114189"/>
+        <p14:creationId xmlns:p14="http://schemas.microsoft.com/office/powerpoint/2010/main" val="560754324"/>
       </p:ext>
     </p:extLst>
   </p:cSld>
@@ -6736,7 +10575,7 @@
 </p:sld>
 </file>
 
-<file path=ppt/slides/slide2.xml><?xml version="1.0" encoding="utf-8"?>
+<file path=ppt/slides/slide3.xml><?xml version="1.0" encoding="utf-8"?>
 <p:sld xmlns:a="http://schemas.openxmlformats.org/drawingml/2006/main" xmlns:r="http://schemas.openxmlformats.org/officeDocument/2006/relationships" xmlns:p="http://schemas.openxmlformats.org/presentationml/2006/main">
   <p:cSld>
     <p:spTree>
@@ -6775,8 +10614,10 @@
           <a:lstStyle/>
           <a:p>
             <a:r>
-              <a:rPr lang="en-US" dirty="0"/>
-              <a:t>What do we think about</a:t>
+              <a:rPr lang="en-US" dirty="0">
+                <a:latin typeface="Copperplate" panose="02000504000000020004" pitchFamily="2" charset="77"/>
+              </a:rPr>
+              <a:t>What DOES MY THINK TANK THINK about?</a:t>
             </a:r>
           </a:p>
         </p:txBody>
@@ -6797,14 +10638,14 @@
             <p:ph idx="1"/>
             <p:extLst>
               <p:ext uri="{D42A27DB-BD31-4B8C-83A1-F6EECF244321}">
-                <p14:modId xmlns:p14="http://schemas.microsoft.com/office/powerpoint/2010/main" val="3893405166"/>
+                <p14:modId xmlns:p14="http://schemas.microsoft.com/office/powerpoint/2010/main" val="1584005842"/>
               </p:ext>
             </p:extLst>
           </p:nvPr>
         </p:nvGraphicFramePr>
         <p:xfrm>
-          <a:off x="1450975" y="2016125"/>
-          <a:ext cx="9604375" cy="3449638"/>
+          <a:off x="1451579" y="2156791"/>
+          <a:ext cx="9603275" cy="3677480"/>
         </p:xfrm>
         <a:graphic>
           <a:graphicData uri="http://schemas.openxmlformats.org/drawingml/2006/diagram">
@@ -6816,104 +10657,6 @@
     <p:extLst>
       <p:ext uri="{BB962C8B-B14F-4D97-AF65-F5344CB8AC3E}">
         <p14:creationId xmlns:p14="http://schemas.microsoft.com/office/powerpoint/2010/main" val="3765551173"/>
-      </p:ext>
-    </p:extLst>
-  </p:cSld>
-  <p:clrMapOvr>
-    <a:masterClrMapping/>
-  </p:clrMapOvr>
-</p:sld>
-</file>
-
-<file path=ppt/slides/slide3.xml><?xml version="1.0" encoding="utf-8"?>
-<p:sld xmlns:a="http://schemas.openxmlformats.org/drawingml/2006/main" xmlns:r="http://schemas.openxmlformats.org/officeDocument/2006/relationships" xmlns:p="http://schemas.openxmlformats.org/presentationml/2006/main">
-  <p:cSld>
-    <p:spTree>
-      <p:nvGrpSpPr>
-        <p:cNvPr id="1" name=""/>
-        <p:cNvGrpSpPr/>
-        <p:nvPr/>
-      </p:nvGrpSpPr>
-      <p:grpSpPr>
-        <a:xfrm>
-          <a:off x="0" y="0"/>
-          <a:ext cx="0" cy="0"/>
-          <a:chOff x="0" y="0"/>
-          <a:chExt cx="0" cy="0"/>
-        </a:xfrm>
-      </p:grpSpPr>
-      <p:sp>
-        <p:nvSpPr>
-          <p:cNvPr id="2" name="Title 1">
-            <a:extLst>
-              <a:ext uri="{FF2B5EF4-FFF2-40B4-BE49-F238E27FC236}">
-                <a16:creationId xmlns:a16="http://schemas.microsoft.com/office/drawing/2014/main" id="{929FEAF4-1998-F04E-806F-9499B18ED339}"/>
-              </a:ext>
-            </a:extLst>
-          </p:cNvPr>
-          <p:cNvSpPr>
-            <a:spLocks noGrp="1"/>
-          </p:cNvSpPr>
-          <p:nvPr>
-            <p:ph type="title"/>
-          </p:nvPr>
-        </p:nvSpPr>
-        <p:spPr/>
-        <p:txBody>
-          <a:bodyPr/>
-          <a:lstStyle/>
-          <a:p>
-            <a:r>
-              <a:rPr lang="en-US" dirty="0"/>
-              <a:t>CLASS</a:t>
-            </a:r>
-          </a:p>
-        </p:txBody>
-      </p:sp>
-      <p:sp>
-        <p:nvSpPr>
-          <p:cNvPr id="3" name="Content Placeholder 2">
-            <a:extLst>
-              <a:ext uri="{FF2B5EF4-FFF2-40B4-BE49-F238E27FC236}">
-                <a16:creationId xmlns:a16="http://schemas.microsoft.com/office/drawing/2014/main" id="{518FC588-DF25-2B43-9B8F-DC25CED00B6D}"/>
-              </a:ext>
-            </a:extLst>
-          </p:cNvPr>
-          <p:cNvSpPr>
-            <a:spLocks noGrp="1"/>
-          </p:cNvSpPr>
-          <p:nvPr>
-            <p:ph idx="1"/>
-          </p:nvPr>
-        </p:nvSpPr>
-        <p:spPr/>
-        <p:txBody>
-          <a:bodyPr/>
-          <a:lstStyle/>
-          <a:p>
-            <a:r>
-              <a:rPr lang="en-US" dirty="0"/>
-              <a:t>Social inclusion and open access</a:t>
-            </a:r>
-          </a:p>
-          <a:p>
-            <a:r>
-              <a:rPr lang="en-US" dirty="0"/>
-              <a:t>Poverty reduction</a:t>
-            </a:r>
-          </a:p>
-          <a:p>
-            <a:r>
-              <a:rPr lang="en-US" dirty="0"/>
-              <a:t>Public health</a:t>
-            </a:r>
-          </a:p>
-        </p:txBody>
-      </p:sp>
-    </p:spTree>
-    <p:extLst>
-      <p:ext uri="{BB962C8B-B14F-4D97-AF65-F5344CB8AC3E}">
-        <p14:creationId xmlns:p14="http://schemas.microsoft.com/office/powerpoint/2010/main" val="463452882"/>
       </p:ext>
     </p:extLst>
   </p:cSld>
@@ -6956,14 +10699,21 @@
             <p:ph type="title"/>
           </p:nvPr>
         </p:nvSpPr>
-        <p:spPr/>
+        <p:spPr>
+          <a:xfrm>
+            <a:off x="1451579" y="804519"/>
+            <a:ext cx="9603275" cy="1049235"/>
+          </a:xfrm>
+        </p:spPr>
         <p:txBody>
           <a:bodyPr/>
           <a:lstStyle/>
           <a:p>
             <a:r>
-              <a:rPr lang="en-US" dirty="0"/>
-              <a:t>Climate</a:t>
+              <a:rPr lang="en-US" dirty="0">
+                <a:latin typeface="Copperplate" panose="02000504000000020004" pitchFamily="2" charset="77"/>
+              </a:rPr>
+              <a:t>ENVIRONMENT</a:t>
             </a:r>
           </a:p>
         </p:txBody>
@@ -6984,7 +10734,12 @@
             <p:ph idx="1"/>
           </p:nvPr>
         </p:nvSpPr>
-        <p:spPr/>
+        <p:spPr>
+          <a:xfrm>
+            <a:off x="1451579" y="2015732"/>
+            <a:ext cx="9603275" cy="3450613"/>
+          </a:xfrm>
+        </p:spPr>
         <p:txBody>
           <a:bodyPr/>
           <a:lstStyle/>
@@ -7011,6 +10766,126 @@
           </a:p>
         </p:txBody>
       </p:sp>
+      <p:pic>
+        <p:nvPicPr>
+          <p:cNvPr id="11" name="Picture 10">
+            <a:extLst>
+              <a:ext uri="{FF2B5EF4-FFF2-40B4-BE49-F238E27FC236}">
+                <a16:creationId xmlns:a16="http://schemas.microsoft.com/office/drawing/2014/main" id="{C4CB39A5-6244-0A40-94F1-91B67526D0D5}"/>
+              </a:ext>
+            </a:extLst>
+          </p:cNvPr>
+          <p:cNvPicPr>
+            <a:picLocks noChangeAspect="1"/>
+          </p:cNvPicPr>
+          <p:nvPr/>
+        </p:nvPicPr>
+        <p:blipFill>
+          <a:blip r:embed="rId2"/>
+          <a:stretch>
+            <a:fillRect/>
+          </a:stretch>
+        </p:blipFill>
+        <p:spPr>
+          <a:xfrm>
+            <a:off x="6947450" y="1273"/>
+            <a:ext cx="4228550" cy="3704961"/>
+          </a:xfrm>
+          <a:prstGeom prst="rect">
+            <a:avLst/>
+          </a:prstGeom>
+        </p:spPr>
+      </p:pic>
+      <p:pic>
+        <p:nvPicPr>
+          <p:cNvPr id="13" name="Picture 12">
+            <a:extLst>
+              <a:ext uri="{FF2B5EF4-FFF2-40B4-BE49-F238E27FC236}">
+                <a16:creationId xmlns:a16="http://schemas.microsoft.com/office/drawing/2014/main" id="{A9FC1846-6127-4643-A7CA-B2A5A350099E}"/>
+              </a:ext>
+            </a:extLst>
+          </p:cNvPr>
+          <p:cNvPicPr>
+            <a:picLocks noChangeAspect="1"/>
+          </p:cNvPicPr>
+          <p:nvPr/>
+        </p:nvPicPr>
+        <p:blipFill>
+          <a:blip r:embed="rId3"/>
+          <a:stretch>
+            <a:fillRect/>
+          </a:stretch>
+        </p:blipFill>
+        <p:spPr>
+          <a:xfrm>
+            <a:off x="1137146" y="3581400"/>
+            <a:ext cx="2470150" cy="3168650"/>
+          </a:xfrm>
+          <a:prstGeom prst="rect">
+            <a:avLst/>
+          </a:prstGeom>
+        </p:spPr>
+      </p:pic>
+      <p:pic>
+        <p:nvPicPr>
+          <p:cNvPr id="19" name="Picture 18">
+            <a:extLst>
+              <a:ext uri="{FF2B5EF4-FFF2-40B4-BE49-F238E27FC236}">
+                <a16:creationId xmlns:a16="http://schemas.microsoft.com/office/drawing/2014/main" id="{A16EADBE-5EA6-3848-BED8-ACFA8B039FAB}"/>
+              </a:ext>
+            </a:extLst>
+          </p:cNvPr>
+          <p:cNvPicPr>
+            <a:picLocks noChangeAspect="1"/>
+          </p:cNvPicPr>
+          <p:nvPr/>
+        </p:nvPicPr>
+        <p:blipFill>
+          <a:blip r:embed="rId4"/>
+          <a:stretch>
+            <a:fillRect/>
+          </a:stretch>
+        </p:blipFill>
+        <p:spPr>
+          <a:xfrm>
+            <a:off x="4350824" y="3581400"/>
+            <a:ext cx="2439409" cy="3168650"/>
+          </a:xfrm>
+          <a:prstGeom prst="rect">
+            <a:avLst/>
+          </a:prstGeom>
+        </p:spPr>
+      </p:pic>
+      <p:pic>
+        <p:nvPicPr>
+          <p:cNvPr id="25" name="Picture 24">
+            <a:extLst>
+              <a:ext uri="{FF2B5EF4-FFF2-40B4-BE49-F238E27FC236}">
+                <a16:creationId xmlns:a16="http://schemas.microsoft.com/office/drawing/2014/main" id="{D01FDFE8-B73E-1147-91FD-D9BC33DB1E76}"/>
+              </a:ext>
+            </a:extLst>
+          </p:cNvPr>
+          <p:cNvPicPr>
+            <a:picLocks noChangeAspect="1"/>
+          </p:cNvPicPr>
+          <p:nvPr/>
+        </p:nvPicPr>
+        <p:blipFill>
+          <a:blip r:embed="rId5"/>
+          <a:stretch>
+            <a:fillRect/>
+          </a:stretch>
+        </p:blipFill>
+        <p:spPr>
+          <a:xfrm>
+            <a:off x="6947450" y="3956648"/>
+            <a:ext cx="5468996" cy="2418154"/>
+          </a:xfrm>
+          <a:prstGeom prst="rect">
+            <a:avLst/>
+          </a:prstGeom>
+        </p:spPr>
+      </p:pic>
     </p:spTree>
     <p:extLst>
       <p:ext uri="{BB962C8B-B14F-4D97-AF65-F5344CB8AC3E}">
@@ -7025,6 +10900,743 @@
 </file>
 
 <file path=ppt/slides/slide5.xml><?xml version="1.0" encoding="utf-8"?>
+<p:sld xmlns:a="http://schemas.openxmlformats.org/drawingml/2006/main" xmlns:r="http://schemas.openxmlformats.org/officeDocument/2006/relationships" xmlns:p="http://schemas.openxmlformats.org/presentationml/2006/main">
+  <p:cSld>
+    <p:bg>
+      <p:bgPr>
+        <a:gradFill rotWithShape="1">
+          <a:gsLst>
+            <a:gs pos="0">
+              <a:schemeClr val="bg2">
+                <a:tint val="94000"/>
+                <a:satMod val="80000"/>
+                <a:lumMod val="106000"/>
+              </a:schemeClr>
+            </a:gs>
+            <a:gs pos="100000">
+              <a:schemeClr val="bg2">
+                <a:shade val="80000"/>
+              </a:schemeClr>
+            </a:gs>
+          </a:gsLst>
+          <a:path path="circle">
+            <a:fillToRect l="43000" r="43000" b="100000"/>
+          </a:path>
+        </a:gradFill>
+        <a:effectLst/>
+      </p:bgPr>
+    </p:bg>
+    <p:spTree>
+      <p:nvGrpSpPr>
+        <p:cNvPr id="1" name=""/>
+        <p:cNvGrpSpPr/>
+        <p:nvPr/>
+      </p:nvGrpSpPr>
+      <p:grpSpPr>
+        <a:xfrm>
+          <a:off x="0" y="0"/>
+          <a:ext cx="0" cy="0"/>
+          <a:chOff x="0" y="0"/>
+          <a:chExt cx="0" cy="0"/>
+        </a:xfrm>
+      </p:grpSpPr>
+      <p:sp useBgFill="1">
+        <p:nvSpPr>
+          <p:cNvPr id="16" name="Rectangle 15">
+            <a:extLst>
+              <a:ext uri="{FF2B5EF4-FFF2-40B4-BE49-F238E27FC236}">
+                <a16:creationId xmlns:a16="http://schemas.microsoft.com/office/drawing/2014/main" id="{58394E52-1609-430B-A7A5-BFF43EB9C92F}"/>
+              </a:ext>
+              <a:ext uri="{C183D7F6-B498-43B3-948B-1728B52AA6E4}">
+                <adec:decorative xmlns:adec="http://schemas.microsoft.com/office/drawing/2017/decorative" val="1"/>
+              </a:ext>
+            </a:extLst>
+          </p:cNvPr>
+          <p:cNvSpPr>
+            <a:spLocks noGrp="1" noRot="1" noChangeAspect="1" noMove="1" noResize="1" noEditPoints="1" noAdjustHandles="1" noChangeArrowheads="1" noChangeShapeType="1" noTextEdit="1"/>
+          </p:cNvSpPr>
+          <p:nvPr>
+            <p:extLst>
+              <p:ext uri="{386F3935-93C4-4BCD-93E2-E3B085C9AB24}">
+                <p16:designElem xmlns:p16="http://schemas.microsoft.com/office/powerpoint/2015/main" val="1"/>
+              </p:ext>
+            </p:extLst>
+          </p:nvPr>
+        </p:nvSpPr>
+        <p:spPr>
+          <a:xfrm>
+            <a:off x="2" y="0"/>
+            <a:ext cx="12191695" cy="6858000"/>
+          </a:xfrm>
+          <a:prstGeom prst="rect">
+            <a:avLst/>
+          </a:prstGeom>
+          <a:ln>
+            <a:noFill/>
+          </a:ln>
+        </p:spPr>
+        <p:style>
+          <a:lnRef idx="2">
+            <a:schemeClr val="accent1">
+              <a:shade val="50000"/>
+            </a:schemeClr>
+          </a:lnRef>
+          <a:fillRef idx="1">
+            <a:schemeClr val="accent1"/>
+          </a:fillRef>
+          <a:effectRef idx="0">
+            <a:schemeClr val="accent1"/>
+          </a:effectRef>
+          <a:fontRef idx="minor">
+            <a:schemeClr val="lt1"/>
+          </a:fontRef>
+        </p:style>
+        <p:txBody>
+          <a:bodyPr rtlCol="0" anchor="ctr"/>
+          <a:lstStyle/>
+          <a:p>
+            <a:pPr algn="ctr"/>
+            <a:endParaRPr lang="en-US"/>
+          </a:p>
+        </p:txBody>
+      </p:sp>
+      <p:cxnSp>
+        <p:nvCxnSpPr>
+          <p:cNvPr id="18" name="Straight Connector 17">
+            <a:extLst>
+              <a:ext uri="{FF2B5EF4-FFF2-40B4-BE49-F238E27FC236}">
+                <a16:creationId xmlns:a16="http://schemas.microsoft.com/office/drawing/2014/main" id="{8DC4616F-FBF8-4855-A506-67D86C06BBA8}"/>
+              </a:ext>
+              <a:ext uri="{C183D7F6-B498-43B3-948B-1728B52AA6E4}">
+                <adec:decorative xmlns:adec="http://schemas.microsoft.com/office/drawing/2017/decorative" val="1"/>
+              </a:ext>
+            </a:extLst>
+          </p:cNvPr>
+          <p:cNvCxnSpPr>
+            <a:cxnSpLocks noGrp="1" noRot="1" noChangeAspect="1" noMove="1" noResize="1" noEditPoints="1" noAdjustHandles="1" noChangeArrowheads="1" noChangeShapeType="1"/>
+          </p:cNvCxnSpPr>
+          <p:nvPr>
+            <p:extLst>
+              <p:ext uri="{386F3935-93C4-4BCD-93E2-E3B085C9AB24}">
+                <p16:designElem xmlns:p16="http://schemas.microsoft.com/office/powerpoint/2015/main" val="1"/>
+              </p:ext>
+            </p:extLst>
+          </p:nvPr>
+        </p:nvCxnSpPr>
+        <p:spPr>
+          <a:xfrm>
+            <a:off x="1453896" y="1847088"/>
+            <a:ext cx="3530885" cy="0"/>
+          </a:xfrm>
+          <a:prstGeom prst="line">
+            <a:avLst/>
+          </a:prstGeom>
+          <a:ln w="31750"/>
+        </p:spPr>
+        <p:style>
+          <a:lnRef idx="3">
+            <a:schemeClr val="accent1"/>
+          </a:lnRef>
+          <a:fillRef idx="0">
+            <a:schemeClr val="accent1"/>
+          </a:fillRef>
+          <a:effectRef idx="2">
+            <a:schemeClr val="accent1"/>
+          </a:effectRef>
+          <a:fontRef idx="minor">
+            <a:schemeClr val="tx1"/>
+          </a:fontRef>
+        </p:style>
+      </p:cxnSp>
+      <p:sp>
+        <p:nvSpPr>
+          <p:cNvPr id="2" name="Title 1">
+            <a:extLst>
+              <a:ext uri="{FF2B5EF4-FFF2-40B4-BE49-F238E27FC236}">
+                <a16:creationId xmlns:a16="http://schemas.microsoft.com/office/drawing/2014/main" id="{929FEAF4-1998-F04E-806F-9499B18ED339}"/>
+              </a:ext>
+            </a:extLst>
+          </p:cNvPr>
+          <p:cNvSpPr>
+            <a:spLocks noGrp="1"/>
+          </p:cNvSpPr>
+          <p:nvPr>
+            <p:ph type="title"/>
+          </p:nvPr>
+        </p:nvSpPr>
+        <p:spPr>
+          <a:xfrm>
+            <a:off x="1451580" y="804520"/>
+            <a:ext cx="3530157" cy="1049235"/>
+          </a:xfrm>
+        </p:spPr>
+        <p:txBody>
+          <a:bodyPr>
+            <a:normAutofit/>
+          </a:bodyPr>
+          <a:lstStyle/>
+          <a:p>
+            <a:r>
+              <a:rPr lang="en-US" dirty="0">
+                <a:latin typeface="Copperplate" panose="02000504000000020004" pitchFamily="2" charset="77"/>
+              </a:rPr>
+              <a:t>Economics</a:t>
+            </a:r>
+          </a:p>
+        </p:txBody>
+      </p:sp>
+      <p:sp>
+        <p:nvSpPr>
+          <p:cNvPr id="20" name="Rectangle 19">
+            <a:extLst>
+              <a:ext uri="{FF2B5EF4-FFF2-40B4-BE49-F238E27FC236}">
+                <a16:creationId xmlns:a16="http://schemas.microsoft.com/office/drawing/2014/main" id="{D3697D93-D148-4A98-A3A4-98AA7C2B626C}"/>
+              </a:ext>
+              <a:ext uri="{C183D7F6-B498-43B3-948B-1728B52AA6E4}">
+                <adec:decorative xmlns:adec="http://schemas.microsoft.com/office/drawing/2017/decorative" val="1"/>
+              </a:ext>
+            </a:extLst>
+          </p:cNvPr>
+          <p:cNvSpPr>
+            <a:spLocks noGrp="1" noRot="1" noChangeAspect="1" noMove="1" noResize="1" noEditPoints="1" noAdjustHandles="1" noChangeArrowheads="1" noChangeShapeType="1" noTextEdit="1"/>
+          </p:cNvSpPr>
+          <p:nvPr>
+            <p:extLst>
+              <p:ext uri="{386F3935-93C4-4BCD-93E2-E3B085C9AB24}">
+                <p16:designElem xmlns:p16="http://schemas.microsoft.com/office/powerpoint/2015/main" val="1"/>
+              </p:ext>
+            </p:extLst>
+          </p:nvPr>
+        </p:nvSpPr>
+        <p:spPr>
+          <a:xfrm>
+            <a:off x="0" y="2019476"/>
+            <a:ext cx="12192000" cy="4105941"/>
+          </a:xfrm>
+          <a:prstGeom prst="rect">
+            <a:avLst/>
+          </a:prstGeom>
+          <a:gradFill flip="none" rotWithShape="1">
+            <a:gsLst>
+              <a:gs pos="0">
+                <a:schemeClr val="bg2">
+                  <a:alpha val="0"/>
+                </a:schemeClr>
+              </a:gs>
+              <a:gs pos="100000">
+                <a:schemeClr val="bg2"/>
+              </a:gs>
+            </a:gsLst>
+            <a:lin ang="5400000" scaled="0"/>
+            <a:tileRect/>
+          </a:gradFill>
+          <a:ln>
+            <a:noFill/>
+          </a:ln>
+        </p:spPr>
+        <p:style>
+          <a:lnRef idx="2">
+            <a:schemeClr val="accent1">
+              <a:shade val="50000"/>
+            </a:schemeClr>
+          </a:lnRef>
+          <a:fillRef idx="1">
+            <a:schemeClr val="accent1"/>
+          </a:fillRef>
+          <a:effectRef idx="0">
+            <a:schemeClr val="accent1"/>
+          </a:effectRef>
+          <a:fontRef idx="minor">
+            <a:schemeClr val="lt1"/>
+          </a:fontRef>
+        </p:style>
+        <p:txBody>
+          <a:bodyPr rtlCol="0" anchor="ctr"/>
+          <a:lstStyle/>
+          <a:p>
+            <a:pPr lvl="0" algn="ctr"/>
+            <a:endParaRPr lang="en-US"/>
+          </a:p>
+        </p:txBody>
+      </p:sp>
+      <p:sp>
+        <p:nvSpPr>
+          <p:cNvPr id="3" name="Content Placeholder 2">
+            <a:extLst>
+              <a:ext uri="{FF2B5EF4-FFF2-40B4-BE49-F238E27FC236}">
+                <a16:creationId xmlns:a16="http://schemas.microsoft.com/office/drawing/2014/main" id="{518FC588-DF25-2B43-9B8F-DC25CED00B6D}"/>
+              </a:ext>
+            </a:extLst>
+          </p:cNvPr>
+          <p:cNvSpPr>
+            <a:spLocks noGrp="1"/>
+          </p:cNvSpPr>
+          <p:nvPr>
+            <p:ph idx="1"/>
+          </p:nvPr>
+        </p:nvSpPr>
+        <p:spPr>
+          <a:xfrm>
+            <a:off x="1451581" y="2015732"/>
+            <a:ext cx="3526523" cy="3450613"/>
+          </a:xfrm>
+        </p:spPr>
+        <p:txBody>
+          <a:bodyPr>
+            <a:normAutofit/>
+          </a:bodyPr>
+          <a:lstStyle/>
+          <a:p>
+            <a:r>
+              <a:rPr lang="en-US" dirty="0"/>
+              <a:t>Social inclusion and open access</a:t>
+            </a:r>
+          </a:p>
+          <a:p>
+            <a:r>
+              <a:rPr lang="en-US" dirty="0"/>
+              <a:t>Poverty reduction</a:t>
+            </a:r>
+          </a:p>
+          <a:p>
+            <a:r>
+              <a:rPr lang="en-US" dirty="0"/>
+              <a:t>Public health</a:t>
+            </a:r>
+          </a:p>
+          <a:p>
+            <a:r>
+              <a:rPr lang="en-US" dirty="0"/>
+              <a:t>Automation and the future of work</a:t>
+            </a:r>
+          </a:p>
+        </p:txBody>
+      </p:sp>
+      <p:grpSp>
+        <p:nvGrpSpPr>
+          <p:cNvPr id="22" name="Group 21">
+            <a:extLst>
+              <a:ext uri="{FF2B5EF4-FFF2-40B4-BE49-F238E27FC236}">
+                <a16:creationId xmlns:a16="http://schemas.microsoft.com/office/drawing/2014/main" id="{3F354BC6-2994-4F4D-AF23-2386109F2027}"/>
+              </a:ext>
+              <a:ext uri="{C183D7F6-B498-43B3-948B-1728B52AA6E4}">
+                <adec:decorative xmlns:adec="http://schemas.microsoft.com/office/drawing/2017/decorative" val="1"/>
+              </a:ext>
+            </a:extLst>
+          </p:cNvPr>
+          <p:cNvGrpSpPr>
+            <a:grpSpLocks noGrp="1" noUngrp="1" noRot="1" noChangeAspect="1" noMove="1" noResize="1"/>
+          </p:cNvGrpSpPr>
+          <p:nvPr>
+            <p:extLst>
+              <p:ext uri="{386F3935-93C4-4BCD-93E2-E3B085C9AB24}">
+                <p16:designElem xmlns:p16="http://schemas.microsoft.com/office/powerpoint/2015/main" val="1"/>
+              </p:ext>
+            </p:extLst>
+          </p:nvPr>
+        </p:nvGrpSpPr>
+        <p:grpSpPr>
+          <a:xfrm>
+            <a:off x="5460131" y="482171"/>
+            <a:ext cx="6091791" cy="5149101"/>
+            <a:chOff x="5446003" y="583365"/>
+            <a:chExt cx="6091790" cy="5181928"/>
+          </a:xfrm>
+        </p:grpSpPr>
+        <p:sp>
+          <p:nvSpPr>
+            <p:cNvPr id="23" name="Rectangle 22">
+              <a:extLst>
+                <a:ext uri="{FF2B5EF4-FFF2-40B4-BE49-F238E27FC236}">
+                  <a16:creationId xmlns:a16="http://schemas.microsoft.com/office/drawing/2014/main" id="{948D8A8A-377B-4E5C-BEFB-15AD256EB8A3}"/>
+                </a:ext>
+                <a:ext uri="{C183D7F6-B498-43B3-948B-1728B52AA6E4}">
+                  <adec:decorative xmlns:adec="http://schemas.microsoft.com/office/drawing/2017/decorative" val="1"/>
+                </a:ext>
+              </a:extLst>
+            </p:cNvPr>
+            <p:cNvSpPr/>
+            <p:nvPr>
+              <p:extLst>
+                <p:ext uri="{386F3935-93C4-4BCD-93E2-E3B085C9AB24}">
+                  <p16:designElem xmlns:p16="http://schemas.microsoft.com/office/powerpoint/2015/main" val="1"/>
+                </p:ext>
+              </p:extLst>
+            </p:nvPr>
+          </p:nvSpPr>
+          <p:spPr>
+            <a:xfrm>
+              <a:off x="5446003" y="583365"/>
+              <a:ext cx="6091790" cy="5181928"/>
+            </a:xfrm>
+            <a:prstGeom prst="rect">
+              <a:avLst/>
+            </a:prstGeom>
+            <a:gradFill>
+              <a:gsLst>
+                <a:gs pos="0">
+                  <a:srgbClr val="000001"/>
+                </a:gs>
+                <a:gs pos="100000">
+                  <a:srgbClr val="191919"/>
+                </a:gs>
+              </a:gsLst>
+            </a:gradFill>
+            <a:ln w="76200" cmpd="sng">
+              <a:noFill/>
+              <a:miter lim="800000"/>
+            </a:ln>
+            <a:effectLst>
+              <a:outerShdw blurRad="127000" dist="228600" dir="4740000" sx="98000" sy="98000" algn="tl" rotWithShape="0">
+                <a:srgbClr val="000000">
+                  <a:alpha val="34000"/>
+                </a:srgbClr>
+              </a:outerShdw>
+            </a:effectLst>
+            <a:scene3d>
+              <a:camera prst="orthographicFront"/>
+              <a:lightRig rig="threePt" dir="t"/>
+            </a:scene3d>
+            <a:sp3d>
+              <a:bevelT w="152400" h="50800" prst="softRound"/>
+            </a:sp3d>
+          </p:spPr>
+          <p:style>
+            <a:lnRef idx="1">
+              <a:schemeClr val="accent1"/>
+            </a:lnRef>
+            <a:fillRef idx="3">
+              <a:schemeClr val="accent1"/>
+            </a:fillRef>
+            <a:effectRef idx="2">
+              <a:schemeClr val="accent1"/>
+            </a:effectRef>
+            <a:fontRef idx="minor">
+              <a:schemeClr val="lt1"/>
+            </a:fontRef>
+          </p:style>
+          <p:txBody>
+            <a:bodyPr rtlCol="0" anchor="ctr"/>
+            <a:lstStyle/>
+            <a:p>
+              <a:pPr algn="ctr"/>
+              <a:endParaRPr lang="en-US"/>
+            </a:p>
+          </p:txBody>
+        </p:sp>
+        <p:sp>
+          <p:nvSpPr>
+            <p:cNvPr id="24" name="Rectangle 23">
+              <a:extLst>
+                <a:ext uri="{FF2B5EF4-FFF2-40B4-BE49-F238E27FC236}">
+                  <a16:creationId xmlns:a16="http://schemas.microsoft.com/office/drawing/2014/main" id="{C589EFFC-BCBD-45AD-9D67-24B6C7C56E8E}"/>
+                </a:ext>
+                <a:ext uri="{C183D7F6-B498-43B3-948B-1728B52AA6E4}">
+                  <adec:decorative xmlns:adec="http://schemas.microsoft.com/office/drawing/2017/decorative" val="1"/>
+                </a:ext>
+              </a:extLst>
+            </p:cNvPr>
+            <p:cNvSpPr/>
+            <p:nvPr>
+              <p:extLst>
+                <p:ext uri="{386F3935-93C4-4BCD-93E2-E3B085C9AB24}">
+                  <p16:designElem xmlns:p16="http://schemas.microsoft.com/office/powerpoint/2015/main" val="1"/>
+                </p:ext>
+              </p:extLst>
+            </p:nvPr>
+          </p:nvSpPr>
+          <p:spPr>
+            <a:xfrm>
+              <a:off x="5764828" y="915807"/>
+              <a:ext cx="5461779" cy="4494927"/>
+            </a:xfrm>
+            <a:prstGeom prst="rect">
+              <a:avLst/>
+            </a:prstGeom>
+            <a:gradFill>
+              <a:gsLst>
+                <a:gs pos="0">
+                  <a:srgbClr val="DADADA"/>
+                </a:gs>
+                <a:gs pos="100000">
+                  <a:srgbClr val="FFFFFE"/>
+                </a:gs>
+              </a:gsLst>
+              <a:lin ang="16200000" scaled="0"/>
+            </a:gradFill>
+            <a:ln w="50800" cmpd="sng">
+              <a:solidFill>
+                <a:srgbClr val="191919"/>
+              </a:solidFill>
+              <a:miter lim="800000"/>
+            </a:ln>
+            <a:effectLst>
+              <a:innerShdw blurRad="63500" dist="88900" dir="14100000">
+                <a:srgbClr val="000000">
+                  <a:alpha val="30000"/>
+                </a:srgbClr>
+              </a:innerShdw>
+            </a:effectLst>
+            <a:scene3d>
+              <a:camera prst="orthographicFront"/>
+              <a:lightRig rig="threePt" dir="t"/>
+            </a:scene3d>
+            <a:sp3d>
+              <a:bevelT prst="relaxedInset"/>
+            </a:sp3d>
+          </p:spPr>
+          <p:style>
+            <a:lnRef idx="1">
+              <a:schemeClr val="accent1"/>
+            </a:lnRef>
+            <a:fillRef idx="3">
+              <a:schemeClr val="accent1"/>
+            </a:fillRef>
+            <a:effectRef idx="2">
+              <a:schemeClr val="accent1"/>
+            </a:effectRef>
+            <a:fontRef idx="minor">
+              <a:schemeClr val="lt1"/>
+            </a:fontRef>
+          </p:style>
+          <p:txBody>
+            <a:bodyPr rtlCol="0" anchor="ctr"/>
+            <a:lstStyle/>
+            <a:p>
+              <a:pPr algn="ctr"/>
+              <a:endParaRPr lang="en-US"/>
+            </a:p>
+          </p:txBody>
+        </p:sp>
+      </p:grpSp>
+      <p:pic>
+        <p:nvPicPr>
+          <p:cNvPr id="5" name="Picture 4">
+            <a:extLst>
+              <a:ext uri="{FF2B5EF4-FFF2-40B4-BE49-F238E27FC236}">
+                <a16:creationId xmlns:a16="http://schemas.microsoft.com/office/drawing/2014/main" id="{AC4306EC-04DC-1F44-8922-2973B52B2125}"/>
+              </a:ext>
+            </a:extLst>
+          </p:cNvPr>
+          <p:cNvPicPr>
+            <a:picLocks noChangeAspect="1"/>
+          </p:cNvPicPr>
+          <p:nvPr/>
+        </p:nvPicPr>
+        <p:blipFill rotWithShape="1">
+          <a:blip r:embed="rId2"/>
+          <a:srcRect l="2465" r="14475" b="6"/>
+          <a:stretch/>
+        </p:blipFill>
+        <p:spPr>
+          <a:xfrm>
+            <a:off x="6094411" y="1116346"/>
+            <a:ext cx="2328669" cy="1850258"/>
+          </a:xfrm>
+          <a:prstGeom prst="rect">
+            <a:avLst/>
+          </a:prstGeom>
+        </p:spPr>
+      </p:pic>
+      <p:pic>
+        <p:nvPicPr>
+          <p:cNvPr id="7" name="Picture 6">
+            <a:extLst>
+              <a:ext uri="{FF2B5EF4-FFF2-40B4-BE49-F238E27FC236}">
+                <a16:creationId xmlns:a16="http://schemas.microsoft.com/office/drawing/2014/main" id="{A11CDA3F-3F23-BD44-BAFA-0BD9E09BF5CB}"/>
+              </a:ext>
+            </a:extLst>
+          </p:cNvPr>
+          <p:cNvPicPr>
+            <a:picLocks noChangeAspect="1"/>
+          </p:cNvPicPr>
+          <p:nvPr/>
+        </p:nvPicPr>
+        <p:blipFill rotWithShape="1">
+          <a:blip r:embed="rId3"/>
+          <a:srcRect l="565" r="16635" b="5"/>
+          <a:stretch/>
+        </p:blipFill>
+        <p:spPr>
+          <a:xfrm>
+            <a:off x="8586806" y="1124571"/>
+            <a:ext cx="2328670" cy="1842033"/>
+          </a:xfrm>
+          <a:prstGeom prst="rect">
+            <a:avLst/>
+          </a:prstGeom>
+        </p:spPr>
+      </p:pic>
+      <p:pic>
+        <p:nvPicPr>
+          <p:cNvPr id="11" name="Picture 10">
+            <a:extLst>
+              <a:ext uri="{FF2B5EF4-FFF2-40B4-BE49-F238E27FC236}">
+                <a16:creationId xmlns:a16="http://schemas.microsoft.com/office/drawing/2014/main" id="{59B30038-5D89-D74E-8E95-1B6A2091991C}"/>
+              </a:ext>
+            </a:extLst>
+          </p:cNvPr>
+          <p:cNvPicPr>
+            <a:picLocks noChangeAspect="1"/>
+          </p:cNvPicPr>
+          <p:nvPr/>
+        </p:nvPicPr>
+        <p:blipFill rotWithShape="1">
+          <a:blip r:embed="rId4"/>
+          <a:srcRect l="12128" r="7" b="7"/>
+          <a:stretch/>
+        </p:blipFill>
+        <p:spPr>
+          <a:xfrm>
+            <a:off x="6090777" y="3131195"/>
+            <a:ext cx="2332303" cy="1851321"/>
+          </a:xfrm>
+          <a:prstGeom prst="rect">
+            <a:avLst/>
+          </a:prstGeom>
+        </p:spPr>
+      </p:pic>
+      <p:pic>
+        <p:nvPicPr>
+          <p:cNvPr id="9" name="Picture 8">
+            <a:extLst>
+              <a:ext uri="{FF2B5EF4-FFF2-40B4-BE49-F238E27FC236}">
+                <a16:creationId xmlns:a16="http://schemas.microsoft.com/office/drawing/2014/main" id="{03C95D44-14A7-C244-AEF7-8392C7848500}"/>
+              </a:ext>
+            </a:extLst>
+          </p:cNvPr>
+          <p:cNvPicPr>
+            <a:picLocks noChangeAspect="1"/>
+          </p:cNvPicPr>
+          <p:nvPr/>
+        </p:nvPicPr>
+        <p:blipFill rotWithShape="1">
+          <a:blip r:embed="rId5"/>
+          <a:srcRect l="15908" r="3" b="3"/>
+          <a:stretch/>
+        </p:blipFill>
+        <p:spPr>
+          <a:xfrm>
+            <a:off x="8583174" y="3131196"/>
+            <a:ext cx="2332303" cy="1851321"/>
+          </a:xfrm>
+          <a:prstGeom prst="rect">
+            <a:avLst/>
+          </a:prstGeom>
+        </p:spPr>
+      </p:pic>
+      <p:pic>
+        <p:nvPicPr>
+          <p:cNvPr id="26" name="Picture 25">
+            <a:extLst>
+              <a:ext uri="{FF2B5EF4-FFF2-40B4-BE49-F238E27FC236}">
+                <a16:creationId xmlns:a16="http://schemas.microsoft.com/office/drawing/2014/main" id="{F190D68A-CD84-4965-890D-4829B6C1EDCC}"/>
+              </a:ext>
+              <a:ext uri="{C183D7F6-B498-43B3-948B-1728B52AA6E4}">
+                <adec:decorative xmlns:adec="http://schemas.microsoft.com/office/drawing/2017/decorative" val="1"/>
+              </a:ext>
+            </a:extLst>
+          </p:cNvPr>
+          <p:cNvPicPr>
+            <a:picLocks noGrp="1" noRot="1" noChangeAspect="1" noMove="1" noResize="1" noEditPoints="1" noAdjustHandles="1" noChangeArrowheads="1" noChangeShapeType="1" noCrop="1"/>
+          </p:cNvPicPr>
+          <p:nvPr>
+            <p:extLst>
+              <p:ext uri="{386F3935-93C4-4BCD-93E2-E3B085C9AB24}">
+                <p16:designElem xmlns:p16="http://schemas.microsoft.com/office/powerpoint/2015/main" val="1"/>
+              </p:ext>
+            </p:extLst>
+          </p:nvPr>
+        </p:nvPicPr>
+        <p:blipFill rotWithShape="1">
+          <a:blip r:embed="rId6">
+            <a:extLst>
+              <a:ext uri="{28A0092B-C50C-407E-A947-70E740481C1C}">
+                <a14:useLocalDpi xmlns:a14="http://schemas.microsoft.com/office/drawing/2010/main" val="0"/>
+              </a:ext>
+            </a:extLst>
+          </a:blip>
+          <a:srcRect t="1538" b="-1538"/>
+          <a:stretch/>
+        </p:blipFill>
+        <p:spPr bwMode="black">
+          <a:xfrm>
+            <a:off x="0" y="6126480"/>
+            <a:ext cx="12192000" cy="742950"/>
+          </a:xfrm>
+          <a:prstGeom prst="rect">
+            <a:avLst/>
+          </a:prstGeom>
+        </p:spPr>
+      </p:pic>
+      <p:cxnSp>
+        <p:nvCxnSpPr>
+          <p:cNvPr id="28" name="Straight Connector 27">
+            <a:extLst>
+              <a:ext uri="{FF2B5EF4-FFF2-40B4-BE49-F238E27FC236}">
+                <a16:creationId xmlns:a16="http://schemas.microsoft.com/office/drawing/2014/main" id="{7588CF8F-1D58-4649-9E47-A418EB852DC1}"/>
+              </a:ext>
+              <a:ext uri="{C183D7F6-B498-43B3-948B-1728B52AA6E4}">
+                <adec:decorative xmlns:adec="http://schemas.microsoft.com/office/drawing/2017/decorative" val="1"/>
+              </a:ext>
+            </a:extLst>
+          </p:cNvPr>
+          <p:cNvCxnSpPr>
+            <a:cxnSpLocks noGrp="1" noRot="1" noChangeAspect="1" noMove="1" noResize="1" noEditPoints="1" noAdjustHandles="1" noChangeArrowheads="1" noChangeShapeType="1"/>
+          </p:cNvCxnSpPr>
+          <p:nvPr>
+            <p:extLst>
+              <p:ext uri="{386F3935-93C4-4BCD-93E2-E3B085C9AB24}">
+                <p16:designElem xmlns:p16="http://schemas.microsoft.com/office/powerpoint/2015/main" val="1"/>
+              </p:ext>
+            </p:extLst>
+          </p:nvPr>
+        </p:nvCxnSpPr>
+        <p:spPr>
+          <a:xfrm>
+            <a:off x="0" y="6128413"/>
+            <a:ext cx="12192000" cy="0"/>
+          </a:xfrm>
+          <a:prstGeom prst="line">
+            <a:avLst/>
+          </a:prstGeom>
+          <a:ln w="12700">
+            <a:solidFill>
+              <a:srgbClr val="000001">
+                <a:alpha val="20000"/>
+              </a:srgbClr>
+            </a:solidFill>
+          </a:ln>
+        </p:spPr>
+        <p:style>
+          <a:lnRef idx="1">
+            <a:schemeClr val="accent1"/>
+          </a:lnRef>
+          <a:fillRef idx="0">
+            <a:schemeClr val="accent1"/>
+          </a:fillRef>
+          <a:effectRef idx="0">
+            <a:schemeClr val="accent1"/>
+          </a:effectRef>
+          <a:fontRef idx="minor">
+            <a:schemeClr val="tx1"/>
+          </a:fontRef>
+        </p:style>
+      </p:cxnSp>
+    </p:spTree>
+    <p:extLst>
+      <p:ext uri="{BB962C8B-B14F-4D97-AF65-F5344CB8AC3E}">
+        <p14:creationId xmlns:p14="http://schemas.microsoft.com/office/powerpoint/2010/main" val="463452882"/>
+      </p:ext>
+    </p:extLst>
+  </p:cSld>
+  <p:clrMapOvr>
+    <a:masterClrMapping/>
+  </p:clrMapOvr>
+</p:sld>
+</file>
+
+<file path=ppt/slides/slide6.xml><?xml version="1.0" encoding="utf-8"?>
 <p:sld xmlns:a="http://schemas.openxmlformats.org/drawingml/2006/main" xmlns:r="http://schemas.openxmlformats.org/officeDocument/2006/relationships" xmlns:p="http://schemas.openxmlformats.org/presentationml/2006/main">
   <p:cSld>
     <p:spTree>
@@ -7063,7 +11675,9 @@
           <a:lstStyle/>
           <a:p>
             <a:r>
-              <a:rPr lang="en-US" dirty="0"/>
+              <a:rPr lang="en-US" dirty="0">
+                <a:latin typeface="Copperplate" panose="02000504000000020004" pitchFamily="2" charset="77"/>
+              </a:rPr>
               <a:t>technology</a:t>
             </a:r>
           </a:p>
@@ -7104,11 +11718,500 @@
           <a:p>
             <a:r>
               <a:rPr lang="en-US" dirty="0"/>
-              <a:t>Social inclusion and </a:t>
+              <a:t>Automation and the future of food</a:t>
             </a:r>
+          </a:p>
+          <a:p>
             <a:r>
-              <a:rPr lang="en-US"/>
-              <a:t>open access</a:t>
+              <a:rPr lang="en-US" dirty="0"/>
+              <a:t>Social inclusion and open access</a:t>
+            </a:r>
+          </a:p>
+          <a:p>
+            <a:r>
+              <a:rPr lang="en-US" dirty="0"/>
+              <a:t>Public health</a:t>
+            </a:r>
+          </a:p>
+        </p:txBody>
+      </p:sp>
+      <p:pic>
+        <p:nvPicPr>
+          <p:cNvPr id="5" name="Picture 4">
+            <a:extLst>
+              <a:ext uri="{FF2B5EF4-FFF2-40B4-BE49-F238E27FC236}">
+                <a16:creationId xmlns:a16="http://schemas.microsoft.com/office/drawing/2014/main" id="{E316EECB-8BB9-1E40-8E44-BDDE41E0F119}"/>
+              </a:ext>
+            </a:extLst>
+          </p:cNvPr>
+          <p:cNvPicPr>
+            <a:picLocks noChangeAspect="1"/>
+          </p:cNvPicPr>
+          <p:nvPr/>
+        </p:nvPicPr>
+        <p:blipFill>
+          <a:blip r:embed="rId2"/>
+          <a:stretch>
+            <a:fillRect/>
+          </a:stretch>
+        </p:blipFill>
+        <p:spPr>
+          <a:xfrm>
+            <a:off x="6468501" y="1988529"/>
+            <a:ext cx="3596632" cy="2219990"/>
+          </a:xfrm>
+          <a:prstGeom prst="rect">
+            <a:avLst/>
+          </a:prstGeom>
+        </p:spPr>
+      </p:pic>
+      <p:pic>
+        <p:nvPicPr>
+          <p:cNvPr id="9" name="Picture 8">
+            <a:extLst>
+              <a:ext uri="{FF2B5EF4-FFF2-40B4-BE49-F238E27FC236}">
+                <a16:creationId xmlns:a16="http://schemas.microsoft.com/office/drawing/2014/main" id="{0ECD1388-59EE-EB42-8B10-784D41AB8406}"/>
+              </a:ext>
+            </a:extLst>
+          </p:cNvPr>
+          <p:cNvPicPr>
+            <a:picLocks noChangeAspect="1"/>
+          </p:cNvPicPr>
+          <p:nvPr/>
+        </p:nvPicPr>
+        <p:blipFill>
+          <a:blip r:embed="rId3"/>
+          <a:stretch>
+            <a:fillRect/>
+          </a:stretch>
+        </p:blipFill>
+        <p:spPr>
+          <a:xfrm>
+            <a:off x="2590800" y="4427990"/>
+            <a:ext cx="3877700" cy="2258441"/>
+          </a:xfrm>
+          <a:prstGeom prst="rect">
+            <a:avLst/>
+          </a:prstGeom>
+        </p:spPr>
+      </p:pic>
+      <p:pic>
+        <p:nvPicPr>
+          <p:cNvPr id="11" name="Picture 10">
+            <a:extLst>
+              <a:ext uri="{FF2B5EF4-FFF2-40B4-BE49-F238E27FC236}">
+                <a16:creationId xmlns:a16="http://schemas.microsoft.com/office/drawing/2014/main" id="{71513ABC-21FC-F448-ADF5-8EA9F1E2D0C1}"/>
+              </a:ext>
+            </a:extLst>
+          </p:cNvPr>
+          <p:cNvPicPr>
+            <a:picLocks noChangeAspect="1"/>
+          </p:cNvPicPr>
+          <p:nvPr/>
+        </p:nvPicPr>
+        <p:blipFill>
+          <a:blip r:embed="rId4"/>
+          <a:stretch>
+            <a:fillRect/>
+          </a:stretch>
+        </p:blipFill>
+        <p:spPr>
+          <a:xfrm>
+            <a:off x="9011904" y="2015732"/>
+            <a:ext cx="680728" cy="680728"/>
+          </a:xfrm>
+          <a:prstGeom prst="rect">
+            <a:avLst/>
+          </a:prstGeom>
+        </p:spPr>
+      </p:pic>
+      <p:pic>
+        <p:nvPicPr>
+          <p:cNvPr id="7" name="Picture 6">
+            <a:extLst>
+              <a:ext uri="{FF2B5EF4-FFF2-40B4-BE49-F238E27FC236}">
+                <a16:creationId xmlns:a16="http://schemas.microsoft.com/office/drawing/2014/main" id="{DE607BF9-9FD0-C34E-B1F6-AE4816991EA7}"/>
+              </a:ext>
+            </a:extLst>
+          </p:cNvPr>
+          <p:cNvPicPr>
+            <a:picLocks noChangeAspect="1"/>
+          </p:cNvPicPr>
+          <p:nvPr/>
+        </p:nvPicPr>
+        <p:blipFill>
+          <a:blip r:embed="rId5"/>
+          <a:stretch>
+            <a:fillRect/>
+          </a:stretch>
+        </p:blipFill>
+        <p:spPr>
+          <a:xfrm>
+            <a:off x="6468501" y="4181316"/>
+            <a:ext cx="3596631" cy="2505115"/>
+          </a:xfrm>
+          <a:prstGeom prst="rect">
+            <a:avLst/>
+          </a:prstGeom>
+        </p:spPr>
+      </p:pic>
+      <p:pic>
+        <p:nvPicPr>
+          <p:cNvPr id="15" name="Picture 14">
+            <a:extLst>
+              <a:ext uri="{FF2B5EF4-FFF2-40B4-BE49-F238E27FC236}">
+                <a16:creationId xmlns:a16="http://schemas.microsoft.com/office/drawing/2014/main" id="{E9601372-E1ED-AA40-90D5-F774CB728140}"/>
+              </a:ext>
+            </a:extLst>
+          </p:cNvPr>
+          <p:cNvPicPr>
+            <a:picLocks noChangeAspect="1"/>
+          </p:cNvPicPr>
+          <p:nvPr/>
+        </p:nvPicPr>
+        <p:blipFill>
+          <a:blip r:embed="rId6"/>
+          <a:stretch>
+            <a:fillRect/>
+          </a:stretch>
+        </p:blipFill>
+        <p:spPr>
+          <a:xfrm>
+            <a:off x="-77062" y="5466345"/>
+            <a:ext cx="1428750" cy="1428750"/>
+          </a:xfrm>
+          <a:prstGeom prst="rect">
+            <a:avLst/>
+          </a:prstGeom>
+        </p:spPr>
+      </p:pic>
+      <p:pic>
+        <p:nvPicPr>
+          <p:cNvPr id="13" name="Picture 12">
+            <a:extLst>
+              <a:ext uri="{FF2B5EF4-FFF2-40B4-BE49-F238E27FC236}">
+                <a16:creationId xmlns:a16="http://schemas.microsoft.com/office/drawing/2014/main" id="{DB92A305-3C70-A741-A586-10BACD407B9D}"/>
+              </a:ext>
+            </a:extLst>
+          </p:cNvPr>
+          <p:cNvPicPr>
+            <a:picLocks noChangeAspect="1"/>
+          </p:cNvPicPr>
+          <p:nvPr/>
+        </p:nvPicPr>
+        <p:blipFill>
+          <a:blip r:embed="rId7"/>
+          <a:stretch>
+            <a:fillRect/>
+          </a:stretch>
+        </p:blipFill>
+        <p:spPr>
+          <a:xfrm>
+            <a:off x="1030071" y="4427990"/>
+            <a:ext cx="1560728" cy="1395972"/>
+          </a:xfrm>
+          <a:prstGeom prst="rect">
+            <a:avLst/>
+          </a:prstGeom>
+        </p:spPr>
+      </p:pic>
+    </p:spTree>
+    <p:extLst>
+      <p:ext uri="{BB962C8B-B14F-4D97-AF65-F5344CB8AC3E}">
+        <p14:creationId xmlns:p14="http://schemas.microsoft.com/office/powerpoint/2010/main" val="3638206512"/>
+      </p:ext>
+    </p:extLst>
+  </p:cSld>
+  <p:clrMapOvr>
+    <a:masterClrMapping/>
+  </p:clrMapOvr>
+</p:sld>
+</file>
+
+<file path=ppt/slides/slide7.xml><?xml version="1.0" encoding="utf-8"?>
+<p:sld xmlns:a="http://schemas.openxmlformats.org/drawingml/2006/main" xmlns:r="http://schemas.openxmlformats.org/officeDocument/2006/relationships" xmlns:p="http://schemas.openxmlformats.org/presentationml/2006/main">
+  <p:cSld>
+    <p:spTree>
+      <p:nvGrpSpPr>
+        <p:cNvPr id="1" name=""/>
+        <p:cNvGrpSpPr/>
+        <p:nvPr/>
+      </p:nvGrpSpPr>
+      <p:grpSpPr>
+        <a:xfrm>
+          <a:off x="0" y="0"/>
+          <a:ext cx="0" cy="0"/>
+          <a:chOff x="0" y="0"/>
+          <a:chExt cx="0" cy="0"/>
+        </a:xfrm>
+      </p:grpSpPr>
+      <p:graphicFrame>
+        <p:nvGraphicFramePr>
+          <p:cNvPr id="4" name="Content Placeholder 3">
+            <a:extLst>
+              <a:ext uri="{FF2B5EF4-FFF2-40B4-BE49-F238E27FC236}">
+                <a16:creationId xmlns:a16="http://schemas.microsoft.com/office/drawing/2014/main" id="{AFE5B78C-3628-6043-8F9C-4C0B7391DB33}"/>
+              </a:ext>
+            </a:extLst>
+          </p:cNvPr>
+          <p:cNvGraphicFramePr>
+            <a:graphicFrameLocks noGrp="1"/>
+          </p:cNvGraphicFramePr>
+          <p:nvPr>
+            <p:ph idx="1"/>
+            <p:extLst>
+              <p:ext uri="{D42A27DB-BD31-4B8C-83A1-F6EECF244321}">
+                <p14:modId xmlns:p14="http://schemas.microsoft.com/office/powerpoint/2010/main" val="2136380287"/>
+              </p:ext>
+            </p:extLst>
+          </p:nvPr>
+        </p:nvGraphicFramePr>
+        <p:xfrm>
+          <a:off x="1311965" y="337930"/>
+          <a:ext cx="10018644" cy="5496341"/>
+        </p:xfrm>
+        <a:graphic>
+          <a:graphicData uri="http://schemas.openxmlformats.org/drawingml/2006/diagram">
+            <dgm:relIds xmlns:dgm="http://schemas.openxmlformats.org/drawingml/2006/diagram" xmlns:r="http://schemas.openxmlformats.org/officeDocument/2006/relationships" r:dm="rId2" r:lo="rId3" r:qs="rId4" r:cs="rId5"/>
+          </a:graphicData>
+        </a:graphic>
+      </p:graphicFrame>
+      <p:sp>
+        <p:nvSpPr>
+          <p:cNvPr id="5" name="TextBox 4">
+            <a:extLst>
+              <a:ext uri="{FF2B5EF4-FFF2-40B4-BE49-F238E27FC236}">
+                <a16:creationId xmlns:a16="http://schemas.microsoft.com/office/drawing/2014/main" id="{90CD103F-ADF4-A942-B483-355A2B0DAE16}"/>
+              </a:ext>
+            </a:extLst>
+          </p:cNvPr>
+          <p:cNvSpPr txBox="1"/>
+          <p:nvPr/>
+        </p:nvSpPr>
+        <p:spPr>
+          <a:xfrm>
+            <a:off x="4051786" y="1954714"/>
+            <a:ext cx="1840735" cy="646331"/>
+          </a:xfrm>
+          <a:prstGeom prst="rect">
+            <a:avLst/>
+          </a:prstGeom>
+          <a:noFill/>
+        </p:spPr>
+        <p:txBody>
+          <a:bodyPr wrap="square" rtlCol="0">
+            <a:spAutoFit/>
+          </a:bodyPr>
+          <a:lstStyle/>
+          <a:p>
+            <a:r>
+              <a:rPr lang="en-US" dirty="0"/>
+              <a:t>Social inclusion and open access</a:t>
+            </a:r>
+          </a:p>
+        </p:txBody>
+      </p:sp>
+      <p:sp>
+        <p:nvSpPr>
+          <p:cNvPr id="8" name="TextBox 7">
+            <a:extLst>
+              <a:ext uri="{FF2B5EF4-FFF2-40B4-BE49-F238E27FC236}">
+                <a16:creationId xmlns:a16="http://schemas.microsoft.com/office/drawing/2014/main" id="{2F6333EF-09AE-694A-9D1F-4B6A0987F099}"/>
+              </a:ext>
+            </a:extLst>
+          </p:cNvPr>
+          <p:cNvSpPr txBox="1"/>
+          <p:nvPr/>
+        </p:nvSpPr>
+        <p:spPr>
+          <a:xfrm>
+            <a:off x="5955302" y="4178363"/>
+            <a:ext cx="1224173" cy="646331"/>
+          </a:xfrm>
+          <a:prstGeom prst="rect">
+            <a:avLst/>
+          </a:prstGeom>
+          <a:noFill/>
+        </p:spPr>
+        <p:txBody>
+          <a:bodyPr wrap="square" rtlCol="0">
+            <a:spAutoFit/>
+          </a:bodyPr>
+          <a:lstStyle/>
+          <a:p>
+            <a:r>
+              <a:rPr lang="en-US" dirty="0"/>
+              <a:t>Nuclear</a:t>
+            </a:r>
+          </a:p>
+          <a:p>
+            <a:r>
+              <a:rPr lang="en-US" dirty="0"/>
+              <a:t>energy</a:t>
+            </a:r>
+          </a:p>
+        </p:txBody>
+      </p:sp>
+      <p:sp>
+        <p:nvSpPr>
+          <p:cNvPr id="9" name="TextBox 8">
+            <a:extLst>
+              <a:ext uri="{FF2B5EF4-FFF2-40B4-BE49-F238E27FC236}">
+                <a16:creationId xmlns:a16="http://schemas.microsoft.com/office/drawing/2014/main" id="{3CC47464-F804-7D41-88C6-DC690DDCBBFB}"/>
+              </a:ext>
+            </a:extLst>
+          </p:cNvPr>
+          <p:cNvSpPr txBox="1"/>
+          <p:nvPr/>
+        </p:nvSpPr>
+        <p:spPr>
+          <a:xfrm>
+            <a:off x="5391977" y="654397"/>
+            <a:ext cx="1858619" cy="369332"/>
+          </a:xfrm>
+          <a:prstGeom prst="rect">
+            <a:avLst/>
+          </a:prstGeom>
+          <a:noFill/>
+        </p:spPr>
+        <p:txBody>
+          <a:bodyPr wrap="square" rtlCol="0">
+            <a:spAutoFit/>
+          </a:bodyPr>
+          <a:lstStyle/>
+          <a:p>
+            <a:r>
+              <a:rPr lang="en-US" dirty="0">
+                <a:highlight>
+                  <a:srgbClr val="FFFF00"/>
+                </a:highlight>
+              </a:rPr>
+              <a:t>Poverty reduction</a:t>
+            </a:r>
+          </a:p>
+        </p:txBody>
+      </p:sp>
+      <p:sp>
+        <p:nvSpPr>
+          <p:cNvPr id="10" name="TextBox 9">
+            <a:extLst>
+              <a:ext uri="{FF2B5EF4-FFF2-40B4-BE49-F238E27FC236}">
+                <a16:creationId xmlns:a16="http://schemas.microsoft.com/office/drawing/2014/main" id="{F4F0667D-D035-9642-88DC-ABF6A16BF257}"/>
+              </a:ext>
+            </a:extLst>
+          </p:cNvPr>
+          <p:cNvSpPr txBox="1"/>
+          <p:nvPr/>
+        </p:nvSpPr>
+        <p:spPr>
+          <a:xfrm>
+            <a:off x="6207760" y="3168787"/>
+            <a:ext cx="1858619" cy="646331"/>
+          </a:xfrm>
+          <a:prstGeom prst="rect">
+            <a:avLst/>
+          </a:prstGeom>
+          <a:noFill/>
+        </p:spPr>
+        <p:txBody>
+          <a:bodyPr wrap="square" rtlCol="0">
+            <a:spAutoFit/>
+          </a:bodyPr>
+          <a:lstStyle/>
+          <a:p>
+            <a:r>
+              <a:rPr lang="en-US" dirty="0"/>
+              <a:t>Carbon</a:t>
+            </a:r>
+          </a:p>
+          <a:p>
+            <a:r>
+              <a:rPr lang="en-US" dirty="0"/>
+              <a:t>emissions</a:t>
+            </a:r>
+          </a:p>
+        </p:txBody>
+      </p:sp>
+      <p:sp>
+        <p:nvSpPr>
+          <p:cNvPr id="11" name="TextBox 10">
+            <a:extLst>
+              <a:ext uri="{FF2B5EF4-FFF2-40B4-BE49-F238E27FC236}">
+                <a16:creationId xmlns:a16="http://schemas.microsoft.com/office/drawing/2014/main" id="{D9BF6896-D293-6241-9CC9-905E5AF0CE9E}"/>
+              </a:ext>
+            </a:extLst>
+          </p:cNvPr>
+          <p:cNvSpPr txBox="1"/>
+          <p:nvPr/>
+        </p:nvSpPr>
+        <p:spPr>
+          <a:xfrm>
+            <a:off x="3926225" y="2601045"/>
+            <a:ext cx="1966296" cy="646331"/>
+          </a:xfrm>
+          <a:prstGeom prst="rect">
+            <a:avLst/>
+          </a:prstGeom>
+          <a:noFill/>
+        </p:spPr>
+        <p:txBody>
+          <a:bodyPr wrap="square" rtlCol="0">
+            <a:spAutoFit/>
+          </a:bodyPr>
+          <a:lstStyle/>
+          <a:p>
+            <a:r>
+              <a:rPr lang="en-US" dirty="0"/>
+              <a:t>Automation and the future of work</a:t>
+            </a:r>
+          </a:p>
+        </p:txBody>
+      </p:sp>
+      <p:sp>
+        <p:nvSpPr>
+          <p:cNvPr id="13" name="TextBox 12">
+            <a:extLst>
+              <a:ext uri="{FF2B5EF4-FFF2-40B4-BE49-F238E27FC236}">
+                <a16:creationId xmlns:a16="http://schemas.microsoft.com/office/drawing/2014/main" id="{10CDCC2D-AD29-7244-B1F7-2AE2642E5DEB}"/>
+              </a:ext>
+            </a:extLst>
+          </p:cNvPr>
+          <p:cNvSpPr txBox="1"/>
+          <p:nvPr/>
+        </p:nvSpPr>
+        <p:spPr>
+          <a:xfrm>
+            <a:off x="6761005" y="2478079"/>
+            <a:ext cx="1966296" cy="646331"/>
+          </a:xfrm>
+          <a:prstGeom prst="rect">
+            <a:avLst/>
+          </a:prstGeom>
+          <a:noFill/>
+        </p:spPr>
+        <p:txBody>
+          <a:bodyPr wrap="square" rtlCol="0">
+            <a:spAutoFit/>
+          </a:bodyPr>
+          <a:lstStyle/>
+          <a:p>
+            <a:r>
+              <a:rPr lang="en-US" dirty="0">
+                <a:highlight>
+                  <a:srgbClr val="FFFF00"/>
+                </a:highlight>
+              </a:rPr>
+              <a:t>Public</a:t>
+            </a:r>
+          </a:p>
+          <a:p>
+            <a:r>
+              <a:rPr lang="en-US" dirty="0">
+                <a:highlight>
+                  <a:srgbClr val="FFFF00"/>
+                </a:highlight>
+              </a:rPr>
+              <a:t>health</a:t>
             </a:r>
           </a:p>
         </p:txBody>
@@ -7116,7 +12219,7 @@
     </p:spTree>
     <p:extLst>
       <p:ext uri="{BB962C8B-B14F-4D97-AF65-F5344CB8AC3E}">
-        <p14:creationId xmlns:p14="http://schemas.microsoft.com/office/powerpoint/2010/main" val="3638206512"/>
+        <p14:creationId xmlns:p14="http://schemas.microsoft.com/office/powerpoint/2010/main" val="1900885959"/>
       </p:ext>
     </p:extLst>
   </p:cSld>
